--- a/ThinkStats2-master/final/Employee Attrition - DSC530 Final.pptx
+++ b/ThinkStats2-master/final/Employee Attrition - DSC530 Final.pptx
@@ -15,16 +15,46 @@
     <p:sldId id="260" r:id="rId10"/>
     <p:sldId id="261" r:id="rId11"/>
     <p:sldId id="262" r:id="rId12"/>
+    <p:sldId id="263" r:id="rId13"/>
+    <p:sldId id="264" r:id="rId14"/>
+    <p:sldId id="265" r:id="rId15"/>
+    <p:sldId id="266" r:id="rId16"/>
+    <p:sldId id="267" r:id="rId17"/>
+    <p:sldId id="268" r:id="rId18"/>
+    <p:sldId id="269" r:id="rId19"/>
+    <p:sldId id="270" r:id="rId20"/>
+    <p:sldId id="271" r:id="rId21"/>
+    <p:sldId id="272" r:id="rId22"/>
+    <p:sldId id="273" r:id="rId23"/>
+    <p:sldId id="274" r:id="rId24"/>
+    <p:sldId id="275" r:id="rId25"/>
+    <p:sldId id="276" r:id="rId26"/>
+    <p:sldId id="277" r:id="rId27"/>
+    <p:sldId id="278" r:id="rId28"/>
+    <p:sldId id="279" r:id="rId29"/>
+    <p:sldId id="280" r:id="rId30"/>
+    <p:sldId id="281" r:id="rId31"/>
+    <p:sldId id="282" r:id="rId32"/>
+    <p:sldId id="283" r:id="rId33"/>
+    <p:sldId id="284" r:id="rId34"/>
+    <p:sldId id="285" r:id="rId35"/>
+    <p:sldId id="286" r:id="rId36"/>
+    <p:sldId id="287" r:id="rId37"/>
+    <p:sldId id="288" r:id="rId38"/>
+    <p:sldId id="289" r:id="rId39"/>
+    <p:sldId id="290" r:id="rId40"/>
+    <p:sldId id="291" r:id="rId41"/>
+    <p:sldId id="292" r:id="rId42"/>
   </p:sldIdLst>
   <p:sldSz cy="5143500" cx="9144000"/>
   <p:notesSz cx="6858000" cy="9144000"/>
   <p:embeddedFontLst>
     <p:embeddedFont>
       <p:font typeface="Nunito"/>
-      <p:regular r:id="rId13"/>
-      <p:bold r:id="rId14"/>
-      <p:italic r:id="rId15"/>
-      <p:boldItalic r:id="rId16"/>
+      <p:regular r:id="rId43"/>
+      <p:bold r:id="rId44"/>
+      <p:italic r:id="rId45"/>
+      <p:boldItalic r:id="rId46"/>
     </p:embeddedFont>
   </p:embeddedFontLst>
   <p:defaultTextStyle>
@@ -800,12 +830,12 @@
 </p:notes>
 </file>
 
-<file path=ppt/notesSlides/notesSlide2.xml><?xml version="1.0" encoding="utf-8"?>
+<file path=ppt/notesSlides/notesSlide10.xml><?xml version="1.0" encoding="utf-8"?>
 <p:notes xmlns:a="http://schemas.openxmlformats.org/drawingml/2006/main" xmlns:r="http://schemas.openxmlformats.org/officeDocument/2006/relationships" xmlns:mc="http://schemas.openxmlformats.org/markup-compatibility/2006" xmlns:mv="urn:schemas-microsoft-com:mac:vml" xmlns:p="http://schemas.openxmlformats.org/presentationml/2006/main" xmlns:c="http://schemas.openxmlformats.org/drawingml/2006/chart" xmlns:dgm="http://schemas.openxmlformats.org/drawingml/2006/diagram" xmlns:o="urn:schemas-microsoft-com:office:office" xmlns:v="urn:schemas-microsoft-com:vml" xmlns:pvml="urn:schemas-microsoft-com:office:powerpoint" xmlns:com="http://schemas.openxmlformats.org/drawingml/2006/compatibility" xmlns:p14="http://schemas.microsoft.com/office/powerpoint/2010/main" xmlns:p15="http://schemas.microsoft.com/office/powerpoint/2012/main" xmlns:ahyp="http://schemas.microsoft.com/office/drawing/2018/hyperlinkcolor" showMasterPhAnim="0" showMasterSp="0">
   <p:cSld>
     <p:spTree>
       <p:nvGrpSpPr>
-        <p:cNvPr id="130" name="Shape 130"/>
+        <p:cNvPr id="184" name="Shape 184"/>
         <p:cNvGrpSpPr/>
         <p:nvPr/>
       </p:nvGrpSpPr>
@@ -819,7 +849,7 @@
       </p:grpSpPr>
       <p:sp>
         <p:nvSpPr>
-          <p:cNvPr id="131" name="Google Shape;131;ge953af76dd_0_119:notes"/>
+          <p:cNvPr id="185" name="Google Shape;185;ge81ccddd1b_0_15:notes"/>
           <p:cNvSpPr/>
           <p:nvPr>
             <p:ph idx="2" type="sldImg"/>
@@ -854,7 +884,1987 @@
       </p:sp>
       <p:sp>
         <p:nvSpPr>
+          <p:cNvPr id="186" name="Google Shape;186;ge81ccddd1b_0_15:notes"/>
+          <p:cNvSpPr txBox="1"/>
+          <p:nvPr>
+            <p:ph idx="1" type="body"/>
+          </p:nvPr>
+        </p:nvSpPr>
+        <p:spPr>
+          <a:xfrm>
+            <a:off x="685800" y="4343400"/>
+            <a:ext cx="5486400" cy="4114800"/>
+          </a:xfrm>
+          <a:prstGeom prst="rect">
+            <a:avLst/>
+          </a:prstGeom>
+        </p:spPr>
+        <p:txBody>
+          <a:bodyPr anchorCtr="0" anchor="t" bIns="91425" lIns="91425" spcFirstLastPara="1" rIns="91425" wrap="square" tIns="91425">
+            <a:noAutofit/>
+          </a:bodyPr>
+          <a:lstStyle/>
+          <a:p>
+            <a:pPr indent="0" lvl="0" marL="0" rtl="0" algn="l">
+              <a:spcBef>
+                <a:spcPts val="0"/>
+              </a:spcBef>
+              <a:spcAft>
+                <a:spcPts val="0"/>
+              </a:spcAft>
+              <a:buNone/>
+            </a:pPr>
+            <a:r>
+              <a:t/>
+            </a:r>
+            <a:endParaRPr/>
+          </a:p>
+        </p:txBody>
+      </p:sp>
+    </p:spTree>
+  </p:cSld>
+  <p:clrMapOvr>
+    <a:masterClrMapping/>
+  </p:clrMapOvr>
+</p:notes>
+</file>
+
+<file path=ppt/notesSlides/notesSlide11.xml><?xml version="1.0" encoding="utf-8"?>
+<p:notes xmlns:a="http://schemas.openxmlformats.org/drawingml/2006/main" xmlns:r="http://schemas.openxmlformats.org/officeDocument/2006/relationships" xmlns:mc="http://schemas.openxmlformats.org/markup-compatibility/2006" xmlns:mv="urn:schemas-microsoft-com:mac:vml" xmlns:p="http://schemas.openxmlformats.org/presentationml/2006/main" xmlns:c="http://schemas.openxmlformats.org/drawingml/2006/chart" xmlns:dgm="http://schemas.openxmlformats.org/drawingml/2006/diagram" xmlns:o="urn:schemas-microsoft-com:office:office" xmlns:v="urn:schemas-microsoft-com:vml" xmlns:pvml="urn:schemas-microsoft-com:office:powerpoint" xmlns:com="http://schemas.openxmlformats.org/drawingml/2006/compatibility" xmlns:p14="http://schemas.microsoft.com/office/powerpoint/2010/main" xmlns:p15="http://schemas.microsoft.com/office/powerpoint/2012/main" xmlns:ahyp="http://schemas.microsoft.com/office/drawing/2018/hyperlinkcolor" showMasterPhAnim="0" showMasterSp="0">
+  <p:cSld>
+    <p:spTree>
+      <p:nvGrpSpPr>
+        <p:cNvPr id="191" name="Shape 191"/>
+        <p:cNvGrpSpPr/>
+        <p:nvPr/>
+      </p:nvGrpSpPr>
+      <p:grpSpPr>
+        <a:xfrm>
+          <a:off x="0" y="0"/>
+          <a:ext cx="0" cy="0"/>
+          <a:chOff x="0" y="0"/>
+          <a:chExt cx="0" cy="0"/>
+        </a:xfrm>
+      </p:grpSpPr>
+      <p:sp>
+        <p:nvSpPr>
+          <p:cNvPr id="192" name="Google Shape;192;ge81ccddd1b_0_60:notes"/>
+          <p:cNvSpPr/>
+          <p:nvPr>
+            <p:ph idx="2" type="sldImg"/>
+          </p:nvPr>
+        </p:nvSpPr>
+        <p:spPr>
+          <a:xfrm>
+            <a:off x="381300" y="685800"/>
+            <a:ext cx="6096000" cy="3429000"/>
+          </a:xfrm>
+          <a:custGeom>
+            <a:rect b="b" l="l" r="r" t="t"/>
+            <a:pathLst>
+              <a:path extrusionOk="0" h="120000" w="120000">
+                <a:moveTo>
+                  <a:pt x="0" y="0"/>
+                </a:moveTo>
+                <a:lnTo>
+                  <a:pt x="120000" y="0"/>
+                </a:lnTo>
+                <a:lnTo>
+                  <a:pt x="120000" y="120000"/>
+                </a:lnTo>
+                <a:lnTo>
+                  <a:pt x="0" y="120000"/>
+                </a:lnTo>
+                <a:close/>
+              </a:path>
+            </a:pathLst>
+          </a:custGeom>
+        </p:spPr>
+      </p:sp>
+      <p:sp>
+        <p:nvSpPr>
+          <p:cNvPr id="193" name="Google Shape;193;ge81ccddd1b_0_60:notes"/>
+          <p:cNvSpPr txBox="1"/>
+          <p:nvPr>
+            <p:ph idx="1" type="body"/>
+          </p:nvPr>
+        </p:nvSpPr>
+        <p:spPr>
+          <a:xfrm>
+            <a:off x="685800" y="4343400"/>
+            <a:ext cx="5486400" cy="4114800"/>
+          </a:xfrm>
+          <a:prstGeom prst="rect">
+            <a:avLst/>
+          </a:prstGeom>
+        </p:spPr>
+        <p:txBody>
+          <a:bodyPr anchorCtr="0" anchor="t" bIns="91425" lIns="91425" spcFirstLastPara="1" rIns="91425" wrap="square" tIns="91425">
+            <a:noAutofit/>
+          </a:bodyPr>
+          <a:lstStyle/>
+          <a:p>
+            <a:pPr indent="0" lvl="0" marL="0" rtl="0" algn="l">
+              <a:spcBef>
+                <a:spcPts val="0"/>
+              </a:spcBef>
+              <a:spcAft>
+                <a:spcPts val="0"/>
+              </a:spcAft>
+              <a:buNone/>
+            </a:pPr>
+            <a:r>
+              <a:t/>
+            </a:r>
+            <a:endParaRPr/>
+          </a:p>
+        </p:txBody>
+      </p:sp>
+    </p:spTree>
+  </p:cSld>
+  <p:clrMapOvr>
+    <a:masterClrMapping/>
+  </p:clrMapOvr>
+</p:notes>
+</file>
+
+<file path=ppt/notesSlides/notesSlide12.xml><?xml version="1.0" encoding="utf-8"?>
+<p:notes xmlns:a="http://schemas.openxmlformats.org/drawingml/2006/main" xmlns:r="http://schemas.openxmlformats.org/officeDocument/2006/relationships" xmlns:mc="http://schemas.openxmlformats.org/markup-compatibility/2006" xmlns:mv="urn:schemas-microsoft-com:mac:vml" xmlns:p="http://schemas.openxmlformats.org/presentationml/2006/main" xmlns:c="http://schemas.openxmlformats.org/drawingml/2006/chart" xmlns:dgm="http://schemas.openxmlformats.org/drawingml/2006/diagram" xmlns:o="urn:schemas-microsoft-com:office:office" xmlns:v="urn:schemas-microsoft-com:vml" xmlns:pvml="urn:schemas-microsoft-com:office:powerpoint" xmlns:com="http://schemas.openxmlformats.org/drawingml/2006/compatibility" xmlns:p14="http://schemas.microsoft.com/office/powerpoint/2010/main" xmlns:p15="http://schemas.microsoft.com/office/powerpoint/2012/main" xmlns:ahyp="http://schemas.microsoft.com/office/drawing/2018/hyperlinkcolor" showMasterPhAnim="0" showMasterSp="0">
+  <p:cSld>
+    <p:spTree>
+      <p:nvGrpSpPr>
+        <p:cNvPr id="198" name="Shape 198"/>
+        <p:cNvGrpSpPr/>
+        <p:nvPr/>
+      </p:nvGrpSpPr>
+      <p:grpSpPr>
+        <a:xfrm>
+          <a:off x="0" y="0"/>
+          <a:ext cx="0" cy="0"/>
+          <a:chOff x="0" y="0"/>
+          <a:chExt cx="0" cy="0"/>
+        </a:xfrm>
+      </p:grpSpPr>
+      <p:sp>
+        <p:nvSpPr>
+          <p:cNvPr id="199" name="Google Shape;199;ge81ccddd1b_0_23:notes"/>
+          <p:cNvSpPr/>
+          <p:nvPr>
+            <p:ph idx="2" type="sldImg"/>
+          </p:nvPr>
+        </p:nvSpPr>
+        <p:spPr>
+          <a:xfrm>
+            <a:off x="381300" y="685800"/>
+            <a:ext cx="6096000" cy="3429000"/>
+          </a:xfrm>
+          <a:custGeom>
+            <a:rect b="b" l="l" r="r" t="t"/>
+            <a:pathLst>
+              <a:path extrusionOk="0" h="120000" w="120000">
+                <a:moveTo>
+                  <a:pt x="0" y="0"/>
+                </a:moveTo>
+                <a:lnTo>
+                  <a:pt x="120000" y="0"/>
+                </a:lnTo>
+                <a:lnTo>
+                  <a:pt x="120000" y="120000"/>
+                </a:lnTo>
+                <a:lnTo>
+                  <a:pt x="0" y="120000"/>
+                </a:lnTo>
+                <a:close/>
+              </a:path>
+            </a:pathLst>
+          </a:custGeom>
+        </p:spPr>
+      </p:sp>
+      <p:sp>
+        <p:nvSpPr>
+          <p:cNvPr id="200" name="Google Shape;200;ge81ccddd1b_0_23:notes"/>
+          <p:cNvSpPr txBox="1"/>
+          <p:nvPr>
+            <p:ph idx="1" type="body"/>
+          </p:nvPr>
+        </p:nvSpPr>
+        <p:spPr>
+          <a:xfrm>
+            <a:off x="685800" y="4343400"/>
+            <a:ext cx="5486400" cy="4114800"/>
+          </a:xfrm>
+          <a:prstGeom prst="rect">
+            <a:avLst/>
+          </a:prstGeom>
+        </p:spPr>
+        <p:txBody>
+          <a:bodyPr anchorCtr="0" anchor="t" bIns="91425" lIns="91425" spcFirstLastPara="1" rIns="91425" wrap="square" tIns="91425">
+            <a:noAutofit/>
+          </a:bodyPr>
+          <a:lstStyle/>
+          <a:p>
+            <a:pPr indent="0" lvl="0" marL="0" rtl="0" algn="l">
+              <a:spcBef>
+                <a:spcPts val="0"/>
+              </a:spcBef>
+              <a:spcAft>
+                <a:spcPts val="0"/>
+              </a:spcAft>
+              <a:buNone/>
+            </a:pPr>
+            <a:r>
+              <a:t/>
+            </a:r>
+            <a:endParaRPr/>
+          </a:p>
+        </p:txBody>
+      </p:sp>
+    </p:spTree>
+  </p:cSld>
+  <p:clrMapOvr>
+    <a:masterClrMapping/>
+  </p:clrMapOvr>
+</p:notes>
+</file>
+
+<file path=ppt/notesSlides/notesSlide13.xml><?xml version="1.0" encoding="utf-8"?>
+<p:notes xmlns:a="http://schemas.openxmlformats.org/drawingml/2006/main" xmlns:r="http://schemas.openxmlformats.org/officeDocument/2006/relationships" xmlns:mc="http://schemas.openxmlformats.org/markup-compatibility/2006" xmlns:mv="urn:schemas-microsoft-com:mac:vml" xmlns:p="http://schemas.openxmlformats.org/presentationml/2006/main" xmlns:c="http://schemas.openxmlformats.org/drawingml/2006/chart" xmlns:dgm="http://schemas.openxmlformats.org/drawingml/2006/diagram" xmlns:o="urn:schemas-microsoft-com:office:office" xmlns:v="urn:schemas-microsoft-com:vml" xmlns:pvml="urn:schemas-microsoft-com:office:powerpoint" xmlns:com="http://schemas.openxmlformats.org/drawingml/2006/compatibility" xmlns:p14="http://schemas.microsoft.com/office/powerpoint/2010/main" xmlns:p15="http://schemas.microsoft.com/office/powerpoint/2012/main" xmlns:ahyp="http://schemas.microsoft.com/office/drawing/2018/hyperlinkcolor" showMasterPhAnim="0" showMasterSp="0">
+  <p:cSld>
+    <p:spTree>
+      <p:nvGrpSpPr>
+        <p:cNvPr id="205" name="Shape 205"/>
+        <p:cNvGrpSpPr/>
+        <p:nvPr/>
+      </p:nvGrpSpPr>
+      <p:grpSpPr>
+        <a:xfrm>
+          <a:off x="0" y="0"/>
+          <a:ext cx="0" cy="0"/>
+          <a:chOff x="0" y="0"/>
+          <a:chExt cx="0" cy="0"/>
+        </a:xfrm>
+      </p:grpSpPr>
+      <p:sp>
+        <p:nvSpPr>
+          <p:cNvPr id="206" name="Google Shape;206;ge81ccddd1b_0_31:notes"/>
+          <p:cNvSpPr/>
+          <p:nvPr>
+            <p:ph idx="2" type="sldImg"/>
+          </p:nvPr>
+        </p:nvSpPr>
+        <p:spPr>
+          <a:xfrm>
+            <a:off x="381300" y="685800"/>
+            <a:ext cx="6096000" cy="3429000"/>
+          </a:xfrm>
+          <a:custGeom>
+            <a:rect b="b" l="l" r="r" t="t"/>
+            <a:pathLst>
+              <a:path extrusionOk="0" h="120000" w="120000">
+                <a:moveTo>
+                  <a:pt x="0" y="0"/>
+                </a:moveTo>
+                <a:lnTo>
+                  <a:pt x="120000" y="0"/>
+                </a:lnTo>
+                <a:lnTo>
+                  <a:pt x="120000" y="120000"/>
+                </a:lnTo>
+                <a:lnTo>
+                  <a:pt x="0" y="120000"/>
+                </a:lnTo>
+                <a:close/>
+              </a:path>
+            </a:pathLst>
+          </a:custGeom>
+        </p:spPr>
+      </p:sp>
+      <p:sp>
+        <p:nvSpPr>
+          <p:cNvPr id="207" name="Google Shape;207;ge81ccddd1b_0_31:notes"/>
+          <p:cNvSpPr txBox="1"/>
+          <p:nvPr>
+            <p:ph idx="1" type="body"/>
+          </p:nvPr>
+        </p:nvSpPr>
+        <p:spPr>
+          <a:xfrm>
+            <a:off x="685800" y="4343400"/>
+            <a:ext cx="5486400" cy="4114800"/>
+          </a:xfrm>
+          <a:prstGeom prst="rect">
+            <a:avLst/>
+          </a:prstGeom>
+        </p:spPr>
+        <p:txBody>
+          <a:bodyPr anchorCtr="0" anchor="t" bIns="91425" lIns="91425" spcFirstLastPara="1" rIns="91425" wrap="square" tIns="91425">
+            <a:noAutofit/>
+          </a:bodyPr>
+          <a:lstStyle/>
+          <a:p>
+            <a:pPr indent="0" lvl="0" marL="0" rtl="0" algn="l">
+              <a:spcBef>
+                <a:spcPts val="0"/>
+              </a:spcBef>
+              <a:spcAft>
+                <a:spcPts val="0"/>
+              </a:spcAft>
+              <a:buNone/>
+            </a:pPr>
+            <a:r>
+              <a:t/>
+            </a:r>
+            <a:endParaRPr/>
+          </a:p>
+        </p:txBody>
+      </p:sp>
+    </p:spTree>
+  </p:cSld>
+  <p:clrMapOvr>
+    <a:masterClrMapping/>
+  </p:clrMapOvr>
+</p:notes>
+</file>
+
+<file path=ppt/notesSlides/notesSlide14.xml><?xml version="1.0" encoding="utf-8"?>
+<p:notes xmlns:a="http://schemas.openxmlformats.org/drawingml/2006/main" xmlns:r="http://schemas.openxmlformats.org/officeDocument/2006/relationships" xmlns:mc="http://schemas.openxmlformats.org/markup-compatibility/2006" xmlns:mv="urn:schemas-microsoft-com:mac:vml" xmlns:p="http://schemas.openxmlformats.org/presentationml/2006/main" xmlns:c="http://schemas.openxmlformats.org/drawingml/2006/chart" xmlns:dgm="http://schemas.openxmlformats.org/drawingml/2006/diagram" xmlns:o="urn:schemas-microsoft-com:office:office" xmlns:v="urn:schemas-microsoft-com:vml" xmlns:pvml="urn:schemas-microsoft-com:office:powerpoint" xmlns:com="http://schemas.openxmlformats.org/drawingml/2006/compatibility" xmlns:p14="http://schemas.microsoft.com/office/powerpoint/2010/main" xmlns:p15="http://schemas.microsoft.com/office/powerpoint/2012/main" xmlns:ahyp="http://schemas.microsoft.com/office/drawing/2018/hyperlinkcolor" showMasterPhAnim="0" showMasterSp="0">
+  <p:cSld>
+    <p:spTree>
+      <p:nvGrpSpPr>
+        <p:cNvPr id="211" name="Shape 211"/>
+        <p:cNvGrpSpPr/>
+        <p:nvPr/>
+      </p:nvGrpSpPr>
+      <p:grpSpPr>
+        <a:xfrm>
+          <a:off x="0" y="0"/>
+          <a:ext cx="0" cy="0"/>
+          <a:chOff x="0" y="0"/>
+          <a:chExt cx="0" cy="0"/>
+        </a:xfrm>
+      </p:grpSpPr>
+      <p:sp>
+        <p:nvSpPr>
+          <p:cNvPr id="212" name="Google Shape;212;ge81ccddd1b_0_42:notes"/>
+          <p:cNvSpPr/>
+          <p:nvPr>
+            <p:ph idx="2" type="sldImg"/>
+          </p:nvPr>
+        </p:nvSpPr>
+        <p:spPr>
+          <a:xfrm>
+            <a:off x="381300" y="685800"/>
+            <a:ext cx="6096000" cy="3429000"/>
+          </a:xfrm>
+          <a:custGeom>
+            <a:rect b="b" l="l" r="r" t="t"/>
+            <a:pathLst>
+              <a:path extrusionOk="0" h="120000" w="120000">
+                <a:moveTo>
+                  <a:pt x="0" y="0"/>
+                </a:moveTo>
+                <a:lnTo>
+                  <a:pt x="120000" y="0"/>
+                </a:lnTo>
+                <a:lnTo>
+                  <a:pt x="120000" y="120000"/>
+                </a:lnTo>
+                <a:lnTo>
+                  <a:pt x="0" y="120000"/>
+                </a:lnTo>
+                <a:close/>
+              </a:path>
+            </a:pathLst>
+          </a:custGeom>
+        </p:spPr>
+      </p:sp>
+      <p:sp>
+        <p:nvSpPr>
+          <p:cNvPr id="213" name="Google Shape;213;ge81ccddd1b_0_42:notes"/>
+          <p:cNvSpPr txBox="1"/>
+          <p:nvPr>
+            <p:ph idx="1" type="body"/>
+          </p:nvPr>
+        </p:nvSpPr>
+        <p:spPr>
+          <a:xfrm>
+            <a:off x="685800" y="4343400"/>
+            <a:ext cx="5486400" cy="4114800"/>
+          </a:xfrm>
+          <a:prstGeom prst="rect">
+            <a:avLst/>
+          </a:prstGeom>
+        </p:spPr>
+        <p:txBody>
+          <a:bodyPr anchorCtr="0" anchor="t" bIns="91425" lIns="91425" spcFirstLastPara="1" rIns="91425" wrap="square" tIns="91425">
+            <a:noAutofit/>
+          </a:bodyPr>
+          <a:lstStyle/>
+          <a:p>
+            <a:pPr indent="0" lvl="0" marL="0" rtl="0" algn="l">
+              <a:spcBef>
+                <a:spcPts val="0"/>
+              </a:spcBef>
+              <a:spcAft>
+                <a:spcPts val="0"/>
+              </a:spcAft>
+              <a:buNone/>
+            </a:pPr>
+            <a:r>
+              <a:t/>
+            </a:r>
+            <a:endParaRPr/>
+          </a:p>
+        </p:txBody>
+      </p:sp>
+    </p:spTree>
+  </p:cSld>
+  <p:clrMapOvr>
+    <a:masterClrMapping/>
+  </p:clrMapOvr>
+</p:notes>
+</file>
+
+<file path=ppt/notesSlides/notesSlide15.xml><?xml version="1.0" encoding="utf-8"?>
+<p:notes xmlns:a="http://schemas.openxmlformats.org/drawingml/2006/main" xmlns:r="http://schemas.openxmlformats.org/officeDocument/2006/relationships" xmlns:mc="http://schemas.openxmlformats.org/markup-compatibility/2006" xmlns:mv="urn:schemas-microsoft-com:mac:vml" xmlns:p="http://schemas.openxmlformats.org/presentationml/2006/main" xmlns:c="http://schemas.openxmlformats.org/drawingml/2006/chart" xmlns:dgm="http://schemas.openxmlformats.org/drawingml/2006/diagram" xmlns:o="urn:schemas-microsoft-com:office:office" xmlns:v="urn:schemas-microsoft-com:vml" xmlns:pvml="urn:schemas-microsoft-com:office:powerpoint" xmlns:com="http://schemas.openxmlformats.org/drawingml/2006/compatibility" xmlns:p14="http://schemas.microsoft.com/office/powerpoint/2010/main" xmlns:p15="http://schemas.microsoft.com/office/powerpoint/2012/main" xmlns:ahyp="http://schemas.microsoft.com/office/drawing/2018/hyperlinkcolor" showMasterPhAnim="0" showMasterSp="0">
+  <p:cSld>
+    <p:spTree>
+      <p:nvGrpSpPr>
+        <p:cNvPr id="217" name="Shape 217"/>
+        <p:cNvGrpSpPr/>
+        <p:nvPr/>
+      </p:nvGrpSpPr>
+      <p:grpSpPr>
+        <a:xfrm>
+          <a:off x="0" y="0"/>
+          <a:ext cx="0" cy="0"/>
+          <a:chOff x="0" y="0"/>
+          <a:chExt cx="0" cy="0"/>
+        </a:xfrm>
+      </p:grpSpPr>
+      <p:sp>
+        <p:nvSpPr>
+          <p:cNvPr id="218" name="Google Shape;218;ge81ccddd1b_0_48:notes"/>
+          <p:cNvSpPr/>
+          <p:nvPr>
+            <p:ph idx="2" type="sldImg"/>
+          </p:nvPr>
+        </p:nvSpPr>
+        <p:spPr>
+          <a:xfrm>
+            <a:off x="381300" y="685800"/>
+            <a:ext cx="6096000" cy="3429000"/>
+          </a:xfrm>
+          <a:custGeom>
+            <a:rect b="b" l="l" r="r" t="t"/>
+            <a:pathLst>
+              <a:path extrusionOk="0" h="120000" w="120000">
+                <a:moveTo>
+                  <a:pt x="0" y="0"/>
+                </a:moveTo>
+                <a:lnTo>
+                  <a:pt x="120000" y="0"/>
+                </a:lnTo>
+                <a:lnTo>
+                  <a:pt x="120000" y="120000"/>
+                </a:lnTo>
+                <a:lnTo>
+                  <a:pt x="0" y="120000"/>
+                </a:lnTo>
+                <a:close/>
+              </a:path>
+            </a:pathLst>
+          </a:custGeom>
+        </p:spPr>
+      </p:sp>
+      <p:sp>
+        <p:nvSpPr>
+          <p:cNvPr id="219" name="Google Shape;219;ge81ccddd1b_0_48:notes"/>
+          <p:cNvSpPr txBox="1"/>
+          <p:nvPr>
+            <p:ph idx="1" type="body"/>
+          </p:nvPr>
+        </p:nvSpPr>
+        <p:spPr>
+          <a:xfrm>
+            <a:off x="685800" y="4343400"/>
+            <a:ext cx="5486400" cy="4114800"/>
+          </a:xfrm>
+          <a:prstGeom prst="rect">
+            <a:avLst/>
+          </a:prstGeom>
+        </p:spPr>
+        <p:txBody>
+          <a:bodyPr anchorCtr="0" anchor="t" bIns="91425" lIns="91425" spcFirstLastPara="1" rIns="91425" wrap="square" tIns="91425">
+            <a:noAutofit/>
+          </a:bodyPr>
+          <a:lstStyle/>
+          <a:p>
+            <a:pPr indent="0" lvl="0" marL="0" rtl="0" algn="l">
+              <a:spcBef>
+                <a:spcPts val="0"/>
+              </a:spcBef>
+              <a:spcAft>
+                <a:spcPts val="0"/>
+              </a:spcAft>
+              <a:buNone/>
+            </a:pPr>
+            <a:r>
+              <a:t/>
+            </a:r>
+            <a:endParaRPr/>
+          </a:p>
+        </p:txBody>
+      </p:sp>
+    </p:spTree>
+  </p:cSld>
+  <p:clrMapOvr>
+    <a:masterClrMapping/>
+  </p:clrMapOvr>
+</p:notes>
+</file>
+
+<file path=ppt/notesSlides/notesSlide16.xml><?xml version="1.0" encoding="utf-8"?>
+<p:notes xmlns:a="http://schemas.openxmlformats.org/drawingml/2006/main" xmlns:r="http://schemas.openxmlformats.org/officeDocument/2006/relationships" xmlns:mc="http://schemas.openxmlformats.org/markup-compatibility/2006" xmlns:mv="urn:schemas-microsoft-com:mac:vml" xmlns:p="http://schemas.openxmlformats.org/presentationml/2006/main" xmlns:c="http://schemas.openxmlformats.org/drawingml/2006/chart" xmlns:dgm="http://schemas.openxmlformats.org/drawingml/2006/diagram" xmlns:o="urn:schemas-microsoft-com:office:office" xmlns:v="urn:schemas-microsoft-com:vml" xmlns:pvml="urn:schemas-microsoft-com:office:powerpoint" xmlns:com="http://schemas.openxmlformats.org/drawingml/2006/compatibility" xmlns:p14="http://schemas.microsoft.com/office/powerpoint/2010/main" xmlns:p15="http://schemas.microsoft.com/office/powerpoint/2012/main" xmlns:ahyp="http://schemas.microsoft.com/office/drawing/2018/hyperlinkcolor" showMasterPhAnim="0" showMasterSp="0">
+  <p:cSld>
+    <p:spTree>
+      <p:nvGrpSpPr>
+        <p:cNvPr id="223" name="Shape 223"/>
+        <p:cNvGrpSpPr/>
+        <p:nvPr/>
+      </p:nvGrpSpPr>
+      <p:grpSpPr>
+        <a:xfrm>
+          <a:off x="0" y="0"/>
+          <a:ext cx="0" cy="0"/>
+          <a:chOff x="0" y="0"/>
+          <a:chExt cx="0" cy="0"/>
+        </a:xfrm>
+      </p:grpSpPr>
+      <p:sp>
+        <p:nvSpPr>
+          <p:cNvPr id="224" name="Google Shape;224;ge81ccddd1b_0_54:notes"/>
+          <p:cNvSpPr/>
+          <p:nvPr>
+            <p:ph idx="2" type="sldImg"/>
+          </p:nvPr>
+        </p:nvSpPr>
+        <p:spPr>
+          <a:xfrm>
+            <a:off x="381300" y="685800"/>
+            <a:ext cx="6096000" cy="3429000"/>
+          </a:xfrm>
+          <a:custGeom>
+            <a:rect b="b" l="l" r="r" t="t"/>
+            <a:pathLst>
+              <a:path extrusionOk="0" h="120000" w="120000">
+                <a:moveTo>
+                  <a:pt x="0" y="0"/>
+                </a:moveTo>
+                <a:lnTo>
+                  <a:pt x="120000" y="0"/>
+                </a:lnTo>
+                <a:lnTo>
+                  <a:pt x="120000" y="120000"/>
+                </a:lnTo>
+                <a:lnTo>
+                  <a:pt x="0" y="120000"/>
+                </a:lnTo>
+                <a:close/>
+              </a:path>
+            </a:pathLst>
+          </a:custGeom>
+        </p:spPr>
+      </p:sp>
+      <p:sp>
+        <p:nvSpPr>
+          <p:cNvPr id="225" name="Google Shape;225;ge81ccddd1b_0_54:notes"/>
+          <p:cNvSpPr txBox="1"/>
+          <p:nvPr>
+            <p:ph idx="1" type="body"/>
+          </p:nvPr>
+        </p:nvSpPr>
+        <p:spPr>
+          <a:xfrm>
+            <a:off x="685800" y="4343400"/>
+            <a:ext cx="5486400" cy="4114800"/>
+          </a:xfrm>
+          <a:prstGeom prst="rect">
+            <a:avLst/>
+          </a:prstGeom>
+        </p:spPr>
+        <p:txBody>
+          <a:bodyPr anchorCtr="0" anchor="t" bIns="91425" lIns="91425" spcFirstLastPara="1" rIns="91425" wrap="square" tIns="91425">
+            <a:noAutofit/>
+          </a:bodyPr>
+          <a:lstStyle/>
+          <a:p>
+            <a:pPr indent="0" lvl="0" marL="0" rtl="0" algn="l">
+              <a:spcBef>
+                <a:spcPts val="0"/>
+              </a:spcBef>
+              <a:spcAft>
+                <a:spcPts val="0"/>
+              </a:spcAft>
+              <a:buNone/>
+            </a:pPr>
+            <a:r>
+              <a:t/>
+            </a:r>
+            <a:endParaRPr/>
+          </a:p>
+        </p:txBody>
+      </p:sp>
+    </p:spTree>
+  </p:cSld>
+  <p:clrMapOvr>
+    <a:masterClrMapping/>
+  </p:clrMapOvr>
+</p:notes>
+</file>
+
+<file path=ppt/notesSlides/notesSlide17.xml><?xml version="1.0" encoding="utf-8"?>
+<p:notes xmlns:a="http://schemas.openxmlformats.org/drawingml/2006/main" xmlns:r="http://schemas.openxmlformats.org/officeDocument/2006/relationships" xmlns:mc="http://schemas.openxmlformats.org/markup-compatibility/2006" xmlns:mv="urn:schemas-microsoft-com:mac:vml" xmlns:p="http://schemas.openxmlformats.org/presentationml/2006/main" xmlns:c="http://schemas.openxmlformats.org/drawingml/2006/chart" xmlns:dgm="http://schemas.openxmlformats.org/drawingml/2006/diagram" xmlns:o="urn:schemas-microsoft-com:office:office" xmlns:v="urn:schemas-microsoft-com:vml" xmlns:pvml="urn:schemas-microsoft-com:office:powerpoint" xmlns:com="http://schemas.openxmlformats.org/drawingml/2006/compatibility" xmlns:p14="http://schemas.microsoft.com/office/powerpoint/2010/main" xmlns:p15="http://schemas.microsoft.com/office/powerpoint/2012/main" xmlns:ahyp="http://schemas.microsoft.com/office/drawing/2018/hyperlinkcolor" showMasterPhAnim="0" showMasterSp="0">
+  <p:cSld>
+    <p:spTree>
+      <p:nvGrpSpPr>
+        <p:cNvPr id="229" name="Shape 229"/>
+        <p:cNvGrpSpPr/>
+        <p:nvPr/>
+      </p:nvGrpSpPr>
+      <p:grpSpPr>
+        <a:xfrm>
+          <a:off x="0" y="0"/>
+          <a:ext cx="0" cy="0"/>
+          <a:chOff x="0" y="0"/>
+          <a:chExt cx="0" cy="0"/>
+        </a:xfrm>
+      </p:grpSpPr>
+      <p:sp>
+        <p:nvSpPr>
+          <p:cNvPr id="230" name="Google Shape;230;ge81ccddd1b_0_67:notes"/>
+          <p:cNvSpPr/>
+          <p:nvPr>
+            <p:ph idx="2" type="sldImg"/>
+          </p:nvPr>
+        </p:nvSpPr>
+        <p:spPr>
+          <a:xfrm>
+            <a:off x="381300" y="685800"/>
+            <a:ext cx="6096000" cy="3429000"/>
+          </a:xfrm>
+          <a:custGeom>
+            <a:rect b="b" l="l" r="r" t="t"/>
+            <a:pathLst>
+              <a:path extrusionOk="0" h="120000" w="120000">
+                <a:moveTo>
+                  <a:pt x="0" y="0"/>
+                </a:moveTo>
+                <a:lnTo>
+                  <a:pt x="120000" y="0"/>
+                </a:lnTo>
+                <a:lnTo>
+                  <a:pt x="120000" y="120000"/>
+                </a:lnTo>
+                <a:lnTo>
+                  <a:pt x="0" y="120000"/>
+                </a:lnTo>
+                <a:close/>
+              </a:path>
+            </a:pathLst>
+          </a:custGeom>
+        </p:spPr>
+      </p:sp>
+      <p:sp>
+        <p:nvSpPr>
+          <p:cNvPr id="231" name="Google Shape;231;ge81ccddd1b_0_67:notes"/>
+          <p:cNvSpPr txBox="1"/>
+          <p:nvPr>
+            <p:ph idx="1" type="body"/>
+          </p:nvPr>
+        </p:nvSpPr>
+        <p:spPr>
+          <a:xfrm>
+            <a:off x="685800" y="4343400"/>
+            <a:ext cx="5486400" cy="4114800"/>
+          </a:xfrm>
+          <a:prstGeom prst="rect">
+            <a:avLst/>
+          </a:prstGeom>
+        </p:spPr>
+        <p:txBody>
+          <a:bodyPr anchorCtr="0" anchor="t" bIns="91425" lIns="91425" spcFirstLastPara="1" rIns="91425" wrap="square" tIns="91425">
+            <a:noAutofit/>
+          </a:bodyPr>
+          <a:lstStyle/>
+          <a:p>
+            <a:pPr indent="0" lvl="0" marL="0" rtl="0" algn="l">
+              <a:spcBef>
+                <a:spcPts val="0"/>
+              </a:spcBef>
+              <a:spcAft>
+                <a:spcPts val="0"/>
+              </a:spcAft>
+              <a:buNone/>
+            </a:pPr>
+            <a:r>
+              <a:t/>
+            </a:r>
+            <a:endParaRPr/>
+          </a:p>
+        </p:txBody>
+      </p:sp>
+    </p:spTree>
+  </p:cSld>
+  <p:clrMapOvr>
+    <a:masterClrMapping/>
+  </p:clrMapOvr>
+</p:notes>
+</file>
+
+<file path=ppt/notesSlides/notesSlide18.xml><?xml version="1.0" encoding="utf-8"?>
+<p:notes xmlns:a="http://schemas.openxmlformats.org/drawingml/2006/main" xmlns:r="http://schemas.openxmlformats.org/officeDocument/2006/relationships" xmlns:mc="http://schemas.openxmlformats.org/markup-compatibility/2006" xmlns:mv="urn:schemas-microsoft-com:mac:vml" xmlns:p="http://schemas.openxmlformats.org/presentationml/2006/main" xmlns:c="http://schemas.openxmlformats.org/drawingml/2006/chart" xmlns:dgm="http://schemas.openxmlformats.org/drawingml/2006/diagram" xmlns:o="urn:schemas-microsoft-com:office:office" xmlns:v="urn:schemas-microsoft-com:vml" xmlns:pvml="urn:schemas-microsoft-com:office:powerpoint" xmlns:com="http://schemas.openxmlformats.org/drawingml/2006/compatibility" xmlns:p14="http://schemas.microsoft.com/office/powerpoint/2010/main" xmlns:p15="http://schemas.microsoft.com/office/powerpoint/2012/main" xmlns:ahyp="http://schemas.microsoft.com/office/drawing/2018/hyperlinkcolor" showMasterPhAnim="0" showMasterSp="0">
+  <p:cSld>
+    <p:spTree>
+      <p:nvGrpSpPr>
+        <p:cNvPr id="234" name="Shape 234"/>
+        <p:cNvGrpSpPr/>
+        <p:nvPr/>
+      </p:nvGrpSpPr>
+      <p:grpSpPr>
+        <a:xfrm>
+          <a:off x="0" y="0"/>
+          <a:ext cx="0" cy="0"/>
+          <a:chOff x="0" y="0"/>
+          <a:chExt cx="0" cy="0"/>
+        </a:xfrm>
+      </p:grpSpPr>
+      <p:sp>
+        <p:nvSpPr>
+          <p:cNvPr id="235" name="Google Shape;235;ge81ccddd1b_0_71:notes"/>
+          <p:cNvSpPr/>
+          <p:nvPr>
+            <p:ph idx="2" type="sldImg"/>
+          </p:nvPr>
+        </p:nvSpPr>
+        <p:spPr>
+          <a:xfrm>
+            <a:off x="381300" y="685800"/>
+            <a:ext cx="6096000" cy="3429000"/>
+          </a:xfrm>
+          <a:custGeom>
+            <a:rect b="b" l="l" r="r" t="t"/>
+            <a:pathLst>
+              <a:path extrusionOk="0" h="120000" w="120000">
+                <a:moveTo>
+                  <a:pt x="0" y="0"/>
+                </a:moveTo>
+                <a:lnTo>
+                  <a:pt x="120000" y="0"/>
+                </a:lnTo>
+                <a:lnTo>
+                  <a:pt x="120000" y="120000"/>
+                </a:lnTo>
+                <a:lnTo>
+                  <a:pt x="0" y="120000"/>
+                </a:lnTo>
+                <a:close/>
+              </a:path>
+            </a:pathLst>
+          </a:custGeom>
+        </p:spPr>
+      </p:sp>
+      <p:sp>
+        <p:nvSpPr>
+          <p:cNvPr id="236" name="Google Shape;236;ge81ccddd1b_0_71:notes"/>
+          <p:cNvSpPr txBox="1"/>
+          <p:nvPr>
+            <p:ph idx="1" type="body"/>
+          </p:nvPr>
+        </p:nvSpPr>
+        <p:spPr>
+          <a:xfrm>
+            <a:off x="685800" y="4343400"/>
+            <a:ext cx="5486400" cy="4114800"/>
+          </a:xfrm>
+          <a:prstGeom prst="rect">
+            <a:avLst/>
+          </a:prstGeom>
+        </p:spPr>
+        <p:txBody>
+          <a:bodyPr anchorCtr="0" anchor="t" bIns="91425" lIns="91425" spcFirstLastPara="1" rIns="91425" wrap="square" tIns="91425">
+            <a:noAutofit/>
+          </a:bodyPr>
+          <a:lstStyle/>
+          <a:p>
+            <a:pPr indent="0" lvl="0" marL="0" rtl="0" algn="l">
+              <a:spcBef>
+                <a:spcPts val="0"/>
+              </a:spcBef>
+              <a:spcAft>
+                <a:spcPts val="0"/>
+              </a:spcAft>
+              <a:buNone/>
+            </a:pPr>
+            <a:r>
+              <a:t/>
+            </a:r>
+            <a:endParaRPr/>
+          </a:p>
+        </p:txBody>
+      </p:sp>
+    </p:spTree>
+  </p:cSld>
+  <p:clrMapOvr>
+    <a:masterClrMapping/>
+  </p:clrMapOvr>
+</p:notes>
+</file>
+
+<file path=ppt/notesSlides/notesSlide19.xml><?xml version="1.0" encoding="utf-8"?>
+<p:notes xmlns:a="http://schemas.openxmlformats.org/drawingml/2006/main" xmlns:r="http://schemas.openxmlformats.org/officeDocument/2006/relationships" xmlns:mc="http://schemas.openxmlformats.org/markup-compatibility/2006" xmlns:mv="urn:schemas-microsoft-com:mac:vml" xmlns:p="http://schemas.openxmlformats.org/presentationml/2006/main" xmlns:c="http://schemas.openxmlformats.org/drawingml/2006/chart" xmlns:dgm="http://schemas.openxmlformats.org/drawingml/2006/diagram" xmlns:o="urn:schemas-microsoft-com:office:office" xmlns:v="urn:schemas-microsoft-com:vml" xmlns:pvml="urn:schemas-microsoft-com:office:powerpoint" xmlns:com="http://schemas.openxmlformats.org/drawingml/2006/compatibility" xmlns:p14="http://schemas.microsoft.com/office/powerpoint/2010/main" xmlns:p15="http://schemas.microsoft.com/office/powerpoint/2012/main" xmlns:ahyp="http://schemas.microsoft.com/office/drawing/2018/hyperlinkcolor" showMasterPhAnim="0" showMasterSp="0">
+  <p:cSld>
+    <p:spTree>
+      <p:nvGrpSpPr>
+        <p:cNvPr id="245" name="Shape 245"/>
+        <p:cNvGrpSpPr/>
+        <p:nvPr/>
+      </p:nvGrpSpPr>
+      <p:grpSpPr>
+        <a:xfrm>
+          <a:off x="0" y="0"/>
+          <a:ext cx="0" cy="0"/>
+          <a:chOff x="0" y="0"/>
+          <a:chExt cx="0" cy="0"/>
+        </a:xfrm>
+      </p:grpSpPr>
+      <p:sp>
+        <p:nvSpPr>
+          <p:cNvPr id="246" name="Google Shape;246;ge81ccddd1b_0_83:notes"/>
+          <p:cNvSpPr/>
+          <p:nvPr>
+            <p:ph idx="2" type="sldImg"/>
+          </p:nvPr>
+        </p:nvSpPr>
+        <p:spPr>
+          <a:xfrm>
+            <a:off x="381300" y="685800"/>
+            <a:ext cx="6096000" cy="3429000"/>
+          </a:xfrm>
+          <a:custGeom>
+            <a:rect b="b" l="l" r="r" t="t"/>
+            <a:pathLst>
+              <a:path extrusionOk="0" h="120000" w="120000">
+                <a:moveTo>
+                  <a:pt x="0" y="0"/>
+                </a:moveTo>
+                <a:lnTo>
+                  <a:pt x="120000" y="0"/>
+                </a:lnTo>
+                <a:lnTo>
+                  <a:pt x="120000" y="120000"/>
+                </a:lnTo>
+                <a:lnTo>
+                  <a:pt x="0" y="120000"/>
+                </a:lnTo>
+                <a:close/>
+              </a:path>
+            </a:pathLst>
+          </a:custGeom>
+        </p:spPr>
+      </p:sp>
+      <p:sp>
+        <p:nvSpPr>
+          <p:cNvPr id="247" name="Google Shape;247;ge81ccddd1b_0_83:notes"/>
+          <p:cNvSpPr txBox="1"/>
+          <p:nvPr>
+            <p:ph idx="1" type="body"/>
+          </p:nvPr>
+        </p:nvSpPr>
+        <p:spPr>
+          <a:xfrm>
+            <a:off x="685800" y="4343400"/>
+            <a:ext cx="5486400" cy="4114800"/>
+          </a:xfrm>
+          <a:prstGeom prst="rect">
+            <a:avLst/>
+          </a:prstGeom>
+        </p:spPr>
+        <p:txBody>
+          <a:bodyPr anchorCtr="0" anchor="t" bIns="91425" lIns="91425" spcFirstLastPara="1" rIns="91425" wrap="square" tIns="91425">
+            <a:noAutofit/>
+          </a:bodyPr>
+          <a:lstStyle/>
+          <a:p>
+            <a:pPr indent="0" lvl="0" marL="0" rtl="0" algn="l">
+              <a:spcBef>
+                <a:spcPts val="0"/>
+              </a:spcBef>
+              <a:spcAft>
+                <a:spcPts val="0"/>
+              </a:spcAft>
+              <a:buNone/>
+            </a:pPr>
+            <a:r>
+              <a:t/>
+            </a:r>
+            <a:endParaRPr/>
+          </a:p>
+        </p:txBody>
+      </p:sp>
+    </p:spTree>
+  </p:cSld>
+  <p:clrMapOvr>
+    <a:masterClrMapping/>
+  </p:clrMapOvr>
+</p:notes>
+</file>
+
+<file path=ppt/notesSlides/notesSlide2.xml><?xml version="1.0" encoding="utf-8"?>
+<p:notes xmlns:a="http://schemas.openxmlformats.org/drawingml/2006/main" xmlns:r="http://schemas.openxmlformats.org/officeDocument/2006/relationships" xmlns:mc="http://schemas.openxmlformats.org/markup-compatibility/2006" xmlns:mv="urn:schemas-microsoft-com:mac:vml" xmlns:p="http://schemas.openxmlformats.org/presentationml/2006/main" xmlns:c="http://schemas.openxmlformats.org/drawingml/2006/chart" xmlns:dgm="http://schemas.openxmlformats.org/drawingml/2006/diagram" xmlns:o="urn:schemas-microsoft-com:office:office" xmlns:v="urn:schemas-microsoft-com:vml" xmlns:pvml="urn:schemas-microsoft-com:office:powerpoint" xmlns:com="http://schemas.openxmlformats.org/drawingml/2006/compatibility" xmlns:p14="http://schemas.microsoft.com/office/powerpoint/2010/main" xmlns:p15="http://schemas.microsoft.com/office/powerpoint/2012/main" xmlns:ahyp="http://schemas.microsoft.com/office/drawing/2018/hyperlinkcolor" showMasterPhAnim="0" showMasterSp="0">
+  <p:cSld>
+    <p:spTree>
+      <p:nvGrpSpPr>
+        <p:cNvPr id="130" name="Shape 130"/>
+        <p:cNvGrpSpPr/>
+        <p:nvPr/>
+      </p:nvGrpSpPr>
+      <p:grpSpPr>
+        <a:xfrm>
+          <a:off x="0" y="0"/>
+          <a:ext cx="0" cy="0"/>
+          <a:chOff x="0" y="0"/>
+          <a:chExt cx="0" cy="0"/>
+        </a:xfrm>
+      </p:grpSpPr>
+      <p:sp>
+        <p:nvSpPr>
+          <p:cNvPr id="131" name="Google Shape;131;ge953af76dd_0_119:notes"/>
+          <p:cNvSpPr/>
+          <p:nvPr>
+            <p:ph idx="2" type="sldImg"/>
+          </p:nvPr>
+        </p:nvSpPr>
+        <p:spPr>
+          <a:xfrm>
+            <a:off x="381300" y="685800"/>
+            <a:ext cx="6096000" cy="3429000"/>
+          </a:xfrm>
+          <a:custGeom>
+            <a:rect b="b" l="l" r="r" t="t"/>
+            <a:pathLst>
+              <a:path extrusionOk="0" h="120000" w="120000">
+                <a:moveTo>
+                  <a:pt x="0" y="0"/>
+                </a:moveTo>
+                <a:lnTo>
+                  <a:pt x="120000" y="0"/>
+                </a:lnTo>
+                <a:lnTo>
+                  <a:pt x="120000" y="120000"/>
+                </a:lnTo>
+                <a:lnTo>
+                  <a:pt x="0" y="120000"/>
+                </a:lnTo>
+                <a:close/>
+              </a:path>
+            </a:pathLst>
+          </a:custGeom>
+        </p:spPr>
+      </p:sp>
+      <p:sp>
+        <p:nvSpPr>
           <p:cNvPr id="132" name="Google Shape;132;ge953af76dd_0_119:notes"/>
+          <p:cNvSpPr txBox="1"/>
+          <p:nvPr>
+            <p:ph idx="1" type="body"/>
+          </p:nvPr>
+        </p:nvSpPr>
+        <p:spPr>
+          <a:xfrm>
+            <a:off x="685800" y="4343400"/>
+            <a:ext cx="5486400" cy="4114800"/>
+          </a:xfrm>
+          <a:prstGeom prst="rect">
+            <a:avLst/>
+          </a:prstGeom>
+        </p:spPr>
+        <p:txBody>
+          <a:bodyPr anchorCtr="0" anchor="t" bIns="91425" lIns="91425" spcFirstLastPara="1" rIns="91425" wrap="square" tIns="91425">
+            <a:noAutofit/>
+          </a:bodyPr>
+          <a:lstStyle/>
+          <a:p>
+            <a:pPr indent="0" lvl="0" marL="0" rtl="0" algn="l">
+              <a:spcBef>
+                <a:spcPts val="0"/>
+              </a:spcBef>
+              <a:spcAft>
+                <a:spcPts val="0"/>
+              </a:spcAft>
+              <a:buNone/>
+            </a:pPr>
+            <a:r>
+              <a:t/>
+            </a:r>
+            <a:endParaRPr/>
+          </a:p>
+        </p:txBody>
+      </p:sp>
+    </p:spTree>
+  </p:cSld>
+  <p:clrMapOvr>
+    <a:masterClrMapping/>
+  </p:clrMapOvr>
+</p:notes>
+</file>
+
+<file path=ppt/notesSlides/notesSlide20.xml><?xml version="1.0" encoding="utf-8"?>
+<p:notes xmlns:a="http://schemas.openxmlformats.org/drawingml/2006/main" xmlns:r="http://schemas.openxmlformats.org/officeDocument/2006/relationships" xmlns:mc="http://schemas.openxmlformats.org/markup-compatibility/2006" xmlns:mv="urn:schemas-microsoft-com:mac:vml" xmlns:p="http://schemas.openxmlformats.org/presentationml/2006/main" xmlns:c="http://schemas.openxmlformats.org/drawingml/2006/chart" xmlns:dgm="http://schemas.openxmlformats.org/drawingml/2006/diagram" xmlns:o="urn:schemas-microsoft-com:office:office" xmlns:v="urn:schemas-microsoft-com:vml" xmlns:pvml="urn:schemas-microsoft-com:office:powerpoint" xmlns:com="http://schemas.openxmlformats.org/drawingml/2006/compatibility" xmlns:p14="http://schemas.microsoft.com/office/powerpoint/2010/main" xmlns:p15="http://schemas.microsoft.com/office/powerpoint/2012/main" xmlns:ahyp="http://schemas.microsoft.com/office/drawing/2018/hyperlinkcolor" showMasterPhAnim="0" showMasterSp="0">
+  <p:cSld>
+    <p:spTree>
+      <p:nvGrpSpPr>
+        <p:cNvPr id="251" name="Shape 251"/>
+        <p:cNvGrpSpPr/>
+        <p:nvPr/>
+      </p:nvGrpSpPr>
+      <p:grpSpPr>
+        <a:xfrm>
+          <a:off x="0" y="0"/>
+          <a:ext cx="0" cy="0"/>
+          <a:chOff x="0" y="0"/>
+          <a:chExt cx="0" cy="0"/>
+        </a:xfrm>
+      </p:grpSpPr>
+      <p:sp>
+        <p:nvSpPr>
+          <p:cNvPr id="252" name="Google Shape;252;ge81ccddd1b_0_88:notes"/>
+          <p:cNvSpPr/>
+          <p:nvPr>
+            <p:ph idx="2" type="sldImg"/>
+          </p:nvPr>
+        </p:nvSpPr>
+        <p:spPr>
+          <a:xfrm>
+            <a:off x="381300" y="685800"/>
+            <a:ext cx="6096000" cy="3429000"/>
+          </a:xfrm>
+          <a:custGeom>
+            <a:rect b="b" l="l" r="r" t="t"/>
+            <a:pathLst>
+              <a:path extrusionOk="0" h="120000" w="120000">
+                <a:moveTo>
+                  <a:pt x="0" y="0"/>
+                </a:moveTo>
+                <a:lnTo>
+                  <a:pt x="120000" y="0"/>
+                </a:lnTo>
+                <a:lnTo>
+                  <a:pt x="120000" y="120000"/>
+                </a:lnTo>
+                <a:lnTo>
+                  <a:pt x="0" y="120000"/>
+                </a:lnTo>
+                <a:close/>
+              </a:path>
+            </a:pathLst>
+          </a:custGeom>
+        </p:spPr>
+      </p:sp>
+      <p:sp>
+        <p:nvSpPr>
+          <p:cNvPr id="253" name="Google Shape;253;ge81ccddd1b_0_88:notes"/>
+          <p:cNvSpPr txBox="1"/>
+          <p:nvPr>
+            <p:ph idx="1" type="body"/>
+          </p:nvPr>
+        </p:nvSpPr>
+        <p:spPr>
+          <a:xfrm>
+            <a:off x="685800" y="4343400"/>
+            <a:ext cx="5486400" cy="4114800"/>
+          </a:xfrm>
+          <a:prstGeom prst="rect">
+            <a:avLst/>
+          </a:prstGeom>
+        </p:spPr>
+        <p:txBody>
+          <a:bodyPr anchorCtr="0" anchor="t" bIns="91425" lIns="91425" spcFirstLastPara="1" rIns="91425" wrap="square" tIns="91425">
+            <a:noAutofit/>
+          </a:bodyPr>
+          <a:lstStyle/>
+          <a:p>
+            <a:pPr indent="0" lvl="0" marL="0" rtl="0" algn="l">
+              <a:spcBef>
+                <a:spcPts val="0"/>
+              </a:spcBef>
+              <a:spcAft>
+                <a:spcPts val="0"/>
+              </a:spcAft>
+              <a:buNone/>
+            </a:pPr>
+            <a:r>
+              <a:t/>
+            </a:r>
+            <a:endParaRPr/>
+          </a:p>
+        </p:txBody>
+      </p:sp>
+    </p:spTree>
+  </p:cSld>
+  <p:clrMapOvr>
+    <a:masterClrMapping/>
+  </p:clrMapOvr>
+</p:notes>
+</file>
+
+<file path=ppt/notesSlides/notesSlide21.xml><?xml version="1.0" encoding="utf-8"?>
+<p:notes xmlns:a="http://schemas.openxmlformats.org/drawingml/2006/main" xmlns:r="http://schemas.openxmlformats.org/officeDocument/2006/relationships" xmlns:mc="http://schemas.openxmlformats.org/markup-compatibility/2006" xmlns:mv="urn:schemas-microsoft-com:mac:vml" xmlns:p="http://schemas.openxmlformats.org/presentationml/2006/main" xmlns:c="http://schemas.openxmlformats.org/drawingml/2006/chart" xmlns:dgm="http://schemas.openxmlformats.org/drawingml/2006/diagram" xmlns:o="urn:schemas-microsoft-com:office:office" xmlns:v="urn:schemas-microsoft-com:vml" xmlns:pvml="urn:schemas-microsoft-com:office:powerpoint" xmlns:com="http://schemas.openxmlformats.org/drawingml/2006/compatibility" xmlns:p14="http://schemas.microsoft.com/office/powerpoint/2010/main" xmlns:p15="http://schemas.microsoft.com/office/powerpoint/2012/main" xmlns:ahyp="http://schemas.microsoft.com/office/drawing/2018/hyperlinkcolor" showMasterPhAnim="0" showMasterSp="0">
+  <p:cSld>
+    <p:spTree>
+      <p:nvGrpSpPr>
+        <p:cNvPr id="257" name="Shape 257"/>
+        <p:cNvGrpSpPr/>
+        <p:nvPr/>
+      </p:nvGrpSpPr>
+      <p:grpSpPr>
+        <a:xfrm>
+          <a:off x="0" y="0"/>
+          <a:ext cx="0" cy="0"/>
+          <a:chOff x="0" y="0"/>
+          <a:chExt cx="0" cy="0"/>
+        </a:xfrm>
+      </p:grpSpPr>
+      <p:sp>
+        <p:nvSpPr>
+          <p:cNvPr id="258" name="Google Shape;258;ge81ccddd1b_0_95:notes"/>
+          <p:cNvSpPr/>
+          <p:nvPr>
+            <p:ph idx="2" type="sldImg"/>
+          </p:nvPr>
+        </p:nvSpPr>
+        <p:spPr>
+          <a:xfrm>
+            <a:off x="381300" y="685800"/>
+            <a:ext cx="6096000" cy="3429000"/>
+          </a:xfrm>
+          <a:custGeom>
+            <a:rect b="b" l="l" r="r" t="t"/>
+            <a:pathLst>
+              <a:path extrusionOk="0" h="120000" w="120000">
+                <a:moveTo>
+                  <a:pt x="0" y="0"/>
+                </a:moveTo>
+                <a:lnTo>
+                  <a:pt x="120000" y="0"/>
+                </a:lnTo>
+                <a:lnTo>
+                  <a:pt x="120000" y="120000"/>
+                </a:lnTo>
+                <a:lnTo>
+                  <a:pt x="0" y="120000"/>
+                </a:lnTo>
+                <a:close/>
+              </a:path>
+            </a:pathLst>
+          </a:custGeom>
+        </p:spPr>
+      </p:sp>
+      <p:sp>
+        <p:nvSpPr>
+          <p:cNvPr id="259" name="Google Shape;259;ge81ccddd1b_0_95:notes"/>
+          <p:cNvSpPr txBox="1"/>
+          <p:nvPr>
+            <p:ph idx="1" type="body"/>
+          </p:nvPr>
+        </p:nvSpPr>
+        <p:spPr>
+          <a:xfrm>
+            <a:off x="685800" y="4343400"/>
+            <a:ext cx="5486400" cy="4114800"/>
+          </a:xfrm>
+          <a:prstGeom prst="rect">
+            <a:avLst/>
+          </a:prstGeom>
+        </p:spPr>
+        <p:txBody>
+          <a:bodyPr anchorCtr="0" anchor="t" bIns="91425" lIns="91425" spcFirstLastPara="1" rIns="91425" wrap="square" tIns="91425">
+            <a:noAutofit/>
+          </a:bodyPr>
+          <a:lstStyle/>
+          <a:p>
+            <a:pPr indent="0" lvl="0" marL="0" rtl="0" algn="l">
+              <a:spcBef>
+                <a:spcPts val="0"/>
+              </a:spcBef>
+              <a:spcAft>
+                <a:spcPts val="0"/>
+              </a:spcAft>
+              <a:buNone/>
+            </a:pPr>
+            <a:r>
+              <a:t/>
+            </a:r>
+            <a:endParaRPr/>
+          </a:p>
+        </p:txBody>
+      </p:sp>
+    </p:spTree>
+  </p:cSld>
+  <p:clrMapOvr>
+    <a:masterClrMapping/>
+  </p:clrMapOvr>
+</p:notes>
+</file>
+
+<file path=ppt/notesSlides/notesSlide22.xml><?xml version="1.0" encoding="utf-8"?>
+<p:notes xmlns:a="http://schemas.openxmlformats.org/drawingml/2006/main" xmlns:r="http://schemas.openxmlformats.org/officeDocument/2006/relationships" xmlns:mc="http://schemas.openxmlformats.org/markup-compatibility/2006" xmlns:mv="urn:schemas-microsoft-com:mac:vml" xmlns:p="http://schemas.openxmlformats.org/presentationml/2006/main" xmlns:c="http://schemas.openxmlformats.org/drawingml/2006/chart" xmlns:dgm="http://schemas.openxmlformats.org/drawingml/2006/diagram" xmlns:o="urn:schemas-microsoft-com:office:office" xmlns:v="urn:schemas-microsoft-com:vml" xmlns:pvml="urn:schemas-microsoft-com:office:powerpoint" xmlns:com="http://schemas.openxmlformats.org/drawingml/2006/compatibility" xmlns:p14="http://schemas.microsoft.com/office/powerpoint/2010/main" xmlns:p15="http://schemas.microsoft.com/office/powerpoint/2012/main" xmlns:ahyp="http://schemas.microsoft.com/office/drawing/2018/hyperlinkcolor" showMasterPhAnim="0" showMasterSp="0">
+  <p:cSld>
+    <p:spTree>
+      <p:nvGrpSpPr>
+        <p:cNvPr id="263" name="Shape 263"/>
+        <p:cNvGrpSpPr/>
+        <p:nvPr/>
+      </p:nvGrpSpPr>
+      <p:grpSpPr>
+        <a:xfrm>
+          <a:off x="0" y="0"/>
+          <a:ext cx="0" cy="0"/>
+          <a:chOff x="0" y="0"/>
+          <a:chExt cx="0" cy="0"/>
+        </a:xfrm>
+      </p:grpSpPr>
+      <p:sp>
+        <p:nvSpPr>
+          <p:cNvPr id="264" name="Google Shape;264;ge81ccddd1b_0_100:notes"/>
+          <p:cNvSpPr/>
+          <p:nvPr>
+            <p:ph idx="2" type="sldImg"/>
+          </p:nvPr>
+        </p:nvSpPr>
+        <p:spPr>
+          <a:xfrm>
+            <a:off x="381300" y="685800"/>
+            <a:ext cx="6096000" cy="3429000"/>
+          </a:xfrm>
+          <a:custGeom>
+            <a:rect b="b" l="l" r="r" t="t"/>
+            <a:pathLst>
+              <a:path extrusionOk="0" h="120000" w="120000">
+                <a:moveTo>
+                  <a:pt x="0" y="0"/>
+                </a:moveTo>
+                <a:lnTo>
+                  <a:pt x="120000" y="0"/>
+                </a:lnTo>
+                <a:lnTo>
+                  <a:pt x="120000" y="120000"/>
+                </a:lnTo>
+                <a:lnTo>
+                  <a:pt x="0" y="120000"/>
+                </a:lnTo>
+                <a:close/>
+              </a:path>
+            </a:pathLst>
+          </a:custGeom>
+        </p:spPr>
+      </p:sp>
+      <p:sp>
+        <p:nvSpPr>
+          <p:cNvPr id="265" name="Google Shape;265;ge81ccddd1b_0_100:notes"/>
+          <p:cNvSpPr txBox="1"/>
+          <p:nvPr>
+            <p:ph idx="1" type="body"/>
+          </p:nvPr>
+        </p:nvSpPr>
+        <p:spPr>
+          <a:xfrm>
+            <a:off x="685800" y="4343400"/>
+            <a:ext cx="5486400" cy="4114800"/>
+          </a:xfrm>
+          <a:prstGeom prst="rect">
+            <a:avLst/>
+          </a:prstGeom>
+        </p:spPr>
+        <p:txBody>
+          <a:bodyPr anchorCtr="0" anchor="t" bIns="91425" lIns="91425" spcFirstLastPara="1" rIns="91425" wrap="square" tIns="91425">
+            <a:noAutofit/>
+          </a:bodyPr>
+          <a:lstStyle/>
+          <a:p>
+            <a:pPr indent="0" lvl="0" marL="0" rtl="0" algn="l">
+              <a:spcBef>
+                <a:spcPts val="0"/>
+              </a:spcBef>
+              <a:spcAft>
+                <a:spcPts val="0"/>
+              </a:spcAft>
+              <a:buNone/>
+            </a:pPr>
+            <a:r>
+              <a:t/>
+            </a:r>
+            <a:endParaRPr/>
+          </a:p>
+        </p:txBody>
+      </p:sp>
+    </p:spTree>
+  </p:cSld>
+  <p:clrMapOvr>
+    <a:masterClrMapping/>
+  </p:clrMapOvr>
+</p:notes>
+</file>
+
+<file path=ppt/notesSlides/notesSlide23.xml><?xml version="1.0" encoding="utf-8"?>
+<p:notes xmlns:a="http://schemas.openxmlformats.org/drawingml/2006/main" xmlns:r="http://schemas.openxmlformats.org/officeDocument/2006/relationships" xmlns:mc="http://schemas.openxmlformats.org/markup-compatibility/2006" xmlns:mv="urn:schemas-microsoft-com:mac:vml" xmlns:p="http://schemas.openxmlformats.org/presentationml/2006/main" xmlns:c="http://schemas.openxmlformats.org/drawingml/2006/chart" xmlns:dgm="http://schemas.openxmlformats.org/drawingml/2006/diagram" xmlns:o="urn:schemas-microsoft-com:office:office" xmlns:v="urn:schemas-microsoft-com:vml" xmlns:pvml="urn:schemas-microsoft-com:office:powerpoint" xmlns:com="http://schemas.openxmlformats.org/drawingml/2006/compatibility" xmlns:p14="http://schemas.microsoft.com/office/powerpoint/2010/main" xmlns:p15="http://schemas.microsoft.com/office/powerpoint/2012/main" xmlns:ahyp="http://schemas.microsoft.com/office/drawing/2018/hyperlinkcolor" showMasterPhAnim="0" showMasterSp="0">
+  <p:cSld>
+    <p:spTree>
+      <p:nvGrpSpPr>
+        <p:cNvPr id="269" name="Shape 269"/>
+        <p:cNvGrpSpPr/>
+        <p:nvPr/>
+      </p:nvGrpSpPr>
+      <p:grpSpPr>
+        <a:xfrm>
+          <a:off x="0" y="0"/>
+          <a:ext cx="0" cy="0"/>
+          <a:chOff x="0" y="0"/>
+          <a:chExt cx="0" cy="0"/>
+        </a:xfrm>
+      </p:grpSpPr>
+      <p:sp>
+        <p:nvSpPr>
+          <p:cNvPr id="270" name="Google Shape;270;ge81ccddd1b_0_107:notes"/>
+          <p:cNvSpPr/>
+          <p:nvPr>
+            <p:ph idx="2" type="sldImg"/>
+          </p:nvPr>
+        </p:nvSpPr>
+        <p:spPr>
+          <a:xfrm>
+            <a:off x="381300" y="685800"/>
+            <a:ext cx="6096000" cy="3429000"/>
+          </a:xfrm>
+          <a:custGeom>
+            <a:rect b="b" l="l" r="r" t="t"/>
+            <a:pathLst>
+              <a:path extrusionOk="0" h="120000" w="120000">
+                <a:moveTo>
+                  <a:pt x="0" y="0"/>
+                </a:moveTo>
+                <a:lnTo>
+                  <a:pt x="120000" y="0"/>
+                </a:lnTo>
+                <a:lnTo>
+                  <a:pt x="120000" y="120000"/>
+                </a:lnTo>
+                <a:lnTo>
+                  <a:pt x="0" y="120000"/>
+                </a:lnTo>
+                <a:close/>
+              </a:path>
+            </a:pathLst>
+          </a:custGeom>
+        </p:spPr>
+      </p:sp>
+      <p:sp>
+        <p:nvSpPr>
+          <p:cNvPr id="271" name="Google Shape;271;ge81ccddd1b_0_107:notes"/>
+          <p:cNvSpPr txBox="1"/>
+          <p:nvPr>
+            <p:ph idx="1" type="body"/>
+          </p:nvPr>
+        </p:nvSpPr>
+        <p:spPr>
+          <a:xfrm>
+            <a:off x="685800" y="4343400"/>
+            <a:ext cx="5486400" cy="4114800"/>
+          </a:xfrm>
+          <a:prstGeom prst="rect">
+            <a:avLst/>
+          </a:prstGeom>
+        </p:spPr>
+        <p:txBody>
+          <a:bodyPr anchorCtr="0" anchor="t" bIns="91425" lIns="91425" spcFirstLastPara="1" rIns="91425" wrap="square" tIns="91425">
+            <a:noAutofit/>
+          </a:bodyPr>
+          <a:lstStyle/>
+          <a:p>
+            <a:pPr indent="0" lvl="0" marL="0" rtl="0" algn="l">
+              <a:spcBef>
+                <a:spcPts val="0"/>
+              </a:spcBef>
+              <a:spcAft>
+                <a:spcPts val="0"/>
+              </a:spcAft>
+              <a:buNone/>
+            </a:pPr>
+            <a:r>
+              <a:t/>
+            </a:r>
+            <a:endParaRPr/>
+          </a:p>
+        </p:txBody>
+      </p:sp>
+    </p:spTree>
+  </p:cSld>
+  <p:clrMapOvr>
+    <a:masterClrMapping/>
+  </p:clrMapOvr>
+</p:notes>
+</file>
+
+<file path=ppt/notesSlides/notesSlide24.xml><?xml version="1.0" encoding="utf-8"?>
+<p:notes xmlns:a="http://schemas.openxmlformats.org/drawingml/2006/main" xmlns:r="http://schemas.openxmlformats.org/officeDocument/2006/relationships" xmlns:mc="http://schemas.openxmlformats.org/markup-compatibility/2006" xmlns:mv="urn:schemas-microsoft-com:mac:vml" xmlns:p="http://schemas.openxmlformats.org/presentationml/2006/main" xmlns:c="http://schemas.openxmlformats.org/drawingml/2006/chart" xmlns:dgm="http://schemas.openxmlformats.org/drawingml/2006/diagram" xmlns:o="urn:schemas-microsoft-com:office:office" xmlns:v="urn:schemas-microsoft-com:vml" xmlns:pvml="urn:schemas-microsoft-com:office:powerpoint" xmlns:com="http://schemas.openxmlformats.org/drawingml/2006/compatibility" xmlns:p14="http://schemas.microsoft.com/office/powerpoint/2010/main" xmlns:p15="http://schemas.microsoft.com/office/powerpoint/2012/main" xmlns:ahyp="http://schemas.microsoft.com/office/drawing/2018/hyperlinkcolor" showMasterPhAnim="0" showMasterSp="0">
+  <p:cSld>
+    <p:spTree>
+      <p:nvGrpSpPr>
+        <p:cNvPr id="275" name="Shape 275"/>
+        <p:cNvGrpSpPr/>
+        <p:nvPr/>
+      </p:nvGrpSpPr>
+      <p:grpSpPr>
+        <a:xfrm>
+          <a:off x="0" y="0"/>
+          <a:ext cx="0" cy="0"/>
+          <a:chOff x="0" y="0"/>
+          <a:chExt cx="0" cy="0"/>
+        </a:xfrm>
+      </p:grpSpPr>
+      <p:sp>
+        <p:nvSpPr>
+          <p:cNvPr id="276" name="Google Shape;276;ge81ccddd1b_0_112:notes"/>
+          <p:cNvSpPr/>
+          <p:nvPr>
+            <p:ph idx="2" type="sldImg"/>
+          </p:nvPr>
+        </p:nvSpPr>
+        <p:spPr>
+          <a:xfrm>
+            <a:off x="381300" y="685800"/>
+            <a:ext cx="6096000" cy="3429000"/>
+          </a:xfrm>
+          <a:custGeom>
+            <a:rect b="b" l="l" r="r" t="t"/>
+            <a:pathLst>
+              <a:path extrusionOk="0" h="120000" w="120000">
+                <a:moveTo>
+                  <a:pt x="0" y="0"/>
+                </a:moveTo>
+                <a:lnTo>
+                  <a:pt x="120000" y="0"/>
+                </a:lnTo>
+                <a:lnTo>
+                  <a:pt x="120000" y="120000"/>
+                </a:lnTo>
+                <a:lnTo>
+                  <a:pt x="0" y="120000"/>
+                </a:lnTo>
+                <a:close/>
+              </a:path>
+            </a:pathLst>
+          </a:custGeom>
+        </p:spPr>
+      </p:sp>
+      <p:sp>
+        <p:nvSpPr>
+          <p:cNvPr id="277" name="Google Shape;277;ge81ccddd1b_0_112:notes"/>
+          <p:cNvSpPr txBox="1"/>
+          <p:nvPr>
+            <p:ph idx="1" type="body"/>
+          </p:nvPr>
+        </p:nvSpPr>
+        <p:spPr>
+          <a:xfrm>
+            <a:off x="685800" y="4343400"/>
+            <a:ext cx="5486400" cy="4114800"/>
+          </a:xfrm>
+          <a:prstGeom prst="rect">
+            <a:avLst/>
+          </a:prstGeom>
+        </p:spPr>
+        <p:txBody>
+          <a:bodyPr anchorCtr="0" anchor="t" bIns="91425" lIns="91425" spcFirstLastPara="1" rIns="91425" wrap="square" tIns="91425">
+            <a:noAutofit/>
+          </a:bodyPr>
+          <a:lstStyle/>
+          <a:p>
+            <a:pPr indent="0" lvl="0" marL="0" rtl="0" algn="l">
+              <a:spcBef>
+                <a:spcPts val="0"/>
+              </a:spcBef>
+              <a:spcAft>
+                <a:spcPts val="0"/>
+              </a:spcAft>
+              <a:buNone/>
+            </a:pPr>
+            <a:r>
+              <a:t/>
+            </a:r>
+            <a:endParaRPr/>
+          </a:p>
+        </p:txBody>
+      </p:sp>
+    </p:spTree>
+  </p:cSld>
+  <p:clrMapOvr>
+    <a:masterClrMapping/>
+  </p:clrMapOvr>
+</p:notes>
+</file>
+
+<file path=ppt/notesSlides/notesSlide25.xml><?xml version="1.0" encoding="utf-8"?>
+<p:notes xmlns:a="http://schemas.openxmlformats.org/drawingml/2006/main" xmlns:r="http://schemas.openxmlformats.org/officeDocument/2006/relationships" xmlns:mc="http://schemas.openxmlformats.org/markup-compatibility/2006" xmlns:mv="urn:schemas-microsoft-com:mac:vml" xmlns:p="http://schemas.openxmlformats.org/presentationml/2006/main" xmlns:c="http://schemas.openxmlformats.org/drawingml/2006/chart" xmlns:dgm="http://schemas.openxmlformats.org/drawingml/2006/diagram" xmlns:o="urn:schemas-microsoft-com:office:office" xmlns:v="urn:schemas-microsoft-com:vml" xmlns:pvml="urn:schemas-microsoft-com:office:powerpoint" xmlns:com="http://schemas.openxmlformats.org/drawingml/2006/compatibility" xmlns:p14="http://schemas.microsoft.com/office/powerpoint/2010/main" xmlns:p15="http://schemas.microsoft.com/office/powerpoint/2012/main" xmlns:ahyp="http://schemas.microsoft.com/office/drawing/2018/hyperlinkcolor" showMasterPhAnim="0" showMasterSp="0">
+  <p:cSld>
+    <p:spTree>
+      <p:nvGrpSpPr>
+        <p:cNvPr id="281" name="Shape 281"/>
+        <p:cNvGrpSpPr/>
+        <p:nvPr/>
+      </p:nvGrpSpPr>
+      <p:grpSpPr>
+        <a:xfrm>
+          <a:off x="0" y="0"/>
+          <a:ext cx="0" cy="0"/>
+          <a:chOff x="0" y="0"/>
+          <a:chExt cx="0" cy="0"/>
+        </a:xfrm>
+      </p:grpSpPr>
+      <p:sp>
+        <p:nvSpPr>
+          <p:cNvPr id="282" name="Google Shape;282;ge81ccddd1b_0_120:notes"/>
+          <p:cNvSpPr/>
+          <p:nvPr>
+            <p:ph idx="2" type="sldImg"/>
+          </p:nvPr>
+        </p:nvSpPr>
+        <p:spPr>
+          <a:xfrm>
+            <a:off x="381300" y="685800"/>
+            <a:ext cx="6096000" cy="3429000"/>
+          </a:xfrm>
+          <a:custGeom>
+            <a:rect b="b" l="l" r="r" t="t"/>
+            <a:pathLst>
+              <a:path extrusionOk="0" h="120000" w="120000">
+                <a:moveTo>
+                  <a:pt x="0" y="0"/>
+                </a:moveTo>
+                <a:lnTo>
+                  <a:pt x="120000" y="0"/>
+                </a:lnTo>
+                <a:lnTo>
+                  <a:pt x="120000" y="120000"/>
+                </a:lnTo>
+                <a:lnTo>
+                  <a:pt x="0" y="120000"/>
+                </a:lnTo>
+                <a:close/>
+              </a:path>
+            </a:pathLst>
+          </a:custGeom>
+        </p:spPr>
+      </p:sp>
+      <p:sp>
+        <p:nvSpPr>
+          <p:cNvPr id="283" name="Google Shape;283;ge81ccddd1b_0_120:notes"/>
+          <p:cNvSpPr txBox="1"/>
+          <p:nvPr>
+            <p:ph idx="1" type="body"/>
+          </p:nvPr>
+        </p:nvSpPr>
+        <p:spPr>
+          <a:xfrm>
+            <a:off x="685800" y="4343400"/>
+            <a:ext cx="5486400" cy="4114800"/>
+          </a:xfrm>
+          <a:prstGeom prst="rect">
+            <a:avLst/>
+          </a:prstGeom>
+        </p:spPr>
+        <p:txBody>
+          <a:bodyPr anchorCtr="0" anchor="t" bIns="91425" lIns="91425" spcFirstLastPara="1" rIns="91425" wrap="square" tIns="91425">
+            <a:noAutofit/>
+          </a:bodyPr>
+          <a:lstStyle/>
+          <a:p>
+            <a:pPr indent="0" lvl="0" marL="0" rtl="0" algn="l">
+              <a:spcBef>
+                <a:spcPts val="0"/>
+              </a:spcBef>
+              <a:spcAft>
+                <a:spcPts val="0"/>
+              </a:spcAft>
+              <a:buNone/>
+            </a:pPr>
+            <a:r>
+              <a:t/>
+            </a:r>
+            <a:endParaRPr/>
+          </a:p>
+        </p:txBody>
+      </p:sp>
+    </p:spTree>
+  </p:cSld>
+  <p:clrMapOvr>
+    <a:masterClrMapping/>
+  </p:clrMapOvr>
+</p:notes>
+</file>
+
+<file path=ppt/notesSlides/notesSlide26.xml><?xml version="1.0" encoding="utf-8"?>
+<p:notes xmlns:a="http://schemas.openxmlformats.org/drawingml/2006/main" xmlns:r="http://schemas.openxmlformats.org/officeDocument/2006/relationships" xmlns:mc="http://schemas.openxmlformats.org/markup-compatibility/2006" xmlns:mv="urn:schemas-microsoft-com:mac:vml" xmlns:p="http://schemas.openxmlformats.org/presentationml/2006/main" xmlns:c="http://schemas.openxmlformats.org/drawingml/2006/chart" xmlns:dgm="http://schemas.openxmlformats.org/drawingml/2006/diagram" xmlns:o="urn:schemas-microsoft-com:office:office" xmlns:v="urn:schemas-microsoft-com:vml" xmlns:pvml="urn:schemas-microsoft-com:office:powerpoint" xmlns:com="http://schemas.openxmlformats.org/drawingml/2006/compatibility" xmlns:p14="http://schemas.microsoft.com/office/powerpoint/2010/main" xmlns:p15="http://schemas.microsoft.com/office/powerpoint/2012/main" xmlns:ahyp="http://schemas.microsoft.com/office/drawing/2018/hyperlinkcolor" showMasterPhAnim="0" showMasterSp="0">
+  <p:cSld>
+    <p:spTree>
+      <p:nvGrpSpPr>
+        <p:cNvPr id="287" name="Shape 287"/>
+        <p:cNvGrpSpPr/>
+        <p:nvPr/>
+      </p:nvGrpSpPr>
+      <p:grpSpPr>
+        <a:xfrm>
+          <a:off x="0" y="0"/>
+          <a:ext cx="0" cy="0"/>
+          <a:chOff x="0" y="0"/>
+          <a:chExt cx="0" cy="0"/>
+        </a:xfrm>
+      </p:grpSpPr>
+      <p:sp>
+        <p:nvSpPr>
+          <p:cNvPr id="288" name="Google Shape;288;ge81ccddd1b_0_125:notes"/>
+          <p:cNvSpPr/>
+          <p:nvPr>
+            <p:ph idx="2" type="sldImg"/>
+          </p:nvPr>
+        </p:nvSpPr>
+        <p:spPr>
+          <a:xfrm>
+            <a:off x="381300" y="685800"/>
+            <a:ext cx="6096000" cy="3429000"/>
+          </a:xfrm>
+          <a:custGeom>
+            <a:rect b="b" l="l" r="r" t="t"/>
+            <a:pathLst>
+              <a:path extrusionOk="0" h="120000" w="120000">
+                <a:moveTo>
+                  <a:pt x="0" y="0"/>
+                </a:moveTo>
+                <a:lnTo>
+                  <a:pt x="120000" y="0"/>
+                </a:lnTo>
+                <a:lnTo>
+                  <a:pt x="120000" y="120000"/>
+                </a:lnTo>
+                <a:lnTo>
+                  <a:pt x="0" y="120000"/>
+                </a:lnTo>
+                <a:close/>
+              </a:path>
+            </a:pathLst>
+          </a:custGeom>
+        </p:spPr>
+      </p:sp>
+      <p:sp>
+        <p:nvSpPr>
+          <p:cNvPr id="289" name="Google Shape;289;ge81ccddd1b_0_125:notes"/>
+          <p:cNvSpPr txBox="1"/>
+          <p:nvPr>
+            <p:ph idx="1" type="body"/>
+          </p:nvPr>
+        </p:nvSpPr>
+        <p:spPr>
+          <a:xfrm>
+            <a:off x="685800" y="4343400"/>
+            <a:ext cx="5486400" cy="4114800"/>
+          </a:xfrm>
+          <a:prstGeom prst="rect">
+            <a:avLst/>
+          </a:prstGeom>
+        </p:spPr>
+        <p:txBody>
+          <a:bodyPr anchorCtr="0" anchor="t" bIns="91425" lIns="91425" spcFirstLastPara="1" rIns="91425" wrap="square" tIns="91425">
+            <a:noAutofit/>
+          </a:bodyPr>
+          <a:lstStyle/>
+          <a:p>
+            <a:pPr indent="0" lvl="0" marL="0" rtl="0" algn="l">
+              <a:spcBef>
+                <a:spcPts val="0"/>
+              </a:spcBef>
+              <a:spcAft>
+                <a:spcPts val="0"/>
+              </a:spcAft>
+              <a:buNone/>
+            </a:pPr>
+            <a:r>
+              <a:t/>
+            </a:r>
+            <a:endParaRPr/>
+          </a:p>
+        </p:txBody>
+      </p:sp>
+    </p:spTree>
+  </p:cSld>
+  <p:clrMapOvr>
+    <a:masterClrMapping/>
+  </p:clrMapOvr>
+</p:notes>
+</file>
+
+<file path=ppt/notesSlides/notesSlide27.xml><?xml version="1.0" encoding="utf-8"?>
+<p:notes xmlns:a="http://schemas.openxmlformats.org/drawingml/2006/main" xmlns:r="http://schemas.openxmlformats.org/officeDocument/2006/relationships" xmlns:mc="http://schemas.openxmlformats.org/markup-compatibility/2006" xmlns:mv="urn:schemas-microsoft-com:mac:vml" xmlns:p="http://schemas.openxmlformats.org/presentationml/2006/main" xmlns:c="http://schemas.openxmlformats.org/drawingml/2006/chart" xmlns:dgm="http://schemas.openxmlformats.org/drawingml/2006/diagram" xmlns:o="urn:schemas-microsoft-com:office:office" xmlns:v="urn:schemas-microsoft-com:vml" xmlns:pvml="urn:schemas-microsoft-com:office:powerpoint" xmlns:com="http://schemas.openxmlformats.org/drawingml/2006/compatibility" xmlns:p14="http://schemas.microsoft.com/office/powerpoint/2010/main" xmlns:p15="http://schemas.microsoft.com/office/powerpoint/2012/main" xmlns:ahyp="http://schemas.microsoft.com/office/drawing/2018/hyperlinkcolor" showMasterPhAnim="0" showMasterSp="0">
+  <p:cSld>
+    <p:spTree>
+      <p:nvGrpSpPr>
+        <p:cNvPr id="293" name="Shape 293"/>
+        <p:cNvGrpSpPr/>
+        <p:nvPr/>
+      </p:nvGrpSpPr>
+      <p:grpSpPr>
+        <a:xfrm>
+          <a:off x="0" y="0"/>
+          <a:ext cx="0" cy="0"/>
+          <a:chOff x="0" y="0"/>
+          <a:chExt cx="0" cy="0"/>
+        </a:xfrm>
+      </p:grpSpPr>
+      <p:sp>
+        <p:nvSpPr>
+          <p:cNvPr id="294" name="Google Shape;294;ge81ccddd1b_0_133:notes"/>
+          <p:cNvSpPr/>
+          <p:nvPr>
+            <p:ph idx="2" type="sldImg"/>
+          </p:nvPr>
+        </p:nvSpPr>
+        <p:spPr>
+          <a:xfrm>
+            <a:off x="381300" y="685800"/>
+            <a:ext cx="6096000" cy="3429000"/>
+          </a:xfrm>
+          <a:custGeom>
+            <a:rect b="b" l="l" r="r" t="t"/>
+            <a:pathLst>
+              <a:path extrusionOk="0" h="120000" w="120000">
+                <a:moveTo>
+                  <a:pt x="0" y="0"/>
+                </a:moveTo>
+                <a:lnTo>
+                  <a:pt x="120000" y="0"/>
+                </a:lnTo>
+                <a:lnTo>
+                  <a:pt x="120000" y="120000"/>
+                </a:lnTo>
+                <a:lnTo>
+                  <a:pt x="0" y="120000"/>
+                </a:lnTo>
+                <a:close/>
+              </a:path>
+            </a:pathLst>
+          </a:custGeom>
+        </p:spPr>
+      </p:sp>
+      <p:sp>
+        <p:nvSpPr>
+          <p:cNvPr id="295" name="Google Shape;295;ge81ccddd1b_0_133:notes"/>
+          <p:cNvSpPr txBox="1"/>
+          <p:nvPr>
+            <p:ph idx="1" type="body"/>
+          </p:nvPr>
+        </p:nvSpPr>
+        <p:spPr>
+          <a:xfrm>
+            <a:off x="685800" y="4343400"/>
+            <a:ext cx="5486400" cy="4114800"/>
+          </a:xfrm>
+          <a:prstGeom prst="rect">
+            <a:avLst/>
+          </a:prstGeom>
+        </p:spPr>
+        <p:txBody>
+          <a:bodyPr anchorCtr="0" anchor="t" bIns="91425" lIns="91425" spcFirstLastPara="1" rIns="91425" wrap="square" tIns="91425">
+            <a:noAutofit/>
+          </a:bodyPr>
+          <a:lstStyle/>
+          <a:p>
+            <a:pPr indent="0" lvl="0" marL="0" rtl="0" algn="l">
+              <a:spcBef>
+                <a:spcPts val="0"/>
+              </a:spcBef>
+              <a:spcAft>
+                <a:spcPts val="0"/>
+              </a:spcAft>
+              <a:buNone/>
+            </a:pPr>
+            <a:r>
+              <a:t/>
+            </a:r>
+            <a:endParaRPr/>
+          </a:p>
+        </p:txBody>
+      </p:sp>
+    </p:spTree>
+  </p:cSld>
+  <p:clrMapOvr>
+    <a:masterClrMapping/>
+  </p:clrMapOvr>
+</p:notes>
+</file>
+
+<file path=ppt/notesSlides/notesSlide28.xml><?xml version="1.0" encoding="utf-8"?>
+<p:notes xmlns:a="http://schemas.openxmlformats.org/drawingml/2006/main" xmlns:r="http://schemas.openxmlformats.org/officeDocument/2006/relationships" xmlns:mc="http://schemas.openxmlformats.org/markup-compatibility/2006" xmlns:mv="urn:schemas-microsoft-com:mac:vml" xmlns:p="http://schemas.openxmlformats.org/presentationml/2006/main" xmlns:c="http://schemas.openxmlformats.org/drawingml/2006/chart" xmlns:dgm="http://schemas.openxmlformats.org/drawingml/2006/diagram" xmlns:o="urn:schemas-microsoft-com:office:office" xmlns:v="urn:schemas-microsoft-com:vml" xmlns:pvml="urn:schemas-microsoft-com:office:powerpoint" xmlns:com="http://schemas.openxmlformats.org/drawingml/2006/compatibility" xmlns:p14="http://schemas.microsoft.com/office/powerpoint/2010/main" xmlns:p15="http://schemas.microsoft.com/office/powerpoint/2012/main" xmlns:ahyp="http://schemas.microsoft.com/office/drawing/2018/hyperlinkcolor" showMasterPhAnim="0" showMasterSp="0">
+  <p:cSld>
+    <p:spTree>
+      <p:nvGrpSpPr>
+        <p:cNvPr id="299" name="Shape 299"/>
+        <p:cNvGrpSpPr/>
+        <p:nvPr/>
+      </p:nvGrpSpPr>
+      <p:grpSpPr>
+        <a:xfrm>
+          <a:off x="0" y="0"/>
+          <a:ext cx="0" cy="0"/>
+          <a:chOff x="0" y="0"/>
+          <a:chExt cx="0" cy="0"/>
+        </a:xfrm>
+      </p:grpSpPr>
+      <p:sp>
+        <p:nvSpPr>
+          <p:cNvPr id="300" name="Google Shape;300;ge81ccddd1b_0_139:notes"/>
+          <p:cNvSpPr/>
+          <p:nvPr>
+            <p:ph idx="2" type="sldImg"/>
+          </p:nvPr>
+        </p:nvSpPr>
+        <p:spPr>
+          <a:xfrm>
+            <a:off x="381300" y="685800"/>
+            <a:ext cx="6096000" cy="3429000"/>
+          </a:xfrm>
+          <a:custGeom>
+            <a:rect b="b" l="l" r="r" t="t"/>
+            <a:pathLst>
+              <a:path extrusionOk="0" h="120000" w="120000">
+                <a:moveTo>
+                  <a:pt x="0" y="0"/>
+                </a:moveTo>
+                <a:lnTo>
+                  <a:pt x="120000" y="0"/>
+                </a:lnTo>
+                <a:lnTo>
+                  <a:pt x="120000" y="120000"/>
+                </a:lnTo>
+                <a:lnTo>
+                  <a:pt x="0" y="120000"/>
+                </a:lnTo>
+                <a:close/>
+              </a:path>
+            </a:pathLst>
+          </a:custGeom>
+        </p:spPr>
+      </p:sp>
+      <p:sp>
+        <p:nvSpPr>
+          <p:cNvPr id="301" name="Google Shape;301;ge81ccddd1b_0_139:notes"/>
+          <p:cNvSpPr txBox="1"/>
+          <p:nvPr>
+            <p:ph idx="1" type="body"/>
+          </p:nvPr>
+        </p:nvSpPr>
+        <p:spPr>
+          <a:xfrm>
+            <a:off x="685800" y="4343400"/>
+            <a:ext cx="5486400" cy="4114800"/>
+          </a:xfrm>
+          <a:prstGeom prst="rect">
+            <a:avLst/>
+          </a:prstGeom>
+        </p:spPr>
+        <p:txBody>
+          <a:bodyPr anchorCtr="0" anchor="t" bIns="91425" lIns="91425" spcFirstLastPara="1" rIns="91425" wrap="square" tIns="91425">
+            <a:noAutofit/>
+          </a:bodyPr>
+          <a:lstStyle/>
+          <a:p>
+            <a:pPr indent="0" lvl="0" marL="0" rtl="0" algn="l">
+              <a:spcBef>
+                <a:spcPts val="0"/>
+              </a:spcBef>
+              <a:spcAft>
+                <a:spcPts val="0"/>
+              </a:spcAft>
+              <a:buNone/>
+            </a:pPr>
+            <a:r>
+              <a:t/>
+            </a:r>
+            <a:endParaRPr/>
+          </a:p>
+        </p:txBody>
+      </p:sp>
+    </p:spTree>
+  </p:cSld>
+  <p:clrMapOvr>
+    <a:masterClrMapping/>
+  </p:clrMapOvr>
+</p:notes>
+</file>
+
+<file path=ppt/notesSlides/notesSlide29.xml><?xml version="1.0" encoding="utf-8"?>
+<p:notes xmlns:a="http://schemas.openxmlformats.org/drawingml/2006/main" xmlns:r="http://schemas.openxmlformats.org/officeDocument/2006/relationships" xmlns:mc="http://schemas.openxmlformats.org/markup-compatibility/2006" xmlns:mv="urn:schemas-microsoft-com:mac:vml" xmlns:p="http://schemas.openxmlformats.org/presentationml/2006/main" xmlns:c="http://schemas.openxmlformats.org/drawingml/2006/chart" xmlns:dgm="http://schemas.openxmlformats.org/drawingml/2006/diagram" xmlns:o="urn:schemas-microsoft-com:office:office" xmlns:v="urn:schemas-microsoft-com:vml" xmlns:pvml="urn:schemas-microsoft-com:office:powerpoint" xmlns:com="http://schemas.openxmlformats.org/drawingml/2006/compatibility" xmlns:p14="http://schemas.microsoft.com/office/powerpoint/2010/main" xmlns:p15="http://schemas.microsoft.com/office/powerpoint/2012/main" xmlns:ahyp="http://schemas.microsoft.com/office/drawing/2018/hyperlinkcolor" showMasterPhAnim="0" showMasterSp="0">
+  <p:cSld>
+    <p:spTree>
+      <p:nvGrpSpPr>
+        <p:cNvPr id="307" name="Shape 307"/>
+        <p:cNvGrpSpPr/>
+        <p:nvPr/>
+      </p:nvGrpSpPr>
+      <p:grpSpPr>
+        <a:xfrm>
+          <a:off x="0" y="0"/>
+          <a:ext cx="0" cy="0"/>
+          <a:chOff x="0" y="0"/>
+          <a:chExt cx="0" cy="0"/>
+        </a:xfrm>
+      </p:grpSpPr>
+      <p:sp>
+        <p:nvSpPr>
+          <p:cNvPr id="308" name="Google Shape;308;ge81ccddd1b_0_150:notes"/>
+          <p:cNvSpPr/>
+          <p:nvPr>
+            <p:ph idx="2" type="sldImg"/>
+          </p:nvPr>
+        </p:nvSpPr>
+        <p:spPr>
+          <a:xfrm>
+            <a:off x="381300" y="685800"/>
+            <a:ext cx="6096000" cy="3429000"/>
+          </a:xfrm>
+          <a:custGeom>
+            <a:rect b="b" l="l" r="r" t="t"/>
+            <a:pathLst>
+              <a:path extrusionOk="0" h="120000" w="120000">
+                <a:moveTo>
+                  <a:pt x="0" y="0"/>
+                </a:moveTo>
+                <a:lnTo>
+                  <a:pt x="120000" y="0"/>
+                </a:lnTo>
+                <a:lnTo>
+                  <a:pt x="120000" y="120000"/>
+                </a:lnTo>
+                <a:lnTo>
+                  <a:pt x="0" y="120000"/>
+                </a:lnTo>
+                <a:close/>
+              </a:path>
+            </a:pathLst>
+          </a:custGeom>
+        </p:spPr>
+      </p:sp>
+      <p:sp>
+        <p:nvSpPr>
+          <p:cNvPr id="309" name="Google Shape;309;ge81ccddd1b_0_150:notes"/>
           <p:cNvSpPr txBox="1"/>
           <p:nvPr>
             <p:ph idx="1" type="body"/>
@@ -998,6 +3008,798 @@
 </p:notes>
 </file>
 
+<file path=ppt/notesSlides/notesSlide30.xml><?xml version="1.0" encoding="utf-8"?>
+<p:notes xmlns:a="http://schemas.openxmlformats.org/drawingml/2006/main" xmlns:r="http://schemas.openxmlformats.org/officeDocument/2006/relationships" xmlns:mc="http://schemas.openxmlformats.org/markup-compatibility/2006" xmlns:mv="urn:schemas-microsoft-com:mac:vml" xmlns:p="http://schemas.openxmlformats.org/presentationml/2006/main" xmlns:c="http://schemas.openxmlformats.org/drawingml/2006/chart" xmlns:dgm="http://schemas.openxmlformats.org/drawingml/2006/diagram" xmlns:o="urn:schemas-microsoft-com:office:office" xmlns:v="urn:schemas-microsoft-com:vml" xmlns:pvml="urn:schemas-microsoft-com:office:powerpoint" xmlns:com="http://schemas.openxmlformats.org/drawingml/2006/compatibility" xmlns:p14="http://schemas.microsoft.com/office/powerpoint/2010/main" xmlns:p15="http://schemas.microsoft.com/office/powerpoint/2012/main" xmlns:ahyp="http://schemas.microsoft.com/office/drawing/2018/hyperlinkcolor" showMasterPhAnim="0" showMasterSp="0">
+  <p:cSld>
+    <p:spTree>
+      <p:nvGrpSpPr>
+        <p:cNvPr id="314" name="Shape 314"/>
+        <p:cNvGrpSpPr/>
+        <p:nvPr/>
+      </p:nvGrpSpPr>
+      <p:grpSpPr>
+        <a:xfrm>
+          <a:off x="0" y="0"/>
+          <a:ext cx="0" cy="0"/>
+          <a:chOff x="0" y="0"/>
+          <a:chExt cx="0" cy="0"/>
+        </a:xfrm>
+      </p:grpSpPr>
+      <p:sp>
+        <p:nvSpPr>
+          <p:cNvPr id="315" name="Google Shape;315;ge81ccddd1b_0_159:notes"/>
+          <p:cNvSpPr/>
+          <p:nvPr>
+            <p:ph idx="2" type="sldImg"/>
+          </p:nvPr>
+        </p:nvSpPr>
+        <p:spPr>
+          <a:xfrm>
+            <a:off x="381300" y="685800"/>
+            <a:ext cx="6096000" cy="3429000"/>
+          </a:xfrm>
+          <a:custGeom>
+            <a:rect b="b" l="l" r="r" t="t"/>
+            <a:pathLst>
+              <a:path extrusionOk="0" h="120000" w="120000">
+                <a:moveTo>
+                  <a:pt x="0" y="0"/>
+                </a:moveTo>
+                <a:lnTo>
+                  <a:pt x="120000" y="0"/>
+                </a:lnTo>
+                <a:lnTo>
+                  <a:pt x="120000" y="120000"/>
+                </a:lnTo>
+                <a:lnTo>
+                  <a:pt x="0" y="120000"/>
+                </a:lnTo>
+                <a:close/>
+              </a:path>
+            </a:pathLst>
+          </a:custGeom>
+        </p:spPr>
+      </p:sp>
+      <p:sp>
+        <p:nvSpPr>
+          <p:cNvPr id="316" name="Google Shape;316;ge81ccddd1b_0_159:notes"/>
+          <p:cNvSpPr txBox="1"/>
+          <p:nvPr>
+            <p:ph idx="1" type="body"/>
+          </p:nvPr>
+        </p:nvSpPr>
+        <p:spPr>
+          <a:xfrm>
+            <a:off x="685800" y="4343400"/>
+            <a:ext cx="5486400" cy="4114800"/>
+          </a:xfrm>
+          <a:prstGeom prst="rect">
+            <a:avLst/>
+          </a:prstGeom>
+        </p:spPr>
+        <p:txBody>
+          <a:bodyPr anchorCtr="0" anchor="t" bIns="91425" lIns="91425" spcFirstLastPara="1" rIns="91425" wrap="square" tIns="91425">
+            <a:noAutofit/>
+          </a:bodyPr>
+          <a:lstStyle/>
+          <a:p>
+            <a:pPr indent="0" lvl="0" marL="0" rtl="0" algn="l">
+              <a:spcBef>
+                <a:spcPts val="0"/>
+              </a:spcBef>
+              <a:spcAft>
+                <a:spcPts val="0"/>
+              </a:spcAft>
+              <a:buNone/>
+            </a:pPr>
+            <a:r>
+              <a:t/>
+            </a:r>
+            <a:endParaRPr/>
+          </a:p>
+        </p:txBody>
+      </p:sp>
+    </p:spTree>
+  </p:cSld>
+  <p:clrMapOvr>
+    <a:masterClrMapping/>
+  </p:clrMapOvr>
+</p:notes>
+</file>
+
+<file path=ppt/notesSlides/notesSlide31.xml><?xml version="1.0" encoding="utf-8"?>
+<p:notes xmlns:a="http://schemas.openxmlformats.org/drawingml/2006/main" xmlns:r="http://schemas.openxmlformats.org/officeDocument/2006/relationships" xmlns:mc="http://schemas.openxmlformats.org/markup-compatibility/2006" xmlns:mv="urn:schemas-microsoft-com:mac:vml" xmlns:p="http://schemas.openxmlformats.org/presentationml/2006/main" xmlns:c="http://schemas.openxmlformats.org/drawingml/2006/chart" xmlns:dgm="http://schemas.openxmlformats.org/drawingml/2006/diagram" xmlns:o="urn:schemas-microsoft-com:office:office" xmlns:v="urn:schemas-microsoft-com:vml" xmlns:pvml="urn:schemas-microsoft-com:office:powerpoint" xmlns:com="http://schemas.openxmlformats.org/drawingml/2006/compatibility" xmlns:p14="http://schemas.microsoft.com/office/powerpoint/2010/main" xmlns:p15="http://schemas.microsoft.com/office/powerpoint/2012/main" xmlns:ahyp="http://schemas.microsoft.com/office/drawing/2018/hyperlinkcolor" showMasterPhAnim="0" showMasterSp="0">
+  <p:cSld>
+    <p:spTree>
+      <p:nvGrpSpPr>
+        <p:cNvPr id="320" name="Shape 320"/>
+        <p:cNvGrpSpPr/>
+        <p:nvPr/>
+      </p:nvGrpSpPr>
+      <p:grpSpPr>
+        <a:xfrm>
+          <a:off x="0" y="0"/>
+          <a:ext cx="0" cy="0"/>
+          <a:chOff x="0" y="0"/>
+          <a:chExt cx="0" cy="0"/>
+        </a:xfrm>
+      </p:grpSpPr>
+      <p:sp>
+        <p:nvSpPr>
+          <p:cNvPr id="321" name="Google Shape;321;ge81ccddd1b_0_167:notes"/>
+          <p:cNvSpPr/>
+          <p:nvPr>
+            <p:ph idx="2" type="sldImg"/>
+          </p:nvPr>
+        </p:nvSpPr>
+        <p:spPr>
+          <a:xfrm>
+            <a:off x="381300" y="685800"/>
+            <a:ext cx="6096000" cy="3429000"/>
+          </a:xfrm>
+          <a:custGeom>
+            <a:rect b="b" l="l" r="r" t="t"/>
+            <a:pathLst>
+              <a:path extrusionOk="0" h="120000" w="120000">
+                <a:moveTo>
+                  <a:pt x="0" y="0"/>
+                </a:moveTo>
+                <a:lnTo>
+                  <a:pt x="120000" y="0"/>
+                </a:lnTo>
+                <a:lnTo>
+                  <a:pt x="120000" y="120000"/>
+                </a:lnTo>
+                <a:lnTo>
+                  <a:pt x="0" y="120000"/>
+                </a:lnTo>
+                <a:close/>
+              </a:path>
+            </a:pathLst>
+          </a:custGeom>
+        </p:spPr>
+      </p:sp>
+      <p:sp>
+        <p:nvSpPr>
+          <p:cNvPr id="322" name="Google Shape;322;ge81ccddd1b_0_167:notes"/>
+          <p:cNvSpPr txBox="1"/>
+          <p:nvPr>
+            <p:ph idx="1" type="body"/>
+          </p:nvPr>
+        </p:nvSpPr>
+        <p:spPr>
+          <a:xfrm>
+            <a:off x="685800" y="4343400"/>
+            <a:ext cx="5486400" cy="4114800"/>
+          </a:xfrm>
+          <a:prstGeom prst="rect">
+            <a:avLst/>
+          </a:prstGeom>
+        </p:spPr>
+        <p:txBody>
+          <a:bodyPr anchorCtr="0" anchor="t" bIns="91425" lIns="91425" spcFirstLastPara="1" rIns="91425" wrap="square" tIns="91425">
+            <a:noAutofit/>
+          </a:bodyPr>
+          <a:lstStyle/>
+          <a:p>
+            <a:pPr indent="0" lvl="0" marL="0" rtl="0" algn="l">
+              <a:spcBef>
+                <a:spcPts val="0"/>
+              </a:spcBef>
+              <a:spcAft>
+                <a:spcPts val="0"/>
+              </a:spcAft>
+              <a:buNone/>
+            </a:pPr>
+            <a:r>
+              <a:t/>
+            </a:r>
+            <a:endParaRPr/>
+          </a:p>
+        </p:txBody>
+      </p:sp>
+    </p:spTree>
+  </p:cSld>
+  <p:clrMapOvr>
+    <a:masterClrMapping/>
+  </p:clrMapOvr>
+</p:notes>
+</file>
+
+<file path=ppt/notesSlides/notesSlide32.xml><?xml version="1.0" encoding="utf-8"?>
+<p:notes xmlns:a="http://schemas.openxmlformats.org/drawingml/2006/main" xmlns:r="http://schemas.openxmlformats.org/officeDocument/2006/relationships" xmlns:mc="http://schemas.openxmlformats.org/markup-compatibility/2006" xmlns:mv="urn:schemas-microsoft-com:mac:vml" xmlns:p="http://schemas.openxmlformats.org/presentationml/2006/main" xmlns:c="http://schemas.openxmlformats.org/drawingml/2006/chart" xmlns:dgm="http://schemas.openxmlformats.org/drawingml/2006/diagram" xmlns:o="urn:schemas-microsoft-com:office:office" xmlns:v="urn:schemas-microsoft-com:vml" xmlns:pvml="urn:schemas-microsoft-com:office:powerpoint" xmlns:com="http://schemas.openxmlformats.org/drawingml/2006/compatibility" xmlns:p14="http://schemas.microsoft.com/office/powerpoint/2010/main" xmlns:p15="http://schemas.microsoft.com/office/powerpoint/2012/main" xmlns:ahyp="http://schemas.microsoft.com/office/drawing/2018/hyperlinkcolor" showMasterPhAnim="0" showMasterSp="0">
+  <p:cSld>
+    <p:spTree>
+      <p:nvGrpSpPr>
+        <p:cNvPr id="327" name="Shape 327"/>
+        <p:cNvGrpSpPr/>
+        <p:nvPr/>
+      </p:nvGrpSpPr>
+      <p:grpSpPr>
+        <a:xfrm>
+          <a:off x="0" y="0"/>
+          <a:ext cx="0" cy="0"/>
+          <a:chOff x="0" y="0"/>
+          <a:chExt cx="0" cy="0"/>
+        </a:xfrm>
+      </p:grpSpPr>
+      <p:sp>
+        <p:nvSpPr>
+          <p:cNvPr id="328" name="Google Shape;328;ge81ccddd1b_0_174:notes"/>
+          <p:cNvSpPr/>
+          <p:nvPr>
+            <p:ph idx="2" type="sldImg"/>
+          </p:nvPr>
+        </p:nvSpPr>
+        <p:spPr>
+          <a:xfrm>
+            <a:off x="381300" y="685800"/>
+            <a:ext cx="6096000" cy="3429000"/>
+          </a:xfrm>
+          <a:custGeom>
+            <a:rect b="b" l="l" r="r" t="t"/>
+            <a:pathLst>
+              <a:path extrusionOk="0" h="120000" w="120000">
+                <a:moveTo>
+                  <a:pt x="0" y="0"/>
+                </a:moveTo>
+                <a:lnTo>
+                  <a:pt x="120000" y="0"/>
+                </a:lnTo>
+                <a:lnTo>
+                  <a:pt x="120000" y="120000"/>
+                </a:lnTo>
+                <a:lnTo>
+                  <a:pt x="0" y="120000"/>
+                </a:lnTo>
+                <a:close/>
+              </a:path>
+            </a:pathLst>
+          </a:custGeom>
+        </p:spPr>
+      </p:sp>
+      <p:sp>
+        <p:nvSpPr>
+          <p:cNvPr id="329" name="Google Shape;329;ge81ccddd1b_0_174:notes"/>
+          <p:cNvSpPr txBox="1"/>
+          <p:nvPr>
+            <p:ph idx="1" type="body"/>
+          </p:nvPr>
+        </p:nvSpPr>
+        <p:spPr>
+          <a:xfrm>
+            <a:off x="685800" y="4343400"/>
+            <a:ext cx="5486400" cy="4114800"/>
+          </a:xfrm>
+          <a:prstGeom prst="rect">
+            <a:avLst/>
+          </a:prstGeom>
+        </p:spPr>
+        <p:txBody>
+          <a:bodyPr anchorCtr="0" anchor="t" bIns="91425" lIns="91425" spcFirstLastPara="1" rIns="91425" wrap="square" tIns="91425">
+            <a:noAutofit/>
+          </a:bodyPr>
+          <a:lstStyle/>
+          <a:p>
+            <a:pPr indent="0" lvl="0" marL="0" rtl="0" algn="l">
+              <a:spcBef>
+                <a:spcPts val="0"/>
+              </a:spcBef>
+              <a:spcAft>
+                <a:spcPts val="0"/>
+              </a:spcAft>
+              <a:buNone/>
+            </a:pPr>
+            <a:r>
+              <a:t/>
+            </a:r>
+            <a:endParaRPr/>
+          </a:p>
+        </p:txBody>
+      </p:sp>
+    </p:spTree>
+  </p:cSld>
+  <p:clrMapOvr>
+    <a:masterClrMapping/>
+  </p:clrMapOvr>
+</p:notes>
+</file>
+
+<file path=ppt/notesSlides/notesSlide33.xml><?xml version="1.0" encoding="utf-8"?>
+<p:notes xmlns:a="http://schemas.openxmlformats.org/drawingml/2006/main" xmlns:r="http://schemas.openxmlformats.org/officeDocument/2006/relationships" xmlns:mc="http://schemas.openxmlformats.org/markup-compatibility/2006" xmlns:mv="urn:schemas-microsoft-com:mac:vml" xmlns:p="http://schemas.openxmlformats.org/presentationml/2006/main" xmlns:c="http://schemas.openxmlformats.org/drawingml/2006/chart" xmlns:dgm="http://schemas.openxmlformats.org/drawingml/2006/diagram" xmlns:o="urn:schemas-microsoft-com:office:office" xmlns:v="urn:schemas-microsoft-com:vml" xmlns:pvml="urn:schemas-microsoft-com:office:powerpoint" xmlns:com="http://schemas.openxmlformats.org/drawingml/2006/compatibility" xmlns:p14="http://schemas.microsoft.com/office/powerpoint/2010/main" xmlns:p15="http://schemas.microsoft.com/office/powerpoint/2012/main" xmlns:ahyp="http://schemas.microsoft.com/office/drawing/2018/hyperlinkcolor" showMasterPhAnim="0" showMasterSp="0">
+  <p:cSld>
+    <p:spTree>
+      <p:nvGrpSpPr>
+        <p:cNvPr id="333" name="Shape 333"/>
+        <p:cNvGrpSpPr/>
+        <p:nvPr/>
+      </p:nvGrpSpPr>
+      <p:grpSpPr>
+        <a:xfrm>
+          <a:off x="0" y="0"/>
+          <a:ext cx="0" cy="0"/>
+          <a:chOff x="0" y="0"/>
+          <a:chExt cx="0" cy="0"/>
+        </a:xfrm>
+      </p:grpSpPr>
+      <p:sp>
+        <p:nvSpPr>
+          <p:cNvPr id="334" name="Google Shape;334;ge81ccddd1b_0_181:notes"/>
+          <p:cNvSpPr/>
+          <p:nvPr>
+            <p:ph idx="2" type="sldImg"/>
+          </p:nvPr>
+        </p:nvSpPr>
+        <p:spPr>
+          <a:xfrm>
+            <a:off x="381300" y="685800"/>
+            <a:ext cx="6096000" cy="3429000"/>
+          </a:xfrm>
+          <a:custGeom>
+            <a:rect b="b" l="l" r="r" t="t"/>
+            <a:pathLst>
+              <a:path extrusionOk="0" h="120000" w="120000">
+                <a:moveTo>
+                  <a:pt x="0" y="0"/>
+                </a:moveTo>
+                <a:lnTo>
+                  <a:pt x="120000" y="0"/>
+                </a:lnTo>
+                <a:lnTo>
+                  <a:pt x="120000" y="120000"/>
+                </a:lnTo>
+                <a:lnTo>
+                  <a:pt x="0" y="120000"/>
+                </a:lnTo>
+                <a:close/>
+              </a:path>
+            </a:pathLst>
+          </a:custGeom>
+        </p:spPr>
+      </p:sp>
+      <p:sp>
+        <p:nvSpPr>
+          <p:cNvPr id="335" name="Google Shape;335;ge81ccddd1b_0_181:notes"/>
+          <p:cNvSpPr txBox="1"/>
+          <p:nvPr>
+            <p:ph idx="1" type="body"/>
+          </p:nvPr>
+        </p:nvSpPr>
+        <p:spPr>
+          <a:xfrm>
+            <a:off x="685800" y="4343400"/>
+            <a:ext cx="5486400" cy="4114800"/>
+          </a:xfrm>
+          <a:prstGeom prst="rect">
+            <a:avLst/>
+          </a:prstGeom>
+        </p:spPr>
+        <p:txBody>
+          <a:bodyPr anchorCtr="0" anchor="t" bIns="91425" lIns="91425" spcFirstLastPara="1" rIns="91425" wrap="square" tIns="91425">
+            <a:noAutofit/>
+          </a:bodyPr>
+          <a:lstStyle/>
+          <a:p>
+            <a:pPr indent="0" lvl="0" marL="0" rtl="0" algn="l">
+              <a:spcBef>
+                <a:spcPts val="0"/>
+              </a:spcBef>
+              <a:spcAft>
+                <a:spcPts val="0"/>
+              </a:spcAft>
+              <a:buNone/>
+            </a:pPr>
+            <a:r>
+              <a:t/>
+            </a:r>
+            <a:endParaRPr/>
+          </a:p>
+        </p:txBody>
+      </p:sp>
+    </p:spTree>
+  </p:cSld>
+  <p:clrMapOvr>
+    <a:masterClrMapping/>
+  </p:clrMapOvr>
+</p:notes>
+</file>
+
+<file path=ppt/notesSlides/notesSlide34.xml><?xml version="1.0" encoding="utf-8"?>
+<p:notes xmlns:a="http://schemas.openxmlformats.org/drawingml/2006/main" xmlns:r="http://schemas.openxmlformats.org/officeDocument/2006/relationships" xmlns:mc="http://schemas.openxmlformats.org/markup-compatibility/2006" xmlns:mv="urn:schemas-microsoft-com:mac:vml" xmlns:p="http://schemas.openxmlformats.org/presentationml/2006/main" xmlns:c="http://schemas.openxmlformats.org/drawingml/2006/chart" xmlns:dgm="http://schemas.openxmlformats.org/drawingml/2006/diagram" xmlns:o="urn:schemas-microsoft-com:office:office" xmlns:v="urn:schemas-microsoft-com:vml" xmlns:pvml="urn:schemas-microsoft-com:office:powerpoint" xmlns:com="http://schemas.openxmlformats.org/drawingml/2006/compatibility" xmlns:p14="http://schemas.microsoft.com/office/powerpoint/2010/main" xmlns:p15="http://schemas.microsoft.com/office/powerpoint/2012/main" xmlns:ahyp="http://schemas.microsoft.com/office/drawing/2018/hyperlinkcolor" showMasterPhAnim="0" showMasterSp="0">
+  <p:cSld>
+    <p:spTree>
+      <p:nvGrpSpPr>
+        <p:cNvPr id="340" name="Shape 340"/>
+        <p:cNvGrpSpPr/>
+        <p:nvPr/>
+      </p:nvGrpSpPr>
+      <p:grpSpPr>
+        <a:xfrm>
+          <a:off x="0" y="0"/>
+          <a:ext cx="0" cy="0"/>
+          <a:chOff x="0" y="0"/>
+          <a:chExt cx="0" cy="0"/>
+        </a:xfrm>
+      </p:grpSpPr>
+      <p:sp>
+        <p:nvSpPr>
+          <p:cNvPr id="341" name="Google Shape;341;ge81ccddd1b_0_191:notes"/>
+          <p:cNvSpPr/>
+          <p:nvPr>
+            <p:ph idx="2" type="sldImg"/>
+          </p:nvPr>
+        </p:nvSpPr>
+        <p:spPr>
+          <a:xfrm>
+            <a:off x="381300" y="685800"/>
+            <a:ext cx="6096000" cy="3429000"/>
+          </a:xfrm>
+          <a:custGeom>
+            <a:rect b="b" l="l" r="r" t="t"/>
+            <a:pathLst>
+              <a:path extrusionOk="0" h="120000" w="120000">
+                <a:moveTo>
+                  <a:pt x="0" y="0"/>
+                </a:moveTo>
+                <a:lnTo>
+                  <a:pt x="120000" y="0"/>
+                </a:lnTo>
+                <a:lnTo>
+                  <a:pt x="120000" y="120000"/>
+                </a:lnTo>
+                <a:lnTo>
+                  <a:pt x="0" y="120000"/>
+                </a:lnTo>
+                <a:close/>
+              </a:path>
+            </a:pathLst>
+          </a:custGeom>
+        </p:spPr>
+      </p:sp>
+      <p:sp>
+        <p:nvSpPr>
+          <p:cNvPr id="342" name="Google Shape;342;ge81ccddd1b_0_191:notes"/>
+          <p:cNvSpPr txBox="1"/>
+          <p:nvPr>
+            <p:ph idx="1" type="body"/>
+          </p:nvPr>
+        </p:nvSpPr>
+        <p:spPr>
+          <a:xfrm>
+            <a:off x="685800" y="4343400"/>
+            <a:ext cx="5486400" cy="4114800"/>
+          </a:xfrm>
+          <a:prstGeom prst="rect">
+            <a:avLst/>
+          </a:prstGeom>
+        </p:spPr>
+        <p:txBody>
+          <a:bodyPr anchorCtr="0" anchor="t" bIns="91425" lIns="91425" spcFirstLastPara="1" rIns="91425" wrap="square" tIns="91425">
+            <a:noAutofit/>
+          </a:bodyPr>
+          <a:lstStyle/>
+          <a:p>
+            <a:pPr indent="0" lvl="0" marL="0" rtl="0" algn="l">
+              <a:spcBef>
+                <a:spcPts val="0"/>
+              </a:spcBef>
+              <a:spcAft>
+                <a:spcPts val="0"/>
+              </a:spcAft>
+              <a:buNone/>
+            </a:pPr>
+            <a:r>
+              <a:t/>
+            </a:r>
+            <a:endParaRPr/>
+          </a:p>
+        </p:txBody>
+      </p:sp>
+    </p:spTree>
+  </p:cSld>
+  <p:clrMapOvr>
+    <a:masterClrMapping/>
+  </p:clrMapOvr>
+</p:notes>
+</file>
+
+<file path=ppt/notesSlides/notesSlide35.xml><?xml version="1.0" encoding="utf-8"?>
+<p:notes xmlns:a="http://schemas.openxmlformats.org/drawingml/2006/main" xmlns:r="http://schemas.openxmlformats.org/officeDocument/2006/relationships" xmlns:mc="http://schemas.openxmlformats.org/markup-compatibility/2006" xmlns:mv="urn:schemas-microsoft-com:mac:vml" xmlns:p="http://schemas.openxmlformats.org/presentationml/2006/main" xmlns:c="http://schemas.openxmlformats.org/drawingml/2006/chart" xmlns:dgm="http://schemas.openxmlformats.org/drawingml/2006/diagram" xmlns:o="urn:schemas-microsoft-com:office:office" xmlns:v="urn:schemas-microsoft-com:vml" xmlns:pvml="urn:schemas-microsoft-com:office:powerpoint" xmlns:com="http://schemas.openxmlformats.org/drawingml/2006/compatibility" xmlns:p14="http://schemas.microsoft.com/office/powerpoint/2010/main" xmlns:p15="http://schemas.microsoft.com/office/powerpoint/2012/main" xmlns:ahyp="http://schemas.microsoft.com/office/drawing/2018/hyperlinkcolor" showMasterPhAnim="0" showMasterSp="0">
+  <p:cSld>
+    <p:spTree>
+      <p:nvGrpSpPr>
+        <p:cNvPr id="346" name="Shape 346"/>
+        <p:cNvGrpSpPr/>
+        <p:nvPr/>
+      </p:nvGrpSpPr>
+      <p:grpSpPr>
+        <a:xfrm>
+          <a:off x="0" y="0"/>
+          <a:ext cx="0" cy="0"/>
+          <a:chOff x="0" y="0"/>
+          <a:chExt cx="0" cy="0"/>
+        </a:xfrm>
+      </p:grpSpPr>
+      <p:sp>
+        <p:nvSpPr>
+          <p:cNvPr id="347" name="Google Shape;347;ge81ccddd1b_0_204:notes"/>
+          <p:cNvSpPr/>
+          <p:nvPr>
+            <p:ph idx="2" type="sldImg"/>
+          </p:nvPr>
+        </p:nvSpPr>
+        <p:spPr>
+          <a:xfrm>
+            <a:off x="381300" y="685800"/>
+            <a:ext cx="6096000" cy="3429000"/>
+          </a:xfrm>
+          <a:custGeom>
+            <a:rect b="b" l="l" r="r" t="t"/>
+            <a:pathLst>
+              <a:path extrusionOk="0" h="120000" w="120000">
+                <a:moveTo>
+                  <a:pt x="0" y="0"/>
+                </a:moveTo>
+                <a:lnTo>
+                  <a:pt x="120000" y="0"/>
+                </a:lnTo>
+                <a:lnTo>
+                  <a:pt x="120000" y="120000"/>
+                </a:lnTo>
+                <a:lnTo>
+                  <a:pt x="0" y="120000"/>
+                </a:lnTo>
+                <a:close/>
+              </a:path>
+            </a:pathLst>
+          </a:custGeom>
+        </p:spPr>
+      </p:sp>
+      <p:sp>
+        <p:nvSpPr>
+          <p:cNvPr id="348" name="Google Shape;348;ge81ccddd1b_0_204:notes"/>
+          <p:cNvSpPr txBox="1"/>
+          <p:nvPr>
+            <p:ph idx="1" type="body"/>
+          </p:nvPr>
+        </p:nvSpPr>
+        <p:spPr>
+          <a:xfrm>
+            <a:off x="685800" y="4343400"/>
+            <a:ext cx="5486400" cy="4114800"/>
+          </a:xfrm>
+          <a:prstGeom prst="rect">
+            <a:avLst/>
+          </a:prstGeom>
+        </p:spPr>
+        <p:txBody>
+          <a:bodyPr anchorCtr="0" anchor="t" bIns="91425" lIns="91425" spcFirstLastPara="1" rIns="91425" wrap="square" tIns="91425">
+            <a:noAutofit/>
+          </a:bodyPr>
+          <a:lstStyle/>
+          <a:p>
+            <a:pPr indent="0" lvl="0" marL="0" rtl="0" algn="l">
+              <a:spcBef>
+                <a:spcPts val="0"/>
+              </a:spcBef>
+              <a:spcAft>
+                <a:spcPts val="0"/>
+              </a:spcAft>
+              <a:buNone/>
+            </a:pPr>
+            <a:r>
+              <a:t/>
+            </a:r>
+            <a:endParaRPr/>
+          </a:p>
+        </p:txBody>
+      </p:sp>
+    </p:spTree>
+  </p:cSld>
+  <p:clrMapOvr>
+    <a:masterClrMapping/>
+  </p:clrMapOvr>
+</p:notes>
+</file>
+
+<file path=ppt/notesSlides/notesSlide36.xml><?xml version="1.0" encoding="utf-8"?>
+<p:notes xmlns:a="http://schemas.openxmlformats.org/drawingml/2006/main" xmlns:r="http://schemas.openxmlformats.org/officeDocument/2006/relationships" xmlns:mc="http://schemas.openxmlformats.org/markup-compatibility/2006" xmlns:mv="urn:schemas-microsoft-com:mac:vml" xmlns:p="http://schemas.openxmlformats.org/presentationml/2006/main" xmlns:c="http://schemas.openxmlformats.org/drawingml/2006/chart" xmlns:dgm="http://schemas.openxmlformats.org/drawingml/2006/diagram" xmlns:o="urn:schemas-microsoft-com:office:office" xmlns:v="urn:schemas-microsoft-com:vml" xmlns:pvml="urn:schemas-microsoft-com:office:powerpoint" xmlns:com="http://schemas.openxmlformats.org/drawingml/2006/compatibility" xmlns:p14="http://schemas.microsoft.com/office/powerpoint/2010/main" xmlns:p15="http://schemas.microsoft.com/office/powerpoint/2012/main" xmlns:ahyp="http://schemas.microsoft.com/office/drawing/2018/hyperlinkcolor" showMasterPhAnim="0" showMasterSp="0">
+  <p:cSld>
+    <p:spTree>
+      <p:nvGrpSpPr>
+        <p:cNvPr id="353" name="Shape 353"/>
+        <p:cNvGrpSpPr/>
+        <p:nvPr/>
+      </p:nvGrpSpPr>
+      <p:grpSpPr>
+        <a:xfrm>
+          <a:off x="0" y="0"/>
+          <a:ext cx="0" cy="0"/>
+          <a:chOff x="0" y="0"/>
+          <a:chExt cx="0" cy="0"/>
+        </a:xfrm>
+      </p:grpSpPr>
+      <p:sp>
+        <p:nvSpPr>
+          <p:cNvPr id="354" name="Google Shape;354;ge81ccddd1b_0_197:notes"/>
+          <p:cNvSpPr/>
+          <p:nvPr>
+            <p:ph idx="2" type="sldImg"/>
+          </p:nvPr>
+        </p:nvSpPr>
+        <p:spPr>
+          <a:xfrm>
+            <a:off x="381300" y="685800"/>
+            <a:ext cx="6096000" cy="3429000"/>
+          </a:xfrm>
+          <a:custGeom>
+            <a:rect b="b" l="l" r="r" t="t"/>
+            <a:pathLst>
+              <a:path extrusionOk="0" h="120000" w="120000">
+                <a:moveTo>
+                  <a:pt x="0" y="0"/>
+                </a:moveTo>
+                <a:lnTo>
+                  <a:pt x="120000" y="0"/>
+                </a:lnTo>
+                <a:lnTo>
+                  <a:pt x="120000" y="120000"/>
+                </a:lnTo>
+                <a:lnTo>
+                  <a:pt x="0" y="120000"/>
+                </a:lnTo>
+                <a:close/>
+              </a:path>
+            </a:pathLst>
+          </a:custGeom>
+        </p:spPr>
+      </p:sp>
+      <p:sp>
+        <p:nvSpPr>
+          <p:cNvPr id="355" name="Google Shape;355;ge81ccddd1b_0_197:notes"/>
+          <p:cNvSpPr txBox="1"/>
+          <p:nvPr>
+            <p:ph idx="1" type="body"/>
+          </p:nvPr>
+        </p:nvSpPr>
+        <p:spPr>
+          <a:xfrm>
+            <a:off x="685800" y="4343400"/>
+            <a:ext cx="5486400" cy="4114800"/>
+          </a:xfrm>
+          <a:prstGeom prst="rect">
+            <a:avLst/>
+          </a:prstGeom>
+        </p:spPr>
+        <p:txBody>
+          <a:bodyPr anchorCtr="0" anchor="t" bIns="91425" lIns="91425" spcFirstLastPara="1" rIns="91425" wrap="square" tIns="91425">
+            <a:noAutofit/>
+          </a:bodyPr>
+          <a:lstStyle/>
+          <a:p>
+            <a:pPr indent="0" lvl="0" marL="0" rtl="0" algn="l">
+              <a:spcBef>
+                <a:spcPts val="0"/>
+              </a:spcBef>
+              <a:spcAft>
+                <a:spcPts val="0"/>
+              </a:spcAft>
+              <a:buNone/>
+            </a:pPr>
+            <a:r>
+              <a:t/>
+            </a:r>
+            <a:endParaRPr/>
+          </a:p>
+        </p:txBody>
+      </p:sp>
+    </p:spTree>
+  </p:cSld>
+  <p:clrMapOvr>
+    <a:masterClrMapping/>
+  </p:clrMapOvr>
+</p:notes>
+</file>
+
+<file path=ppt/notesSlides/notesSlide37.xml><?xml version="1.0" encoding="utf-8"?>
+<p:notes xmlns:a="http://schemas.openxmlformats.org/drawingml/2006/main" xmlns:r="http://schemas.openxmlformats.org/officeDocument/2006/relationships" xmlns:mc="http://schemas.openxmlformats.org/markup-compatibility/2006" xmlns:mv="urn:schemas-microsoft-com:mac:vml" xmlns:p="http://schemas.openxmlformats.org/presentationml/2006/main" xmlns:c="http://schemas.openxmlformats.org/drawingml/2006/chart" xmlns:dgm="http://schemas.openxmlformats.org/drawingml/2006/diagram" xmlns:o="urn:schemas-microsoft-com:office:office" xmlns:v="urn:schemas-microsoft-com:vml" xmlns:pvml="urn:schemas-microsoft-com:office:powerpoint" xmlns:com="http://schemas.openxmlformats.org/drawingml/2006/compatibility" xmlns:p14="http://schemas.microsoft.com/office/powerpoint/2010/main" xmlns:p15="http://schemas.microsoft.com/office/powerpoint/2012/main" xmlns:ahyp="http://schemas.microsoft.com/office/drawing/2018/hyperlinkcolor" showMasterPhAnim="0" showMasterSp="0">
+  <p:cSld>
+    <p:spTree>
+      <p:nvGrpSpPr>
+        <p:cNvPr id="359" name="Shape 359"/>
+        <p:cNvGrpSpPr/>
+        <p:nvPr/>
+      </p:nvGrpSpPr>
+      <p:grpSpPr>
+        <a:xfrm>
+          <a:off x="0" y="0"/>
+          <a:ext cx="0" cy="0"/>
+          <a:chOff x="0" y="0"/>
+          <a:chExt cx="0" cy="0"/>
+        </a:xfrm>
+      </p:grpSpPr>
+      <p:sp>
+        <p:nvSpPr>
+          <p:cNvPr id="360" name="Google Shape;360;ge81ccddd1b_0_215:notes"/>
+          <p:cNvSpPr/>
+          <p:nvPr>
+            <p:ph idx="2" type="sldImg"/>
+          </p:nvPr>
+        </p:nvSpPr>
+        <p:spPr>
+          <a:xfrm>
+            <a:off x="381300" y="685800"/>
+            <a:ext cx="6096000" cy="3429000"/>
+          </a:xfrm>
+          <a:custGeom>
+            <a:rect b="b" l="l" r="r" t="t"/>
+            <a:pathLst>
+              <a:path extrusionOk="0" h="120000" w="120000">
+                <a:moveTo>
+                  <a:pt x="0" y="0"/>
+                </a:moveTo>
+                <a:lnTo>
+                  <a:pt x="120000" y="0"/>
+                </a:lnTo>
+                <a:lnTo>
+                  <a:pt x="120000" y="120000"/>
+                </a:lnTo>
+                <a:lnTo>
+                  <a:pt x="0" y="120000"/>
+                </a:lnTo>
+                <a:close/>
+              </a:path>
+            </a:pathLst>
+          </a:custGeom>
+        </p:spPr>
+      </p:sp>
+      <p:sp>
+        <p:nvSpPr>
+          <p:cNvPr id="361" name="Google Shape;361;ge81ccddd1b_0_215:notes"/>
+          <p:cNvSpPr txBox="1"/>
+          <p:nvPr>
+            <p:ph idx="1" type="body"/>
+          </p:nvPr>
+        </p:nvSpPr>
+        <p:spPr>
+          <a:xfrm>
+            <a:off x="685800" y="4343400"/>
+            <a:ext cx="5486400" cy="4114800"/>
+          </a:xfrm>
+          <a:prstGeom prst="rect">
+            <a:avLst/>
+          </a:prstGeom>
+        </p:spPr>
+        <p:txBody>
+          <a:bodyPr anchorCtr="0" anchor="t" bIns="91425" lIns="91425" spcFirstLastPara="1" rIns="91425" wrap="square" tIns="91425">
+            <a:noAutofit/>
+          </a:bodyPr>
+          <a:lstStyle/>
+          <a:p>
+            <a:pPr indent="0" lvl="0" marL="0" rtl="0" algn="l">
+              <a:spcBef>
+                <a:spcPts val="0"/>
+              </a:spcBef>
+              <a:spcAft>
+                <a:spcPts val="0"/>
+              </a:spcAft>
+              <a:buNone/>
+            </a:pPr>
+            <a:r>
+              <a:t/>
+            </a:r>
+            <a:endParaRPr/>
+          </a:p>
+        </p:txBody>
+      </p:sp>
+    </p:spTree>
+  </p:cSld>
+  <p:clrMapOvr>
+    <a:masterClrMapping/>
+  </p:clrMapOvr>
+</p:notes>
+</file>
+
 <file path=ppt/notesSlides/notesSlide4.xml><?xml version="1.0" encoding="utf-8"?>
 <p:notes xmlns:a="http://schemas.openxmlformats.org/drawingml/2006/main" xmlns:r="http://schemas.openxmlformats.org/officeDocument/2006/relationships" xmlns:mc="http://schemas.openxmlformats.org/markup-compatibility/2006" xmlns:mv="urn:schemas-microsoft-com:mac:vml" xmlns:p="http://schemas.openxmlformats.org/presentationml/2006/main" xmlns:c="http://schemas.openxmlformats.org/drawingml/2006/chart" xmlns:dgm="http://schemas.openxmlformats.org/drawingml/2006/diagram" xmlns:o="urn:schemas-microsoft-com:office:office" xmlns:v="urn:schemas-microsoft-com:vml" xmlns:pvml="urn:schemas-microsoft-com:office:powerpoint" xmlns:com="http://schemas.openxmlformats.org/drawingml/2006/compatibility" xmlns:p14="http://schemas.microsoft.com/office/powerpoint/2010/main" xmlns:p15="http://schemas.microsoft.com/office/powerpoint/2012/main" xmlns:ahyp="http://schemas.microsoft.com/office/drawing/2018/hyperlinkcolor" showMasterPhAnim="0" showMasterSp="0">
   <p:cSld>
@@ -1350,6 +4152,204 @@
       <p:sp>
         <p:nvSpPr>
           <p:cNvPr id="163" name="Google Shape;163;ge953af76dd_0_141:notes"/>
+          <p:cNvSpPr txBox="1"/>
+          <p:nvPr>
+            <p:ph idx="1" type="body"/>
+          </p:nvPr>
+        </p:nvSpPr>
+        <p:spPr>
+          <a:xfrm>
+            <a:off x="685800" y="4343400"/>
+            <a:ext cx="5486400" cy="4114800"/>
+          </a:xfrm>
+          <a:prstGeom prst="rect">
+            <a:avLst/>
+          </a:prstGeom>
+        </p:spPr>
+        <p:txBody>
+          <a:bodyPr anchorCtr="0" anchor="t" bIns="91425" lIns="91425" spcFirstLastPara="1" rIns="91425" wrap="square" tIns="91425">
+            <a:noAutofit/>
+          </a:bodyPr>
+          <a:lstStyle/>
+          <a:p>
+            <a:pPr indent="0" lvl="0" marL="0" rtl="0" algn="l">
+              <a:spcBef>
+                <a:spcPts val="0"/>
+              </a:spcBef>
+              <a:spcAft>
+                <a:spcPts val="0"/>
+              </a:spcAft>
+              <a:buNone/>
+            </a:pPr>
+            <a:r>
+              <a:t/>
+            </a:r>
+            <a:endParaRPr/>
+          </a:p>
+        </p:txBody>
+      </p:sp>
+    </p:spTree>
+  </p:cSld>
+  <p:clrMapOvr>
+    <a:masterClrMapping/>
+  </p:clrMapOvr>
+</p:notes>
+</file>
+
+<file path=ppt/notesSlides/notesSlide8.xml><?xml version="1.0" encoding="utf-8"?>
+<p:notes xmlns:a="http://schemas.openxmlformats.org/drawingml/2006/main" xmlns:r="http://schemas.openxmlformats.org/officeDocument/2006/relationships" xmlns:mc="http://schemas.openxmlformats.org/markup-compatibility/2006" xmlns:mv="urn:schemas-microsoft-com:mac:vml" xmlns:p="http://schemas.openxmlformats.org/presentationml/2006/main" xmlns:c="http://schemas.openxmlformats.org/drawingml/2006/chart" xmlns:dgm="http://schemas.openxmlformats.org/drawingml/2006/diagram" xmlns:o="urn:schemas-microsoft-com:office:office" xmlns:v="urn:schemas-microsoft-com:vml" xmlns:pvml="urn:schemas-microsoft-com:office:powerpoint" xmlns:com="http://schemas.openxmlformats.org/drawingml/2006/compatibility" xmlns:p14="http://schemas.microsoft.com/office/powerpoint/2010/main" xmlns:p15="http://schemas.microsoft.com/office/powerpoint/2012/main" xmlns:ahyp="http://schemas.microsoft.com/office/drawing/2018/hyperlinkcolor" showMasterPhAnim="0" showMasterSp="0">
+  <p:cSld>
+    <p:spTree>
+      <p:nvGrpSpPr>
+        <p:cNvPr id="172" name="Shape 172"/>
+        <p:cNvGrpSpPr/>
+        <p:nvPr/>
+      </p:nvGrpSpPr>
+      <p:grpSpPr>
+        <a:xfrm>
+          <a:off x="0" y="0"/>
+          <a:ext cx="0" cy="0"/>
+          <a:chOff x="0" y="0"/>
+          <a:chExt cx="0" cy="0"/>
+        </a:xfrm>
+      </p:grpSpPr>
+      <p:sp>
+        <p:nvSpPr>
+          <p:cNvPr id="173" name="Google Shape;173;ge81ccddd1b_0_4:notes"/>
+          <p:cNvSpPr/>
+          <p:nvPr>
+            <p:ph idx="2" type="sldImg"/>
+          </p:nvPr>
+        </p:nvSpPr>
+        <p:spPr>
+          <a:xfrm>
+            <a:off x="381300" y="685800"/>
+            <a:ext cx="6096000" cy="3429000"/>
+          </a:xfrm>
+          <a:custGeom>
+            <a:rect b="b" l="l" r="r" t="t"/>
+            <a:pathLst>
+              <a:path extrusionOk="0" h="120000" w="120000">
+                <a:moveTo>
+                  <a:pt x="0" y="0"/>
+                </a:moveTo>
+                <a:lnTo>
+                  <a:pt x="120000" y="0"/>
+                </a:lnTo>
+                <a:lnTo>
+                  <a:pt x="120000" y="120000"/>
+                </a:lnTo>
+                <a:lnTo>
+                  <a:pt x="0" y="120000"/>
+                </a:lnTo>
+                <a:close/>
+              </a:path>
+            </a:pathLst>
+          </a:custGeom>
+        </p:spPr>
+      </p:sp>
+      <p:sp>
+        <p:nvSpPr>
+          <p:cNvPr id="174" name="Google Shape;174;ge81ccddd1b_0_4:notes"/>
+          <p:cNvSpPr txBox="1"/>
+          <p:nvPr>
+            <p:ph idx="1" type="body"/>
+          </p:nvPr>
+        </p:nvSpPr>
+        <p:spPr>
+          <a:xfrm>
+            <a:off x="685800" y="4343400"/>
+            <a:ext cx="5486400" cy="4114800"/>
+          </a:xfrm>
+          <a:prstGeom prst="rect">
+            <a:avLst/>
+          </a:prstGeom>
+        </p:spPr>
+        <p:txBody>
+          <a:bodyPr anchorCtr="0" anchor="t" bIns="91425" lIns="91425" spcFirstLastPara="1" rIns="91425" wrap="square" tIns="91425">
+            <a:noAutofit/>
+          </a:bodyPr>
+          <a:lstStyle/>
+          <a:p>
+            <a:pPr indent="0" lvl="0" marL="0" rtl="0" algn="l">
+              <a:spcBef>
+                <a:spcPts val="0"/>
+              </a:spcBef>
+              <a:spcAft>
+                <a:spcPts val="0"/>
+              </a:spcAft>
+              <a:buNone/>
+            </a:pPr>
+            <a:r>
+              <a:t/>
+            </a:r>
+            <a:endParaRPr/>
+          </a:p>
+        </p:txBody>
+      </p:sp>
+    </p:spTree>
+  </p:cSld>
+  <p:clrMapOvr>
+    <a:masterClrMapping/>
+  </p:clrMapOvr>
+</p:notes>
+</file>
+
+<file path=ppt/notesSlides/notesSlide9.xml><?xml version="1.0" encoding="utf-8"?>
+<p:notes xmlns:a="http://schemas.openxmlformats.org/drawingml/2006/main" xmlns:r="http://schemas.openxmlformats.org/officeDocument/2006/relationships" xmlns:mc="http://schemas.openxmlformats.org/markup-compatibility/2006" xmlns:mv="urn:schemas-microsoft-com:mac:vml" xmlns:p="http://schemas.openxmlformats.org/presentationml/2006/main" xmlns:c="http://schemas.openxmlformats.org/drawingml/2006/chart" xmlns:dgm="http://schemas.openxmlformats.org/drawingml/2006/diagram" xmlns:o="urn:schemas-microsoft-com:office:office" xmlns:v="urn:schemas-microsoft-com:vml" xmlns:pvml="urn:schemas-microsoft-com:office:powerpoint" xmlns:com="http://schemas.openxmlformats.org/drawingml/2006/compatibility" xmlns:p14="http://schemas.microsoft.com/office/powerpoint/2010/main" xmlns:p15="http://schemas.microsoft.com/office/powerpoint/2012/main" xmlns:ahyp="http://schemas.microsoft.com/office/drawing/2018/hyperlinkcolor" showMasterPhAnim="0" showMasterSp="0">
+  <p:cSld>
+    <p:spTree>
+      <p:nvGrpSpPr>
+        <p:cNvPr id="177" name="Shape 177"/>
+        <p:cNvGrpSpPr/>
+        <p:nvPr/>
+      </p:nvGrpSpPr>
+      <p:grpSpPr>
+        <a:xfrm>
+          <a:off x="0" y="0"/>
+          <a:ext cx="0" cy="0"/>
+          <a:chOff x="0" y="0"/>
+          <a:chExt cx="0" cy="0"/>
+        </a:xfrm>
+      </p:grpSpPr>
+      <p:sp>
+        <p:nvSpPr>
+          <p:cNvPr id="178" name="Google Shape;178;ge81ccddd1b_0_0:notes"/>
+          <p:cNvSpPr/>
+          <p:nvPr>
+            <p:ph idx="2" type="sldImg"/>
+          </p:nvPr>
+        </p:nvSpPr>
+        <p:spPr>
+          <a:xfrm>
+            <a:off x="381300" y="685800"/>
+            <a:ext cx="6096000" cy="3429000"/>
+          </a:xfrm>
+          <a:custGeom>
+            <a:rect b="b" l="l" r="r" t="t"/>
+            <a:pathLst>
+              <a:path extrusionOk="0" h="120000" w="120000">
+                <a:moveTo>
+                  <a:pt x="0" y="0"/>
+                </a:moveTo>
+                <a:lnTo>
+                  <a:pt x="120000" y="0"/>
+                </a:lnTo>
+                <a:lnTo>
+                  <a:pt x="120000" y="120000"/>
+                </a:lnTo>
+                <a:lnTo>
+                  <a:pt x="0" y="120000"/>
+                </a:lnTo>
+                <a:close/>
+              </a:path>
+            </a:pathLst>
+          </a:custGeom>
+        </p:spPr>
+      </p:sp>
+      <p:sp>
+        <p:nvSpPr>
+          <p:cNvPr id="179" name="Google Shape;179;ge81ccddd1b_0_0:notes"/>
           <p:cNvSpPr txBox="1"/>
           <p:nvPr>
             <p:ph idx="1" type="body"/>
@@ -9570,6 +12570,1484 @@
 </p:sld>
 </file>
 
+<file path=ppt/slides/slide10.xml><?xml version="1.0" encoding="utf-8"?>
+<p:sld xmlns:a="http://schemas.openxmlformats.org/drawingml/2006/main" xmlns:r="http://schemas.openxmlformats.org/officeDocument/2006/relationships" xmlns:mc="http://schemas.openxmlformats.org/markup-compatibility/2006" xmlns:mv="urn:schemas-microsoft-com:mac:vml" xmlns:p="http://schemas.openxmlformats.org/presentationml/2006/main" xmlns:c="http://schemas.openxmlformats.org/drawingml/2006/chart" xmlns:dgm="http://schemas.openxmlformats.org/drawingml/2006/diagram" xmlns:o="urn:schemas-microsoft-com:office:office" xmlns:v="urn:schemas-microsoft-com:vml" xmlns:pvml="urn:schemas-microsoft-com:office:powerpoint" xmlns:com="http://schemas.openxmlformats.org/drawingml/2006/compatibility" xmlns:p14="http://schemas.microsoft.com/office/powerpoint/2010/main" xmlns:p15="http://schemas.microsoft.com/office/powerpoint/2012/main" xmlns:ahyp="http://schemas.microsoft.com/office/drawing/2018/hyperlinkcolor">
+  <p:cSld>
+    <p:spTree>
+      <p:nvGrpSpPr>
+        <p:cNvPr id="187" name="Shape 187"/>
+        <p:cNvGrpSpPr/>
+        <p:nvPr/>
+      </p:nvGrpSpPr>
+      <p:grpSpPr>
+        <a:xfrm>
+          <a:off x="0" y="0"/>
+          <a:ext cx="0" cy="0"/>
+          <a:chOff x="0" y="0"/>
+          <a:chExt cx="0" cy="0"/>
+        </a:xfrm>
+      </p:grpSpPr>
+      <p:sp>
+        <p:nvSpPr>
+          <p:cNvPr id="188" name="Google Shape;188;p22"/>
+          <p:cNvSpPr txBox="1"/>
+          <p:nvPr>
+            <p:ph type="title"/>
+          </p:nvPr>
+        </p:nvSpPr>
+        <p:spPr>
+          <a:xfrm>
+            <a:off x="472700" y="502750"/>
+            <a:ext cx="3979800" cy="1109400"/>
+          </a:xfrm>
+          <a:prstGeom prst="rect">
+            <a:avLst/>
+          </a:prstGeom>
+        </p:spPr>
+        <p:txBody>
+          <a:bodyPr anchorCtr="0" anchor="ctr" bIns="91425" lIns="91425" spcFirstLastPara="1" rIns="91425" wrap="square" tIns="91425">
+            <a:normAutofit fontScale="90000"/>
+          </a:bodyPr>
+          <a:lstStyle/>
+          <a:p>
+            <a:pPr indent="0" lvl="0" marL="0" rtl="0" algn="ctr">
+              <a:spcBef>
+                <a:spcPts val="0"/>
+              </a:spcBef>
+              <a:spcAft>
+                <a:spcPts val="0"/>
+              </a:spcAft>
+              <a:buNone/>
+            </a:pPr>
+            <a:r>
+              <a:rPr lang="en"/>
+              <a:t>Histogram of Distance From Home</a:t>
+            </a:r>
+            <a:endParaRPr/>
+          </a:p>
+        </p:txBody>
+      </p:sp>
+      <p:sp>
+        <p:nvSpPr>
+          <p:cNvPr id="189" name="Google Shape;189;p22"/>
+          <p:cNvSpPr txBox="1"/>
+          <p:nvPr/>
+        </p:nvSpPr>
+        <p:spPr>
+          <a:xfrm>
+            <a:off x="4882500" y="2156100"/>
+            <a:ext cx="3731100" cy="1477500"/>
+          </a:xfrm>
+          <a:prstGeom prst="rect">
+            <a:avLst/>
+          </a:prstGeom>
+          <a:noFill/>
+          <a:ln>
+            <a:noFill/>
+          </a:ln>
+        </p:spPr>
+        <p:txBody>
+          <a:bodyPr anchorCtr="0" anchor="t" bIns="91425" lIns="91425" spcFirstLastPara="1" rIns="91425" wrap="square" tIns="91425">
+            <a:spAutoFit/>
+          </a:bodyPr>
+          <a:lstStyle/>
+          <a:p>
+            <a:pPr indent="0" lvl="0" marL="0" rtl="0" algn="l">
+              <a:spcBef>
+                <a:spcPts val="0"/>
+              </a:spcBef>
+              <a:spcAft>
+                <a:spcPts val="0"/>
+              </a:spcAft>
+              <a:buNone/>
+            </a:pPr>
+            <a:r>
+              <a:rPr lang="en">
+                <a:latin typeface="Calibri"/>
+                <a:ea typeface="Calibri"/>
+                <a:cs typeface="Calibri"/>
+                <a:sym typeface="Calibri"/>
+              </a:rPr>
+              <a:t>- Left-skewed distribution</a:t>
+            </a:r>
+            <a:endParaRPr>
+              <a:latin typeface="Calibri"/>
+              <a:ea typeface="Calibri"/>
+              <a:cs typeface="Calibri"/>
+              <a:sym typeface="Calibri"/>
+            </a:endParaRPr>
+          </a:p>
+          <a:p>
+            <a:pPr indent="0" lvl="0" marL="0" rtl="0" algn="l">
+              <a:spcBef>
+                <a:spcPts val="0"/>
+              </a:spcBef>
+              <a:spcAft>
+                <a:spcPts val="0"/>
+              </a:spcAft>
+              <a:buNone/>
+            </a:pPr>
+            <a:r>
+              <a:rPr lang="en">
+                <a:latin typeface="Calibri"/>
+                <a:ea typeface="Calibri"/>
+                <a:cs typeface="Calibri"/>
+                <a:sym typeface="Calibri"/>
+              </a:rPr>
+              <a:t>- The IBM office for most employees is relatively close to their homes, less than ~3 miles</a:t>
+            </a:r>
+            <a:endParaRPr>
+              <a:latin typeface="Calibri"/>
+              <a:ea typeface="Calibri"/>
+              <a:cs typeface="Calibri"/>
+              <a:sym typeface="Calibri"/>
+            </a:endParaRPr>
+          </a:p>
+          <a:p>
+            <a:pPr indent="0" lvl="0" marL="0" rtl="0" algn="l">
+              <a:spcBef>
+                <a:spcPts val="0"/>
+              </a:spcBef>
+              <a:spcAft>
+                <a:spcPts val="0"/>
+              </a:spcAft>
+              <a:buNone/>
+            </a:pPr>
+            <a:r>
+              <a:rPr lang="en">
+                <a:latin typeface="Calibri"/>
+                <a:ea typeface="Calibri"/>
+                <a:cs typeface="Calibri"/>
+                <a:sym typeface="Calibri"/>
+              </a:rPr>
+              <a:t>- With any </a:t>
+            </a:r>
+            <a:r>
+              <a:rPr lang="en">
+                <a:latin typeface="Calibri"/>
+                <a:ea typeface="Calibri"/>
+                <a:cs typeface="Calibri"/>
+                <a:sym typeface="Calibri"/>
+              </a:rPr>
+              <a:t>company</a:t>
+            </a:r>
+            <a:r>
+              <a:rPr lang="en">
+                <a:latin typeface="Calibri"/>
+                <a:ea typeface="Calibri"/>
+                <a:cs typeface="Calibri"/>
+                <a:sym typeface="Calibri"/>
+              </a:rPr>
+              <a:t>,  it is standard for employees to have different commuting distances given the office location</a:t>
+            </a:r>
+            <a:endParaRPr>
+              <a:latin typeface="Calibri"/>
+              <a:ea typeface="Calibri"/>
+              <a:cs typeface="Calibri"/>
+              <a:sym typeface="Calibri"/>
+            </a:endParaRPr>
+          </a:p>
+        </p:txBody>
+      </p:sp>
+      <p:pic>
+        <p:nvPicPr>
+          <p:cNvPr id="190" name="Google Shape;190;p22"/>
+          <p:cNvPicPr preferRelativeResize="0"/>
+          <p:nvPr/>
+        </p:nvPicPr>
+        <p:blipFill>
+          <a:blip r:embed="rId3">
+            <a:alphaModFix/>
+          </a:blip>
+          <a:stretch>
+            <a:fillRect/>
+          </a:stretch>
+        </p:blipFill>
+        <p:spPr>
+          <a:xfrm>
+            <a:off x="334500" y="1581425"/>
+            <a:ext cx="4480274" cy="2748325"/>
+          </a:xfrm>
+          <a:prstGeom prst="rect">
+            <a:avLst/>
+          </a:prstGeom>
+          <a:noFill/>
+          <a:ln>
+            <a:noFill/>
+          </a:ln>
+        </p:spPr>
+      </p:pic>
+    </p:spTree>
+  </p:cSld>
+  <p:clrMapOvr>
+    <a:masterClrMapping/>
+  </p:clrMapOvr>
+</p:sld>
+</file>
+
+<file path=ppt/slides/slide11.xml><?xml version="1.0" encoding="utf-8"?>
+<p:sld xmlns:a="http://schemas.openxmlformats.org/drawingml/2006/main" xmlns:r="http://schemas.openxmlformats.org/officeDocument/2006/relationships" xmlns:mc="http://schemas.openxmlformats.org/markup-compatibility/2006" xmlns:mv="urn:schemas-microsoft-com:mac:vml" xmlns:p="http://schemas.openxmlformats.org/presentationml/2006/main" xmlns:c="http://schemas.openxmlformats.org/drawingml/2006/chart" xmlns:dgm="http://schemas.openxmlformats.org/drawingml/2006/diagram" xmlns:o="urn:schemas-microsoft-com:office:office" xmlns:v="urn:schemas-microsoft-com:vml" xmlns:pvml="urn:schemas-microsoft-com:office:powerpoint" xmlns:com="http://schemas.openxmlformats.org/drawingml/2006/compatibility" xmlns:p14="http://schemas.microsoft.com/office/powerpoint/2010/main" xmlns:p15="http://schemas.microsoft.com/office/powerpoint/2012/main" xmlns:ahyp="http://schemas.microsoft.com/office/drawing/2018/hyperlinkcolor">
+  <p:cSld>
+    <p:spTree>
+      <p:nvGrpSpPr>
+        <p:cNvPr id="194" name="Shape 194"/>
+        <p:cNvGrpSpPr/>
+        <p:nvPr/>
+      </p:nvGrpSpPr>
+      <p:grpSpPr>
+        <a:xfrm>
+          <a:off x="0" y="0"/>
+          <a:ext cx="0" cy="0"/>
+          <a:chOff x="0" y="0"/>
+          <a:chExt cx="0" cy="0"/>
+        </a:xfrm>
+      </p:grpSpPr>
+      <p:sp>
+        <p:nvSpPr>
+          <p:cNvPr id="195" name="Google Shape;195;p23"/>
+          <p:cNvSpPr txBox="1"/>
+          <p:nvPr>
+            <p:ph type="title"/>
+          </p:nvPr>
+        </p:nvSpPr>
+        <p:spPr>
+          <a:xfrm>
+            <a:off x="472700" y="502750"/>
+            <a:ext cx="3979800" cy="1109400"/>
+          </a:xfrm>
+          <a:prstGeom prst="rect">
+            <a:avLst/>
+          </a:prstGeom>
+        </p:spPr>
+        <p:txBody>
+          <a:bodyPr anchorCtr="0" anchor="ctr" bIns="91425" lIns="91425" spcFirstLastPara="1" rIns="91425" wrap="square" tIns="91425">
+            <a:normAutofit fontScale="90000"/>
+          </a:bodyPr>
+          <a:lstStyle/>
+          <a:p>
+            <a:pPr indent="0" lvl="0" marL="0" rtl="0" algn="ctr">
+              <a:spcBef>
+                <a:spcPts val="0"/>
+              </a:spcBef>
+              <a:spcAft>
+                <a:spcPts val="0"/>
+              </a:spcAft>
+              <a:buNone/>
+            </a:pPr>
+            <a:r>
+              <a:rPr lang="en"/>
+              <a:t>Histogram of Job Satisfaction</a:t>
+            </a:r>
+            <a:endParaRPr/>
+          </a:p>
+        </p:txBody>
+      </p:sp>
+      <p:sp>
+        <p:nvSpPr>
+          <p:cNvPr id="196" name="Google Shape;196;p23"/>
+          <p:cNvSpPr txBox="1"/>
+          <p:nvPr/>
+        </p:nvSpPr>
+        <p:spPr>
+          <a:xfrm>
+            <a:off x="4943925" y="2156100"/>
+            <a:ext cx="3731100" cy="1046700"/>
+          </a:xfrm>
+          <a:prstGeom prst="rect">
+            <a:avLst/>
+          </a:prstGeom>
+          <a:noFill/>
+          <a:ln>
+            <a:noFill/>
+          </a:ln>
+        </p:spPr>
+        <p:txBody>
+          <a:bodyPr anchorCtr="0" anchor="t" bIns="91425" lIns="91425" spcFirstLastPara="1" rIns="91425" wrap="square" tIns="91425">
+            <a:spAutoFit/>
+          </a:bodyPr>
+          <a:lstStyle/>
+          <a:p>
+            <a:pPr indent="0" lvl="0" marL="0" rtl="0" algn="l">
+              <a:spcBef>
+                <a:spcPts val="0"/>
+              </a:spcBef>
+              <a:spcAft>
+                <a:spcPts val="0"/>
+              </a:spcAft>
+              <a:buNone/>
+            </a:pPr>
+            <a:r>
+              <a:rPr lang="en">
+                <a:latin typeface="Calibri"/>
+                <a:ea typeface="Calibri"/>
+                <a:cs typeface="Calibri"/>
+                <a:sym typeface="Calibri"/>
+              </a:rPr>
+              <a:t>- Most people are relatively </a:t>
+            </a:r>
+            <a:r>
+              <a:rPr lang="en">
+                <a:latin typeface="Calibri"/>
+                <a:ea typeface="Calibri"/>
+                <a:cs typeface="Calibri"/>
+                <a:sym typeface="Calibri"/>
+              </a:rPr>
+              <a:t>satisfied</a:t>
+            </a:r>
+            <a:r>
+              <a:rPr lang="en">
+                <a:latin typeface="Calibri"/>
+                <a:ea typeface="Calibri"/>
+                <a:cs typeface="Calibri"/>
+                <a:sym typeface="Calibri"/>
+              </a:rPr>
+              <a:t> with their jobs</a:t>
+            </a:r>
+            <a:endParaRPr>
+              <a:latin typeface="Calibri"/>
+              <a:ea typeface="Calibri"/>
+              <a:cs typeface="Calibri"/>
+              <a:sym typeface="Calibri"/>
+            </a:endParaRPr>
+          </a:p>
+          <a:p>
+            <a:pPr indent="0" lvl="0" marL="0" rtl="0" algn="l">
+              <a:spcBef>
+                <a:spcPts val="0"/>
+              </a:spcBef>
+              <a:spcAft>
+                <a:spcPts val="0"/>
+              </a:spcAft>
+              <a:buNone/>
+            </a:pPr>
+            <a:r>
+              <a:rPr lang="en">
+                <a:latin typeface="Calibri"/>
+                <a:ea typeface="Calibri"/>
+                <a:cs typeface="Calibri"/>
+                <a:sym typeface="Calibri"/>
+              </a:rPr>
+              <a:t>- Difficult to detect an outlier among only 4 possible values </a:t>
+            </a:r>
+            <a:endParaRPr>
+              <a:latin typeface="Calibri"/>
+              <a:ea typeface="Calibri"/>
+              <a:cs typeface="Calibri"/>
+              <a:sym typeface="Calibri"/>
+            </a:endParaRPr>
+          </a:p>
+        </p:txBody>
+      </p:sp>
+      <p:pic>
+        <p:nvPicPr>
+          <p:cNvPr id="197" name="Google Shape;197;p23"/>
+          <p:cNvPicPr preferRelativeResize="0"/>
+          <p:nvPr/>
+        </p:nvPicPr>
+        <p:blipFill>
+          <a:blip r:embed="rId3">
+            <a:alphaModFix/>
+          </a:blip>
+          <a:stretch>
+            <a:fillRect/>
+          </a:stretch>
+        </p:blipFill>
+        <p:spPr>
+          <a:xfrm>
+            <a:off x="472700" y="1779900"/>
+            <a:ext cx="4409800" cy="2444574"/>
+          </a:xfrm>
+          <a:prstGeom prst="rect">
+            <a:avLst/>
+          </a:prstGeom>
+          <a:noFill/>
+          <a:ln>
+            <a:noFill/>
+          </a:ln>
+        </p:spPr>
+      </p:pic>
+    </p:spTree>
+  </p:cSld>
+  <p:clrMapOvr>
+    <a:masterClrMapping/>
+  </p:clrMapOvr>
+</p:sld>
+</file>
+
+<file path=ppt/slides/slide12.xml><?xml version="1.0" encoding="utf-8"?>
+<p:sld xmlns:a="http://schemas.openxmlformats.org/drawingml/2006/main" xmlns:r="http://schemas.openxmlformats.org/officeDocument/2006/relationships" xmlns:mc="http://schemas.openxmlformats.org/markup-compatibility/2006" xmlns:mv="urn:schemas-microsoft-com:mac:vml" xmlns:p="http://schemas.openxmlformats.org/presentationml/2006/main" xmlns:c="http://schemas.openxmlformats.org/drawingml/2006/chart" xmlns:dgm="http://schemas.openxmlformats.org/drawingml/2006/diagram" xmlns:o="urn:schemas-microsoft-com:office:office" xmlns:v="urn:schemas-microsoft-com:vml" xmlns:pvml="urn:schemas-microsoft-com:office:powerpoint" xmlns:com="http://schemas.openxmlformats.org/drawingml/2006/compatibility" xmlns:p14="http://schemas.microsoft.com/office/powerpoint/2010/main" xmlns:p15="http://schemas.microsoft.com/office/powerpoint/2012/main" xmlns:ahyp="http://schemas.microsoft.com/office/drawing/2018/hyperlinkcolor">
+  <p:cSld>
+    <p:spTree>
+      <p:nvGrpSpPr>
+        <p:cNvPr id="201" name="Shape 201"/>
+        <p:cNvGrpSpPr/>
+        <p:nvPr/>
+      </p:nvGrpSpPr>
+      <p:grpSpPr>
+        <a:xfrm>
+          <a:off x="0" y="0"/>
+          <a:ext cx="0" cy="0"/>
+          <a:chOff x="0" y="0"/>
+          <a:chExt cx="0" cy="0"/>
+        </a:xfrm>
+      </p:grpSpPr>
+      <p:sp>
+        <p:nvSpPr>
+          <p:cNvPr id="202" name="Google Shape;202;p24"/>
+          <p:cNvSpPr txBox="1"/>
+          <p:nvPr>
+            <p:ph type="title"/>
+          </p:nvPr>
+        </p:nvSpPr>
+        <p:spPr>
+          <a:xfrm>
+            <a:off x="472700" y="502750"/>
+            <a:ext cx="3979800" cy="1109400"/>
+          </a:xfrm>
+          <a:prstGeom prst="rect">
+            <a:avLst/>
+          </a:prstGeom>
+        </p:spPr>
+        <p:txBody>
+          <a:bodyPr anchorCtr="0" anchor="ctr" bIns="91425" lIns="91425" spcFirstLastPara="1" rIns="91425" wrap="square" tIns="91425">
+            <a:normAutofit fontScale="90000"/>
+          </a:bodyPr>
+          <a:lstStyle/>
+          <a:p>
+            <a:pPr indent="0" lvl="0" marL="0" rtl="0" algn="ctr">
+              <a:spcBef>
+                <a:spcPts val="0"/>
+              </a:spcBef>
+              <a:spcAft>
+                <a:spcPts val="0"/>
+              </a:spcAft>
+              <a:buNone/>
+            </a:pPr>
+            <a:r>
+              <a:rPr lang="en"/>
+              <a:t>Histogram of Monthly Income</a:t>
+            </a:r>
+            <a:endParaRPr/>
+          </a:p>
+        </p:txBody>
+      </p:sp>
+      <p:sp>
+        <p:nvSpPr>
+          <p:cNvPr id="203" name="Google Shape;203;p24"/>
+          <p:cNvSpPr txBox="1"/>
+          <p:nvPr/>
+        </p:nvSpPr>
+        <p:spPr>
+          <a:xfrm>
+            <a:off x="4867150" y="1334975"/>
+            <a:ext cx="3731100" cy="3417000"/>
+          </a:xfrm>
+          <a:prstGeom prst="rect">
+            <a:avLst/>
+          </a:prstGeom>
+          <a:noFill/>
+          <a:ln>
+            <a:noFill/>
+          </a:ln>
+        </p:spPr>
+        <p:txBody>
+          <a:bodyPr anchorCtr="0" anchor="t" bIns="91425" lIns="91425" spcFirstLastPara="1" rIns="91425" wrap="square" tIns="91425">
+            <a:spAutoFit/>
+          </a:bodyPr>
+          <a:lstStyle/>
+          <a:p>
+            <a:pPr indent="0" lvl="0" marL="0" rtl="0" algn="l">
+              <a:spcBef>
+                <a:spcPts val="0"/>
+              </a:spcBef>
+              <a:spcAft>
+                <a:spcPts val="0"/>
+              </a:spcAft>
+              <a:buNone/>
+            </a:pPr>
+            <a:r>
+              <a:rPr lang="en">
+                <a:latin typeface="Calibri"/>
+                <a:ea typeface="Calibri"/>
+                <a:cs typeface="Calibri"/>
+                <a:sym typeface="Calibri"/>
+              </a:rPr>
+              <a:t>From the distributions of monthly income and yearly income, it is </a:t>
+            </a:r>
+            <a:r>
+              <a:rPr lang="en">
+                <a:latin typeface="Calibri"/>
+                <a:ea typeface="Calibri"/>
+                <a:cs typeface="Calibri"/>
+                <a:sym typeface="Calibri"/>
+              </a:rPr>
+              <a:t>apparent</a:t>
+            </a:r>
+            <a:r>
+              <a:rPr lang="en">
+                <a:latin typeface="Calibri"/>
+                <a:ea typeface="Calibri"/>
+                <a:cs typeface="Calibri"/>
+                <a:sym typeface="Calibri"/>
+              </a:rPr>
+              <a:t> that there are outlier values for salaries above 100,000 dollars. Depending on your job level and field, this salary range of above $100,000 can be attainable, but I think even with the outliers, salary plays a key role in determining if employees stay at a company. Therefore, I will not remove this subset. </a:t>
+            </a:r>
+            <a:endParaRPr>
+              <a:latin typeface="Calibri"/>
+              <a:ea typeface="Calibri"/>
+              <a:cs typeface="Calibri"/>
+              <a:sym typeface="Calibri"/>
+            </a:endParaRPr>
+          </a:p>
+          <a:p>
+            <a:pPr indent="0" lvl="0" marL="0" rtl="0" algn="l">
+              <a:spcBef>
+                <a:spcPts val="0"/>
+              </a:spcBef>
+              <a:spcAft>
+                <a:spcPts val="0"/>
+              </a:spcAft>
+              <a:buNone/>
+            </a:pPr>
+            <a:r>
+              <a:t/>
+            </a:r>
+            <a:endParaRPr>
+              <a:latin typeface="Calibri"/>
+              <a:ea typeface="Calibri"/>
+              <a:cs typeface="Calibri"/>
+              <a:sym typeface="Calibri"/>
+            </a:endParaRPr>
+          </a:p>
+          <a:p>
+            <a:pPr indent="0" lvl="0" marL="0" rtl="0" algn="l">
+              <a:spcBef>
+                <a:spcPts val="0"/>
+              </a:spcBef>
+              <a:spcAft>
+                <a:spcPts val="0"/>
+              </a:spcAft>
+              <a:buNone/>
+            </a:pPr>
+            <a:r>
+              <a:rPr lang="en">
+                <a:latin typeface="Calibri"/>
+                <a:ea typeface="Calibri"/>
+                <a:cs typeface="Calibri"/>
+                <a:sym typeface="Calibri"/>
+              </a:rPr>
+              <a:t>The distributions for monthly income and yearly income for the entire dataset are the same, which makes sense as yearly income is calculated from the monthly incomes. </a:t>
+            </a:r>
+            <a:endParaRPr>
+              <a:latin typeface="Calibri"/>
+              <a:ea typeface="Calibri"/>
+              <a:cs typeface="Calibri"/>
+              <a:sym typeface="Calibri"/>
+            </a:endParaRPr>
+          </a:p>
+          <a:p>
+            <a:pPr indent="0" lvl="0" marL="0" rtl="0" algn="l">
+              <a:spcBef>
+                <a:spcPts val="0"/>
+              </a:spcBef>
+              <a:spcAft>
+                <a:spcPts val="0"/>
+              </a:spcAft>
+              <a:buNone/>
+            </a:pPr>
+            <a:r>
+              <a:t/>
+            </a:r>
+            <a:endParaRPr>
+              <a:latin typeface="Calibri"/>
+              <a:ea typeface="Calibri"/>
+              <a:cs typeface="Calibri"/>
+              <a:sym typeface="Calibri"/>
+            </a:endParaRPr>
+          </a:p>
+        </p:txBody>
+      </p:sp>
+      <p:pic>
+        <p:nvPicPr>
+          <p:cNvPr id="204" name="Google Shape;204;p24"/>
+          <p:cNvPicPr preferRelativeResize="0"/>
+          <p:nvPr/>
+        </p:nvPicPr>
+        <p:blipFill>
+          <a:blip r:embed="rId3">
+            <a:alphaModFix/>
+          </a:blip>
+          <a:stretch>
+            <a:fillRect/>
+          </a:stretch>
+        </p:blipFill>
+        <p:spPr>
+          <a:xfrm>
+            <a:off x="304800" y="1719625"/>
+            <a:ext cx="4454849" cy="2647700"/>
+          </a:xfrm>
+          <a:prstGeom prst="rect">
+            <a:avLst/>
+          </a:prstGeom>
+          <a:noFill/>
+          <a:ln>
+            <a:noFill/>
+          </a:ln>
+        </p:spPr>
+      </p:pic>
+    </p:spTree>
+  </p:cSld>
+  <p:clrMapOvr>
+    <a:masterClrMapping/>
+  </p:clrMapOvr>
+</p:sld>
+</file>
+
+<file path=ppt/slides/slide13.xml><?xml version="1.0" encoding="utf-8"?>
+<p:sld xmlns:a="http://schemas.openxmlformats.org/drawingml/2006/main" xmlns:r="http://schemas.openxmlformats.org/officeDocument/2006/relationships" xmlns:mc="http://schemas.openxmlformats.org/markup-compatibility/2006" xmlns:mv="urn:schemas-microsoft-com:mac:vml" xmlns:p="http://schemas.openxmlformats.org/presentationml/2006/main" xmlns:c="http://schemas.openxmlformats.org/drawingml/2006/chart" xmlns:dgm="http://schemas.openxmlformats.org/drawingml/2006/diagram" xmlns:o="urn:schemas-microsoft-com:office:office" xmlns:v="urn:schemas-microsoft-com:vml" xmlns:pvml="urn:schemas-microsoft-com:office:powerpoint" xmlns:com="http://schemas.openxmlformats.org/drawingml/2006/compatibility" xmlns:p14="http://schemas.microsoft.com/office/powerpoint/2010/main" xmlns:p15="http://schemas.microsoft.com/office/powerpoint/2012/main" xmlns:ahyp="http://schemas.microsoft.com/office/drawing/2018/hyperlinkcolor">
+  <p:cSld>
+    <p:spTree>
+      <p:nvGrpSpPr>
+        <p:cNvPr id="208" name="Shape 208"/>
+        <p:cNvGrpSpPr/>
+        <p:nvPr/>
+      </p:nvGrpSpPr>
+      <p:grpSpPr>
+        <a:xfrm>
+          <a:off x="0" y="0"/>
+          <a:ext cx="0" cy="0"/>
+          <a:chOff x="0" y="0"/>
+          <a:chExt cx="0" cy="0"/>
+        </a:xfrm>
+      </p:grpSpPr>
+      <p:sp>
+        <p:nvSpPr>
+          <p:cNvPr id="209" name="Google Shape;209;p25"/>
+          <p:cNvSpPr txBox="1"/>
+          <p:nvPr>
+            <p:ph type="title"/>
+          </p:nvPr>
+        </p:nvSpPr>
+        <p:spPr>
+          <a:xfrm>
+            <a:off x="472700" y="502750"/>
+            <a:ext cx="4394400" cy="1109400"/>
+          </a:xfrm>
+          <a:prstGeom prst="rect">
+            <a:avLst/>
+          </a:prstGeom>
+        </p:spPr>
+        <p:txBody>
+          <a:bodyPr anchorCtr="0" anchor="ctr" bIns="91425" lIns="91425" spcFirstLastPara="1" rIns="91425" wrap="square" tIns="91425">
+            <a:normAutofit fontScale="90000"/>
+          </a:bodyPr>
+          <a:lstStyle/>
+          <a:p>
+            <a:pPr indent="0" lvl="0" marL="0" rtl="0" algn="ctr">
+              <a:spcBef>
+                <a:spcPts val="0"/>
+              </a:spcBef>
+              <a:spcAft>
+                <a:spcPts val="0"/>
+              </a:spcAft>
+              <a:buNone/>
+            </a:pPr>
+            <a:r>
+              <a:rPr lang="en"/>
+              <a:t>Histogram of Yearly Income (calculated field)</a:t>
+            </a:r>
+            <a:endParaRPr/>
+          </a:p>
+        </p:txBody>
+      </p:sp>
+      <p:pic>
+        <p:nvPicPr>
+          <p:cNvPr id="210" name="Google Shape;210;p25"/>
+          <p:cNvPicPr preferRelativeResize="0"/>
+          <p:nvPr/>
+        </p:nvPicPr>
+        <p:blipFill>
+          <a:blip r:embed="rId3">
+            <a:alphaModFix/>
+          </a:blip>
+          <a:stretch>
+            <a:fillRect/>
+          </a:stretch>
+        </p:blipFill>
+        <p:spPr>
+          <a:xfrm>
+            <a:off x="1691538" y="1612150"/>
+            <a:ext cx="5760925" cy="3148625"/>
+          </a:xfrm>
+          <a:prstGeom prst="rect">
+            <a:avLst/>
+          </a:prstGeom>
+          <a:noFill/>
+          <a:ln>
+            <a:noFill/>
+          </a:ln>
+        </p:spPr>
+      </p:pic>
+    </p:spTree>
+  </p:cSld>
+  <p:clrMapOvr>
+    <a:masterClrMapping/>
+  </p:clrMapOvr>
+</p:sld>
+</file>
+
+<file path=ppt/slides/slide14.xml><?xml version="1.0" encoding="utf-8"?>
+<p:sld xmlns:a="http://schemas.openxmlformats.org/drawingml/2006/main" xmlns:r="http://schemas.openxmlformats.org/officeDocument/2006/relationships" xmlns:mc="http://schemas.openxmlformats.org/markup-compatibility/2006" xmlns:mv="urn:schemas-microsoft-com:mac:vml" xmlns:p="http://schemas.openxmlformats.org/presentationml/2006/main" xmlns:c="http://schemas.openxmlformats.org/drawingml/2006/chart" xmlns:dgm="http://schemas.openxmlformats.org/drawingml/2006/diagram" xmlns:o="urn:schemas-microsoft-com:office:office" xmlns:v="urn:schemas-microsoft-com:vml" xmlns:pvml="urn:schemas-microsoft-com:office:powerpoint" xmlns:com="http://schemas.openxmlformats.org/drawingml/2006/compatibility" xmlns:p14="http://schemas.microsoft.com/office/powerpoint/2010/main" xmlns:p15="http://schemas.microsoft.com/office/powerpoint/2012/main" xmlns:ahyp="http://schemas.microsoft.com/office/drawing/2018/hyperlinkcolor">
+  <p:cSld>
+    <p:spTree>
+      <p:nvGrpSpPr>
+        <p:cNvPr id="214" name="Shape 214"/>
+        <p:cNvGrpSpPr/>
+        <p:nvPr/>
+      </p:nvGrpSpPr>
+      <p:grpSpPr>
+        <a:xfrm>
+          <a:off x="0" y="0"/>
+          <a:ext cx="0" cy="0"/>
+          <a:chOff x="0" y="0"/>
+          <a:chExt cx="0" cy="0"/>
+        </a:xfrm>
+      </p:grpSpPr>
+      <p:sp>
+        <p:nvSpPr>
+          <p:cNvPr id="215" name="Google Shape;215;p26"/>
+          <p:cNvSpPr txBox="1"/>
+          <p:nvPr>
+            <p:ph type="title"/>
+          </p:nvPr>
+        </p:nvSpPr>
+        <p:spPr>
+          <a:xfrm>
+            <a:off x="472700" y="502750"/>
+            <a:ext cx="4394400" cy="1109400"/>
+          </a:xfrm>
+          <a:prstGeom prst="rect">
+            <a:avLst/>
+          </a:prstGeom>
+        </p:spPr>
+        <p:txBody>
+          <a:bodyPr anchorCtr="0" anchor="ctr" bIns="91425" lIns="91425" spcFirstLastPara="1" rIns="91425" wrap="square" tIns="91425">
+            <a:normAutofit fontScale="90000"/>
+          </a:bodyPr>
+          <a:lstStyle/>
+          <a:p>
+            <a:pPr indent="0" lvl="0" marL="0" rtl="0" algn="ctr">
+              <a:spcBef>
+                <a:spcPts val="0"/>
+              </a:spcBef>
+              <a:spcAft>
+                <a:spcPts val="0"/>
+              </a:spcAft>
+              <a:buNone/>
+            </a:pPr>
+            <a:r>
+              <a:rPr lang="en"/>
+              <a:t>Histogram of Years in Current Role</a:t>
+            </a:r>
+            <a:endParaRPr/>
+          </a:p>
+        </p:txBody>
+      </p:sp>
+      <p:pic>
+        <p:nvPicPr>
+          <p:cNvPr id="216" name="Google Shape;216;p26"/>
+          <p:cNvPicPr preferRelativeResize="0"/>
+          <p:nvPr/>
+        </p:nvPicPr>
+        <p:blipFill>
+          <a:blip r:embed="rId3">
+            <a:alphaModFix/>
+          </a:blip>
+          <a:stretch>
+            <a:fillRect/>
+          </a:stretch>
+        </p:blipFill>
+        <p:spPr>
+          <a:xfrm>
+            <a:off x="1977350" y="1612146"/>
+            <a:ext cx="5339525" cy="3043954"/>
+          </a:xfrm>
+          <a:prstGeom prst="rect">
+            <a:avLst/>
+          </a:prstGeom>
+          <a:noFill/>
+          <a:ln>
+            <a:noFill/>
+          </a:ln>
+        </p:spPr>
+      </p:pic>
+    </p:spTree>
+  </p:cSld>
+  <p:clrMapOvr>
+    <a:masterClrMapping/>
+  </p:clrMapOvr>
+</p:sld>
+</file>
+
+<file path=ppt/slides/slide15.xml><?xml version="1.0" encoding="utf-8"?>
+<p:sld xmlns:a="http://schemas.openxmlformats.org/drawingml/2006/main" xmlns:r="http://schemas.openxmlformats.org/officeDocument/2006/relationships" xmlns:mc="http://schemas.openxmlformats.org/markup-compatibility/2006" xmlns:mv="urn:schemas-microsoft-com:mac:vml" xmlns:p="http://schemas.openxmlformats.org/presentationml/2006/main" xmlns:c="http://schemas.openxmlformats.org/drawingml/2006/chart" xmlns:dgm="http://schemas.openxmlformats.org/drawingml/2006/diagram" xmlns:o="urn:schemas-microsoft-com:office:office" xmlns:v="urn:schemas-microsoft-com:vml" xmlns:pvml="urn:schemas-microsoft-com:office:powerpoint" xmlns:com="http://schemas.openxmlformats.org/drawingml/2006/compatibility" xmlns:p14="http://schemas.microsoft.com/office/powerpoint/2010/main" xmlns:p15="http://schemas.microsoft.com/office/powerpoint/2012/main" xmlns:ahyp="http://schemas.microsoft.com/office/drawing/2018/hyperlinkcolor">
+  <p:cSld>
+    <p:spTree>
+      <p:nvGrpSpPr>
+        <p:cNvPr id="220" name="Shape 220"/>
+        <p:cNvGrpSpPr/>
+        <p:nvPr/>
+      </p:nvGrpSpPr>
+      <p:grpSpPr>
+        <a:xfrm>
+          <a:off x="0" y="0"/>
+          <a:ext cx="0" cy="0"/>
+          <a:chOff x="0" y="0"/>
+          <a:chExt cx="0" cy="0"/>
+        </a:xfrm>
+      </p:grpSpPr>
+      <p:sp>
+        <p:nvSpPr>
+          <p:cNvPr id="221" name="Google Shape;221;p27"/>
+          <p:cNvSpPr txBox="1"/>
+          <p:nvPr>
+            <p:ph type="title"/>
+          </p:nvPr>
+        </p:nvSpPr>
+        <p:spPr>
+          <a:xfrm>
+            <a:off x="472700" y="502750"/>
+            <a:ext cx="4394400" cy="1109400"/>
+          </a:xfrm>
+          <a:prstGeom prst="rect">
+            <a:avLst/>
+          </a:prstGeom>
+        </p:spPr>
+        <p:txBody>
+          <a:bodyPr anchorCtr="0" anchor="ctr" bIns="91425" lIns="91425" spcFirstLastPara="1" rIns="91425" wrap="square" tIns="91425">
+            <a:normAutofit fontScale="90000"/>
+          </a:bodyPr>
+          <a:lstStyle/>
+          <a:p>
+            <a:pPr indent="0" lvl="0" marL="0" rtl="0" algn="ctr">
+              <a:spcBef>
+                <a:spcPts val="0"/>
+              </a:spcBef>
+              <a:spcAft>
+                <a:spcPts val="0"/>
+              </a:spcAft>
+              <a:buNone/>
+            </a:pPr>
+            <a:r>
+              <a:rPr lang="en"/>
+              <a:t>Histogram of Years Since Last Promotion</a:t>
+            </a:r>
+            <a:endParaRPr/>
+          </a:p>
+        </p:txBody>
+      </p:sp>
+      <p:pic>
+        <p:nvPicPr>
+          <p:cNvPr id="222" name="Google Shape;222;p27"/>
+          <p:cNvPicPr preferRelativeResize="0"/>
+          <p:nvPr/>
+        </p:nvPicPr>
+        <p:blipFill>
+          <a:blip r:embed="rId3">
+            <a:alphaModFix/>
+          </a:blip>
+          <a:stretch>
+            <a:fillRect/>
+          </a:stretch>
+        </p:blipFill>
+        <p:spPr>
+          <a:xfrm>
+            <a:off x="1791050" y="1612150"/>
+            <a:ext cx="5561901" cy="3105900"/>
+          </a:xfrm>
+          <a:prstGeom prst="rect">
+            <a:avLst/>
+          </a:prstGeom>
+          <a:noFill/>
+          <a:ln>
+            <a:noFill/>
+          </a:ln>
+        </p:spPr>
+      </p:pic>
+    </p:spTree>
+  </p:cSld>
+  <p:clrMapOvr>
+    <a:masterClrMapping/>
+  </p:clrMapOvr>
+</p:sld>
+</file>
+
+<file path=ppt/slides/slide16.xml><?xml version="1.0" encoding="utf-8"?>
+<p:sld xmlns:a="http://schemas.openxmlformats.org/drawingml/2006/main" xmlns:r="http://schemas.openxmlformats.org/officeDocument/2006/relationships" xmlns:mc="http://schemas.openxmlformats.org/markup-compatibility/2006" xmlns:mv="urn:schemas-microsoft-com:mac:vml" xmlns:p="http://schemas.openxmlformats.org/presentationml/2006/main" xmlns:c="http://schemas.openxmlformats.org/drawingml/2006/chart" xmlns:dgm="http://schemas.openxmlformats.org/drawingml/2006/diagram" xmlns:o="urn:schemas-microsoft-com:office:office" xmlns:v="urn:schemas-microsoft-com:vml" xmlns:pvml="urn:schemas-microsoft-com:office:powerpoint" xmlns:com="http://schemas.openxmlformats.org/drawingml/2006/compatibility" xmlns:p14="http://schemas.microsoft.com/office/powerpoint/2010/main" xmlns:p15="http://schemas.microsoft.com/office/powerpoint/2012/main" xmlns:ahyp="http://schemas.microsoft.com/office/drawing/2018/hyperlinkcolor">
+  <p:cSld>
+    <p:spTree>
+      <p:nvGrpSpPr>
+        <p:cNvPr id="226" name="Shape 226"/>
+        <p:cNvGrpSpPr/>
+        <p:nvPr/>
+      </p:nvGrpSpPr>
+      <p:grpSpPr>
+        <a:xfrm>
+          <a:off x="0" y="0"/>
+          <a:ext cx="0" cy="0"/>
+          <a:chOff x="0" y="0"/>
+          <a:chExt cx="0" cy="0"/>
+        </a:xfrm>
+      </p:grpSpPr>
+      <p:sp>
+        <p:nvSpPr>
+          <p:cNvPr id="227" name="Google Shape;227;p28"/>
+          <p:cNvSpPr txBox="1"/>
+          <p:nvPr>
+            <p:ph type="title"/>
+          </p:nvPr>
+        </p:nvSpPr>
+        <p:spPr>
+          <a:xfrm>
+            <a:off x="819150" y="845600"/>
+            <a:ext cx="7505700" cy="954600"/>
+          </a:xfrm>
+          <a:prstGeom prst="rect">
+            <a:avLst/>
+          </a:prstGeom>
+        </p:spPr>
+        <p:txBody>
+          <a:bodyPr anchorCtr="0" anchor="t" bIns="91425" lIns="91425" spcFirstLastPara="1" rIns="91425" wrap="square" tIns="91425">
+            <a:normAutofit/>
+          </a:bodyPr>
+          <a:lstStyle/>
+          <a:p>
+            <a:pPr indent="0" lvl="0" marL="0" rtl="0" algn="l">
+              <a:spcBef>
+                <a:spcPts val="0"/>
+              </a:spcBef>
+              <a:spcAft>
+                <a:spcPts val="0"/>
+              </a:spcAft>
+              <a:buNone/>
+            </a:pPr>
+            <a:r>
+              <a:rPr lang="en"/>
+              <a:t>Analysis of Year Field Histograms</a:t>
+            </a:r>
+            <a:endParaRPr/>
+          </a:p>
+        </p:txBody>
+      </p:sp>
+      <p:sp>
+        <p:nvSpPr>
+          <p:cNvPr id="228" name="Google Shape;228;p28"/>
+          <p:cNvSpPr txBox="1"/>
+          <p:nvPr>
+            <p:ph idx="1" type="body"/>
+          </p:nvPr>
+        </p:nvSpPr>
+        <p:spPr>
+          <a:xfrm>
+            <a:off x="819150" y="1990725"/>
+            <a:ext cx="7505700" cy="2093400"/>
+          </a:xfrm>
+          <a:prstGeom prst="rect">
+            <a:avLst/>
+          </a:prstGeom>
+        </p:spPr>
+        <p:txBody>
+          <a:bodyPr anchorCtr="0" anchor="t" bIns="91425" lIns="91425" spcFirstLastPara="1" rIns="91425" wrap="square" tIns="91425">
+            <a:noAutofit/>
+          </a:bodyPr>
+          <a:lstStyle/>
+          <a:p>
+            <a:pPr indent="0" lvl="0" marL="0" rtl="0" algn="l">
+              <a:spcBef>
+                <a:spcPts val="0"/>
+              </a:spcBef>
+              <a:spcAft>
+                <a:spcPts val="1200"/>
+              </a:spcAft>
+              <a:buNone/>
+            </a:pPr>
+            <a:r>
+              <a:rPr lang="en" sz="1700"/>
+              <a:t>When looking at the years variables, it is tough to say if any entries are outliers, since employees often do and are even supposed to have varying years of experience at a company and within their career. At my company, there are employees with 35+ years, while I have less than a year, so I wouldn't say any of these outliers above the top of the boxplots are out of the ordinary or need to be removed. </a:t>
+            </a:r>
+            <a:endParaRPr sz="1700"/>
+          </a:p>
+        </p:txBody>
+      </p:sp>
+    </p:spTree>
+  </p:cSld>
+  <p:clrMapOvr>
+    <a:masterClrMapping/>
+  </p:clrMapOvr>
+</p:sld>
+</file>
+
+<file path=ppt/slides/slide17.xml><?xml version="1.0" encoding="utf-8"?>
+<p:sld xmlns:a="http://schemas.openxmlformats.org/drawingml/2006/main" xmlns:r="http://schemas.openxmlformats.org/officeDocument/2006/relationships" xmlns:mc="http://schemas.openxmlformats.org/markup-compatibility/2006" xmlns:mv="urn:schemas-microsoft-com:mac:vml" xmlns:p="http://schemas.openxmlformats.org/presentationml/2006/main" xmlns:c="http://schemas.openxmlformats.org/drawingml/2006/chart" xmlns:dgm="http://schemas.openxmlformats.org/drawingml/2006/diagram" xmlns:o="urn:schemas-microsoft-com:office:office" xmlns:v="urn:schemas-microsoft-com:vml" xmlns:pvml="urn:schemas-microsoft-com:office:powerpoint" xmlns:com="http://schemas.openxmlformats.org/drawingml/2006/compatibility" xmlns:p14="http://schemas.microsoft.com/office/powerpoint/2010/main" xmlns:p15="http://schemas.microsoft.com/office/powerpoint/2012/main" xmlns:ahyp="http://schemas.microsoft.com/office/drawing/2018/hyperlinkcolor">
+  <p:cSld>
+    <p:spTree>
+      <p:nvGrpSpPr>
+        <p:cNvPr id="232" name="Shape 232"/>
+        <p:cNvGrpSpPr/>
+        <p:nvPr/>
+      </p:nvGrpSpPr>
+      <p:grpSpPr>
+        <a:xfrm>
+          <a:off x="0" y="0"/>
+          <a:ext cx="0" cy="0"/>
+          <a:chOff x="0" y="0"/>
+          <a:chExt cx="0" cy="0"/>
+        </a:xfrm>
+      </p:grpSpPr>
+      <p:sp>
+        <p:nvSpPr>
+          <p:cNvPr id="233" name="Google Shape;233;p29"/>
+          <p:cNvSpPr txBox="1"/>
+          <p:nvPr>
+            <p:ph type="title"/>
+          </p:nvPr>
+        </p:nvSpPr>
+        <p:spPr>
+          <a:xfrm>
+            <a:off x="1888684" y="1746100"/>
+            <a:ext cx="5377500" cy="1646100"/>
+          </a:xfrm>
+          <a:prstGeom prst="rect">
+            <a:avLst/>
+          </a:prstGeom>
+        </p:spPr>
+        <p:txBody>
+          <a:bodyPr anchorCtr="0" anchor="ctr" bIns="91425" lIns="91425" spcFirstLastPara="1" rIns="91425" wrap="square" tIns="91425">
+            <a:normAutofit/>
+          </a:bodyPr>
+          <a:lstStyle/>
+          <a:p>
+            <a:pPr indent="0" lvl="0" marL="0" rtl="0" algn="ctr">
+              <a:spcBef>
+                <a:spcPts val="0"/>
+              </a:spcBef>
+              <a:spcAft>
+                <a:spcPts val="0"/>
+              </a:spcAft>
+              <a:buNone/>
+            </a:pPr>
+            <a:r>
+              <a:rPr lang="en"/>
+              <a:t>Descriptive Characteristics</a:t>
+            </a:r>
+            <a:endParaRPr/>
+          </a:p>
+        </p:txBody>
+      </p:sp>
+    </p:spTree>
+  </p:cSld>
+  <p:clrMapOvr>
+    <a:masterClrMapping/>
+  </p:clrMapOvr>
+</p:sld>
+</file>
+
+<file path=ppt/slides/slide18.xml><?xml version="1.0" encoding="utf-8"?>
+<p:sld xmlns:a="http://schemas.openxmlformats.org/drawingml/2006/main" xmlns:r="http://schemas.openxmlformats.org/officeDocument/2006/relationships" xmlns:mc="http://schemas.openxmlformats.org/markup-compatibility/2006" xmlns:mv="urn:schemas-microsoft-com:mac:vml" xmlns:p="http://schemas.openxmlformats.org/presentationml/2006/main" xmlns:c="http://schemas.openxmlformats.org/drawingml/2006/chart" xmlns:dgm="http://schemas.openxmlformats.org/drawingml/2006/diagram" xmlns:o="urn:schemas-microsoft-com:office:office" xmlns:v="urn:schemas-microsoft-com:vml" xmlns:pvml="urn:schemas-microsoft-com:office:powerpoint" xmlns:com="http://schemas.openxmlformats.org/drawingml/2006/compatibility" xmlns:p14="http://schemas.microsoft.com/office/powerpoint/2010/main" xmlns:p15="http://schemas.microsoft.com/office/powerpoint/2012/main" xmlns:ahyp="http://schemas.microsoft.com/office/drawing/2018/hyperlinkcolor">
+  <p:cSld>
+    <p:spTree>
+      <p:nvGrpSpPr>
+        <p:cNvPr id="237" name="Shape 237"/>
+        <p:cNvGrpSpPr/>
+        <p:nvPr/>
+      </p:nvGrpSpPr>
+      <p:grpSpPr>
+        <a:xfrm>
+          <a:off x="0" y="0"/>
+          <a:ext cx="0" cy="0"/>
+          <a:chOff x="0" y="0"/>
+          <a:chExt cx="0" cy="0"/>
+        </a:xfrm>
+      </p:grpSpPr>
+      <p:sp>
+        <p:nvSpPr>
+          <p:cNvPr id="238" name="Google Shape;238;p30"/>
+          <p:cNvSpPr txBox="1"/>
+          <p:nvPr>
+            <p:ph idx="1" type="body"/>
+          </p:nvPr>
+        </p:nvSpPr>
+        <p:spPr>
+          <a:xfrm>
+            <a:off x="328025" y="4163500"/>
+            <a:ext cx="7415100" cy="605100"/>
+          </a:xfrm>
+          <a:prstGeom prst="rect">
+            <a:avLst/>
+          </a:prstGeom>
+        </p:spPr>
+        <p:txBody>
+          <a:bodyPr anchorCtr="0" anchor="b" bIns="91425" lIns="91425" spcFirstLastPara="1" rIns="91425" wrap="square" tIns="91425">
+            <a:normAutofit/>
+          </a:bodyPr>
+          <a:lstStyle/>
+          <a:p>
+            <a:pPr indent="0" lvl="0" marL="0" rtl="0" algn="l">
+              <a:spcBef>
+                <a:spcPts val="0"/>
+              </a:spcBef>
+              <a:spcAft>
+                <a:spcPts val="0"/>
+              </a:spcAft>
+              <a:buNone/>
+            </a:pPr>
+            <a:r>
+              <a:rPr lang="en" sz="2100"/>
+              <a:t>Mean, Mode, Spread and Tails</a:t>
+            </a:r>
+            <a:endParaRPr sz="2100"/>
+          </a:p>
+        </p:txBody>
+      </p:sp>
+      <p:pic>
+        <p:nvPicPr>
+          <p:cNvPr id="239" name="Google Shape;239;p30"/>
+          <p:cNvPicPr preferRelativeResize="0"/>
+          <p:nvPr/>
+        </p:nvPicPr>
+        <p:blipFill>
+          <a:blip r:embed="rId3">
+            <a:alphaModFix/>
+          </a:blip>
+          <a:stretch>
+            <a:fillRect/>
+          </a:stretch>
+        </p:blipFill>
+        <p:spPr>
+          <a:xfrm>
+            <a:off x="109950" y="735850"/>
+            <a:ext cx="1771650" cy="3162300"/>
+          </a:xfrm>
+          <a:prstGeom prst="rect">
+            <a:avLst/>
+          </a:prstGeom>
+          <a:noFill/>
+          <a:ln>
+            <a:noFill/>
+          </a:ln>
+        </p:spPr>
+      </p:pic>
+      <p:pic>
+        <p:nvPicPr>
+          <p:cNvPr id="240" name="Google Shape;240;p30"/>
+          <p:cNvPicPr preferRelativeResize="0"/>
+          <p:nvPr/>
+        </p:nvPicPr>
+        <p:blipFill>
+          <a:blip r:embed="rId4">
+            <a:alphaModFix/>
+          </a:blip>
+          <a:stretch>
+            <a:fillRect/>
+          </a:stretch>
+        </p:blipFill>
+        <p:spPr>
+          <a:xfrm>
+            <a:off x="1789475" y="783475"/>
+            <a:ext cx="1866900" cy="3067050"/>
+          </a:xfrm>
+          <a:prstGeom prst="rect">
+            <a:avLst/>
+          </a:prstGeom>
+          <a:noFill/>
+          <a:ln>
+            <a:noFill/>
+          </a:ln>
+        </p:spPr>
+      </p:pic>
+      <p:pic>
+        <p:nvPicPr>
+          <p:cNvPr id="241" name="Google Shape;241;p30"/>
+          <p:cNvPicPr preferRelativeResize="0"/>
+          <p:nvPr/>
+        </p:nvPicPr>
+        <p:blipFill>
+          <a:blip r:embed="rId5">
+            <a:alphaModFix/>
+          </a:blip>
+          <a:stretch>
+            <a:fillRect/>
+          </a:stretch>
+        </p:blipFill>
+        <p:spPr>
+          <a:xfrm>
+            <a:off x="3422925" y="764425"/>
+            <a:ext cx="1438275" cy="3028950"/>
+          </a:xfrm>
+          <a:prstGeom prst="rect">
+            <a:avLst/>
+          </a:prstGeom>
+          <a:noFill/>
+          <a:ln>
+            <a:noFill/>
+          </a:ln>
+        </p:spPr>
+      </p:pic>
+      <p:pic>
+        <p:nvPicPr>
+          <p:cNvPr id="242" name="Google Shape;242;p30"/>
+          <p:cNvPicPr preferRelativeResize="0"/>
+          <p:nvPr/>
+        </p:nvPicPr>
+        <p:blipFill>
+          <a:blip r:embed="rId6">
+            <a:alphaModFix/>
+          </a:blip>
+          <a:stretch>
+            <a:fillRect/>
+          </a:stretch>
+        </p:blipFill>
+        <p:spPr>
+          <a:xfrm>
+            <a:off x="4784425" y="726325"/>
+            <a:ext cx="1438275" cy="3105150"/>
+          </a:xfrm>
+          <a:prstGeom prst="rect">
+            <a:avLst/>
+          </a:prstGeom>
+          <a:noFill/>
+          <a:ln>
+            <a:noFill/>
+          </a:ln>
+        </p:spPr>
+      </p:pic>
+      <p:pic>
+        <p:nvPicPr>
+          <p:cNvPr id="243" name="Google Shape;243;p30"/>
+          <p:cNvPicPr preferRelativeResize="0"/>
+          <p:nvPr/>
+        </p:nvPicPr>
+        <p:blipFill>
+          <a:blip r:embed="rId7">
+            <a:alphaModFix/>
+          </a:blip>
+          <a:stretch>
+            <a:fillRect/>
+          </a:stretch>
+        </p:blipFill>
+        <p:spPr>
+          <a:xfrm>
+            <a:off x="6126575" y="707275"/>
+            <a:ext cx="1724025" cy="3086100"/>
+          </a:xfrm>
+          <a:prstGeom prst="rect">
+            <a:avLst/>
+          </a:prstGeom>
+          <a:noFill/>
+          <a:ln>
+            <a:noFill/>
+          </a:ln>
+        </p:spPr>
+      </p:pic>
+      <p:pic>
+        <p:nvPicPr>
+          <p:cNvPr id="244" name="Google Shape;244;p30"/>
+          <p:cNvPicPr preferRelativeResize="0"/>
+          <p:nvPr/>
+        </p:nvPicPr>
+        <p:blipFill>
+          <a:blip r:embed="rId8">
+            <a:alphaModFix/>
+          </a:blip>
+          <a:stretch>
+            <a:fillRect/>
+          </a:stretch>
+        </p:blipFill>
+        <p:spPr>
+          <a:xfrm>
+            <a:off x="7743120" y="1454945"/>
+            <a:ext cx="1293775" cy="1931800"/>
+          </a:xfrm>
+          <a:prstGeom prst="rect">
+            <a:avLst/>
+          </a:prstGeom>
+          <a:noFill/>
+          <a:ln>
+            <a:noFill/>
+          </a:ln>
+        </p:spPr>
+      </p:pic>
+    </p:spTree>
+  </p:cSld>
+  <p:clrMapOvr>
+    <a:masterClrMapping/>
+  </p:clrMapOvr>
+</p:sld>
+</file>
+
+<file path=ppt/slides/slide19.xml><?xml version="1.0" encoding="utf-8"?>
+<p:sld xmlns:a="http://schemas.openxmlformats.org/drawingml/2006/main" xmlns:r="http://schemas.openxmlformats.org/officeDocument/2006/relationships" xmlns:mc="http://schemas.openxmlformats.org/markup-compatibility/2006" xmlns:mv="urn:schemas-microsoft-com:mac:vml" xmlns:p="http://schemas.openxmlformats.org/presentationml/2006/main" xmlns:c="http://schemas.openxmlformats.org/drawingml/2006/chart" xmlns:dgm="http://schemas.openxmlformats.org/drawingml/2006/diagram" xmlns:o="urn:schemas-microsoft-com:office:office" xmlns:v="urn:schemas-microsoft-com:vml" xmlns:pvml="urn:schemas-microsoft-com:office:powerpoint" xmlns:com="http://schemas.openxmlformats.org/drawingml/2006/compatibility" xmlns:p14="http://schemas.microsoft.com/office/powerpoint/2010/main" xmlns:p15="http://schemas.microsoft.com/office/powerpoint/2012/main" xmlns:ahyp="http://schemas.microsoft.com/office/drawing/2018/hyperlinkcolor">
+  <p:cSld>
+    <p:spTree>
+      <p:nvGrpSpPr>
+        <p:cNvPr id="248" name="Shape 248"/>
+        <p:cNvGrpSpPr/>
+        <p:nvPr/>
+      </p:nvGrpSpPr>
+      <p:grpSpPr>
+        <a:xfrm>
+          <a:off x="0" y="0"/>
+          <a:ext cx="0" cy="0"/>
+          <a:chOff x="0" y="0"/>
+          <a:chExt cx="0" cy="0"/>
+        </a:xfrm>
+      </p:grpSpPr>
+      <p:sp>
+        <p:nvSpPr>
+          <p:cNvPr id="249" name="Google Shape;249;p31"/>
+          <p:cNvSpPr txBox="1"/>
+          <p:nvPr>
+            <p:ph type="title"/>
+          </p:nvPr>
+        </p:nvSpPr>
+        <p:spPr>
+          <a:xfrm>
+            <a:off x="1883259" y="1362250"/>
+            <a:ext cx="5377500" cy="1646100"/>
+          </a:xfrm>
+          <a:prstGeom prst="rect">
+            <a:avLst/>
+          </a:prstGeom>
+        </p:spPr>
+        <p:txBody>
+          <a:bodyPr anchorCtr="0" anchor="ctr" bIns="91425" lIns="91425" spcFirstLastPara="1" rIns="91425" wrap="square" tIns="91425">
+            <a:normAutofit/>
+          </a:bodyPr>
+          <a:lstStyle/>
+          <a:p>
+            <a:pPr indent="0" lvl="0" marL="0" rtl="0" algn="ctr">
+              <a:spcBef>
+                <a:spcPts val="0"/>
+              </a:spcBef>
+              <a:spcAft>
+                <a:spcPts val="0"/>
+              </a:spcAft>
+              <a:buNone/>
+            </a:pPr>
+            <a:r>
+              <a:rPr lang="en"/>
+              <a:t>Comparing Two Scenarios Using a PMF</a:t>
+            </a:r>
+            <a:endParaRPr/>
+          </a:p>
+        </p:txBody>
+      </p:sp>
+      <p:sp>
+        <p:nvSpPr>
+          <p:cNvPr id="250" name="Google Shape;250;p31"/>
+          <p:cNvSpPr txBox="1"/>
+          <p:nvPr/>
+        </p:nvSpPr>
+        <p:spPr>
+          <a:xfrm>
+            <a:off x="2147850" y="3008350"/>
+            <a:ext cx="4746000" cy="1046700"/>
+          </a:xfrm>
+          <a:prstGeom prst="rect">
+            <a:avLst/>
+          </a:prstGeom>
+          <a:noFill/>
+          <a:ln>
+            <a:noFill/>
+          </a:ln>
+        </p:spPr>
+        <p:txBody>
+          <a:bodyPr anchorCtr="0" anchor="t" bIns="91425" lIns="91425" spcFirstLastPara="1" rIns="91425" wrap="square" tIns="91425">
+            <a:spAutoFit/>
+          </a:bodyPr>
+          <a:lstStyle/>
+          <a:p>
+            <a:pPr indent="0" lvl="0" marL="0" rtl="0" algn="l">
+              <a:spcBef>
+                <a:spcPts val="0"/>
+              </a:spcBef>
+              <a:spcAft>
+                <a:spcPts val="0"/>
+              </a:spcAft>
+              <a:buNone/>
+            </a:pPr>
+            <a:r>
+              <a:rPr b="1" lang="en">
+                <a:latin typeface="Calibri"/>
+                <a:ea typeface="Calibri"/>
+                <a:cs typeface="Calibri"/>
+                <a:sym typeface="Calibri"/>
+              </a:rPr>
+              <a:t>Scenario: An employee participates in voluntary attrition or the employee does not participate in voluntary attrition</a:t>
+            </a:r>
+            <a:endParaRPr b="1">
+              <a:latin typeface="Calibri"/>
+              <a:ea typeface="Calibri"/>
+              <a:cs typeface="Calibri"/>
+              <a:sym typeface="Calibri"/>
+            </a:endParaRPr>
+          </a:p>
+          <a:p>
+            <a:pPr indent="0" lvl="0" marL="0" rtl="0" algn="l">
+              <a:spcBef>
+                <a:spcPts val="0"/>
+              </a:spcBef>
+              <a:spcAft>
+                <a:spcPts val="0"/>
+              </a:spcAft>
+              <a:buNone/>
+            </a:pPr>
+            <a:r>
+              <a:t/>
+            </a:r>
+            <a:endParaRPr b="1">
+              <a:latin typeface="Calibri"/>
+              <a:ea typeface="Calibri"/>
+              <a:cs typeface="Calibri"/>
+              <a:sym typeface="Calibri"/>
+            </a:endParaRPr>
+          </a:p>
+          <a:p>
+            <a:pPr indent="0" lvl="0" marL="0" rtl="0" algn="l">
+              <a:spcBef>
+                <a:spcPts val="0"/>
+              </a:spcBef>
+              <a:spcAft>
+                <a:spcPts val="0"/>
+              </a:spcAft>
+              <a:buNone/>
+            </a:pPr>
+            <a:r>
+              <a:rPr b="1" lang="en">
+                <a:latin typeface="Calibri"/>
+                <a:ea typeface="Calibri"/>
+                <a:cs typeface="Calibri"/>
+                <a:sym typeface="Calibri"/>
+              </a:rPr>
+              <a:t>Variable: Years Since Last Promotion</a:t>
+            </a:r>
+            <a:endParaRPr b="1">
+              <a:latin typeface="Calibri"/>
+              <a:ea typeface="Calibri"/>
+              <a:cs typeface="Calibri"/>
+              <a:sym typeface="Calibri"/>
+            </a:endParaRPr>
+          </a:p>
+        </p:txBody>
+      </p:sp>
+    </p:spTree>
+  </p:cSld>
+  <p:clrMapOvr>
+    <a:masterClrMapping/>
+  </p:clrMapOvr>
+</p:sld>
+</file>
+
 <file path=ppt/slides/slide2.xml><?xml version="1.0" encoding="utf-8"?>
 <p:sld xmlns:a="http://schemas.openxmlformats.org/drawingml/2006/main" xmlns:r="http://schemas.openxmlformats.org/officeDocument/2006/relationships" xmlns:mc="http://schemas.openxmlformats.org/markup-compatibility/2006" xmlns:mv="urn:schemas-microsoft-com:mac:vml" xmlns:p="http://schemas.openxmlformats.org/presentationml/2006/main" xmlns:c="http://schemas.openxmlformats.org/drawingml/2006/chart" xmlns:dgm="http://schemas.openxmlformats.org/drawingml/2006/diagram" xmlns:o="urn:schemas-microsoft-com:office:office" xmlns:v="urn:schemas-microsoft-com:vml" xmlns:pvml="urn:schemas-microsoft-com:office:powerpoint" xmlns:com="http://schemas.openxmlformats.org/drawingml/2006/compatibility" xmlns:p14="http://schemas.microsoft.com/office/powerpoint/2010/main" xmlns:p15="http://schemas.microsoft.com/office/powerpoint/2012/main" xmlns:ahyp="http://schemas.microsoft.com/office/drawing/2018/hyperlinkcolor">
   <p:cSld>
@@ -9880,6 +14358,1215 @@
           </a:p>
         </p:txBody>
       </p:sp>
+    </p:spTree>
+  </p:cSld>
+  <p:clrMapOvr>
+    <a:masterClrMapping/>
+  </p:clrMapOvr>
+</p:sld>
+</file>
+
+<file path=ppt/slides/slide20.xml><?xml version="1.0" encoding="utf-8"?>
+<p:sld xmlns:a="http://schemas.openxmlformats.org/drawingml/2006/main" xmlns:r="http://schemas.openxmlformats.org/officeDocument/2006/relationships" xmlns:mc="http://schemas.openxmlformats.org/markup-compatibility/2006" xmlns:mv="urn:schemas-microsoft-com:mac:vml" xmlns:p="http://schemas.openxmlformats.org/presentationml/2006/main" xmlns:c="http://schemas.openxmlformats.org/drawingml/2006/chart" xmlns:dgm="http://schemas.openxmlformats.org/drawingml/2006/diagram" xmlns:o="urn:schemas-microsoft-com:office:office" xmlns:v="urn:schemas-microsoft-com:vml" xmlns:pvml="urn:schemas-microsoft-com:office:powerpoint" xmlns:com="http://schemas.openxmlformats.org/drawingml/2006/compatibility" xmlns:p14="http://schemas.microsoft.com/office/powerpoint/2010/main" xmlns:p15="http://schemas.microsoft.com/office/powerpoint/2012/main" xmlns:ahyp="http://schemas.microsoft.com/office/drawing/2018/hyperlinkcolor">
+  <p:cSld>
+    <p:spTree>
+      <p:nvGrpSpPr>
+        <p:cNvPr id="254" name="Shape 254"/>
+        <p:cNvGrpSpPr/>
+        <p:nvPr/>
+      </p:nvGrpSpPr>
+      <p:grpSpPr>
+        <a:xfrm>
+          <a:off x="0" y="0"/>
+          <a:ext cx="0" cy="0"/>
+          <a:chOff x="0" y="0"/>
+          <a:chExt cx="0" cy="0"/>
+        </a:xfrm>
+      </p:grpSpPr>
+      <p:sp>
+        <p:nvSpPr>
+          <p:cNvPr id="255" name="Google Shape;255;p32"/>
+          <p:cNvSpPr txBox="1"/>
+          <p:nvPr>
+            <p:ph idx="1" type="body"/>
+          </p:nvPr>
+        </p:nvSpPr>
+        <p:spPr>
+          <a:xfrm>
+            <a:off x="830700" y="752325"/>
+            <a:ext cx="3709200" cy="3686400"/>
+          </a:xfrm>
+          <a:prstGeom prst="rect">
+            <a:avLst/>
+          </a:prstGeom>
+        </p:spPr>
+        <p:txBody>
+          <a:bodyPr anchorCtr="0" anchor="t" bIns="91425" lIns="91425" spcFirstLastPara="1" rIns="91425" wrap="square" tIns="91425">
+            <a:normAutofit fontScale="85000" lnSpcReduction="10000"/>
+          </a:bodyPr>
+          <a:lstStyle/>
+          <a:p>
+            <a:pPr indent="0" lvl="0" marL="0" rtl="0" algn="l">
+              <a:spcBef>
+                <a:spcPts val="0"/>
+              </a:spcBef>
+              <a:spcAft>
+                <a:spcPts val="0"/>
+              </a:spcAft>
+              <a:buNone/>
+            </a:pPr>
+            <a:r>
+              <a:rPr lang="en"/>
+              <a:t>The "yes" population goes back and forth among the distribution plot in comparison to the "no" group, there are many fluctuations in probability in terms of Yearly Income. </a:t>
+            </a:r>
+            <a:endParaRPr/>
+          </a:p>
+          <a:p>
+            <a:pPr indent="0" lvl="0" marL="0" rtl="0" algn="l">
+              <a:spcBef>
+                <a:spcPts val="1200"/>
+              </a:spcBef>
+              <a:spcAft>
+                <a:spcPts val="0"/>
+              </a:spcAft>
+              <a:buNone/>
+            </a:pPr>
+            <a:r>
+              <a:t/>
+            </a:r>
+            <a:endParaRPr/>
+          </a:p>
+          <a:p>
+            <a:pPr indent="0" lvl="0" marL="0" rtl="0" algn="l">
+              <a:spcBef>
+                <a:spcPts val="1200"/>
+              </a:spcBef>
+              <a:spcAft>
+                <a:spcPts val="0"/>
+              </a:spcAft>
+              <a:buNone/>
+            </a:pPr>
+            <a:r>
+              <a:rPr lang="en"/>
+              <a:t>In trying to find a general pattern, the "yes" group seems to be more likely to have fewer years since their last promotion than the "no" group, which would signify that they are recently in newer positions which could increase work pressure and stress. However, at the greater end of the year scale, the "yes" group is also slightly more likely than the "no" to have those years since their last promotion, which would be quite a long time for someone to be at the same job level, which can be a reason for job movement. </a:t>
+            </a:r>
+            <a:endParaRPr/>
+          </a:p>
+          <a:p>
+            <a:pPr indent="0" lvl="0" marL="0" rtl="0" algn="l">
+              <a:spcBef>
+                <a:spcPts val="1200"/>
+              </a:spcBef>
+              <a:spcAft>
+                <a:spcPts val="0"/>
+              </a:spcAft>
+              <a:buNone/>
+            </a:pPr>
+            <a:r>
+              <a:t/>
+            </a:r>
+            <a:endParaRPr/>
+          </a:p>
+          <a:p>
+            <a:pPr indent="0" lvl="0" marL="0" rtl="0" algn="l">
+              <a:spcBef>
+                <a:spcPts val="1200"/>
+              </a:spcBef>
+              <a:spcAft>
+                <a:spcPts val="1200"/>
+              </a:spcAft>
+              <a:buNone/>
+            </a:pPr>
+            <a:r>
+              <a:rPr lang="en"/>
+              <a:t>Therefore, this variable is not really helpful in showing how it plays into employee attrition.</a:t>
+            </a:r>
+            <a:endParaRPr/>
+          </a:p>
+        </p:txBody>
+      </p:sp>
+      <p:pic>
+        <p:nvPicPr>
+          <p:cNvPr id="256" name="Google Shape;256;p32"/>
+          <p:cNvPicPr preferRelativeResize="0"/>
+          <p:nvPr/>
+        </p:nvPicPr>
+        <p:blipFill>
+          <a:blip r:embed="rId3">
+            <a:alphaModFix/>
+          </a:blip>
+          <a:stretch>
+            <a:fillRect/>
+          </a:stretch>
+        </p:blipFill>
+        <p:spPr>
+          <a:xfrm>
+            <a:off x="4809275" y="627924"/>
+            <a:ext cx="3954550" cy="3887650"/>
+          </a:xfrm>
+          <a:prstGeom prst="rect">
+            <a:avLst/>
+          </a:prstGeom>
+          <a:noFill/>
+          <a:ln>
+            <a:noFill/>
+          </a:ln>
+        </p:spPr>
+      </p:pic>
+    </p:spTree>
+  </p:cSld>
+  <p:clrMapOvr>
+    <a:masterClrMapping/>
+  </p:clrMapOvr>
+</p:sld>
+</file>
+
+<file path=ppt/slides/slide21.xml><?xml version="1.0" encoding="utf-8"?>
+<p:sld xmlns:a="http://schemas.openxmlformats.org/drawingml/2006/main" xmlns:r="http://schemas.openxmlformats.org/officeDocument/2006/relationships" xmlns:mc="http://schemas.openxmlformats.org/markup-compatibility/2006" xmlns:mv="urn:schemas-microsoft-com:mac:vml" xmlns:p="http://schemas.openxmlformats.org/presentationml/2006/main" xmlns:c="http://schemas.openxmlformats.org/drawingml/2006/chart" xmlns:dgm="http://schemas.openxmlformats.org/drawingml/2006/diagram" xmlns:o="urn:schemas-microsoft-com:office:office" xmlns:v="urn:schemas-microsoft-com:vml" xmlns:pvml="urn:schemas-microsoft-com:office:powerpoint" xmlns:com="http://schemas.openxmlformats.org/drawingml/2006/compatibility" xmlns:p14="http://schemas.microsoft.com/office/powerpoint/2010/main" xmlns:p15="http://schemas.microsoft.com/office/powerpoint/2012/main" xmlns:ahyp="http://schemas.microsoft.com/office/drawing/2018/hyperlinkcolor">
+  <p:cSld>
+    <p:spTree>
+      <p:nvGrpSpPr>
+        <p:cNvPr id="260" name="Shape 260"/>
+        <p:cNvGrpSpPr/>
+        <p:nvPr/>
+      </p:nvGrpSpPr>
+      <p:grpSpPr>
+        <a:xfrm>
+          <a:off x="0" y="0"/>
+          <a:ext cx="0" cy="0"/>
+          <a:chOff x="0" y="0"/>
+          <a:chExt cx="0" cy="0"/>
+        </a:xfrm>
+      </p:grpSpPr>
+      <p:sp>
+        <p:nvSpPr>
+          <p:cNvPr id="261" name="Google Shape;261;p33"/>
+          <p:cNvSpPr txBox="1"/>
+          <p:nvPr>
+            <p:ph type="title"/>
+          </p:nvPr>
+        </p:nvSpPr>
+        <p:spPr>
+          <a:xfrm>
+            <a:off x="1883259" y="1362250"/>
+            <a:ext cx="5377500" cy="1646100"/>
+          </a:xfrm>
+          <a:prstGeom prst="rect">
+            <a:avLst/>
+          </a:prstGeom>
+        </p:spPr>
+        <p:txBody>
+          <a:bodyPr anchorCtr="0" anchor="ctr" bIns="91425" lIns="91425" spcFirstLastPara="1" rIns="91425" wrap="square" tIns="91425">
+            <a:normAutofit/>
+          </a:bodyPr>
+          <a:lstStyle/>
+          <a:p>
+            <a:pPr indent="0" lvl="0" marL="0" rtl="0" algn="ctr">
+              <a:spcBef>
+                <a:spcPts val="0"/>
+              </a:spcBef>
+              <a:spcAft>
+                <a:spcPts val="0"/>
+              </a:spcAft>
+              <a:buNone/>
+            </a:pPr>
+            <a:r>
+              <a:rPr lang="en" sz="4200"/>
+              <a:t>CDF of Age</a:t>
+            </a:r>
+            <a:endParaRPr sz="4200"/>
+          </a:p>
+        </p:txBody>
+      </p:sp>
+      <p:sp>
+        <p:nvSpPr>
+          <p:cNvPr id="262" name="Google Shape;262;p33"/>
+          <p:cNvSpPr txBox="1"/>
+          <p:nvPr/>
+        </p:nvSpPr>
+        <p:spPr>
+          <a:xfrm>
+            <a:off x="2147850" y="3008350"/>
+            <a:ext cx="4746000" cy="400200"/>
+          </a:xfrm>
+          <a:prstGeom prst="rect">
+            <a:avLst/>
+          </a:prstGeom>
+          <a:noFill/>
+          <a:ln>
+            <a:noFill/>
+          </a:ln>
+        </p:spPr>
+        <p:txBody>
+          <a:bodyPr anchorCtr="0" anchor="t" bIns="91425" lIns="91425" spcFirstLastPara="1" rIns="91425" wrap="square" tIns="91425">
+            <a:spAutoFit/>
+          </a:bodyPr>
+          <a:lstStyle/>
+          <a:p>
+            <a:pPr indent="0" lvl="0" marL="0" rtl="0" algn="l">
+              <a:spcBef>
+                <a:spcPts val="0"/>
+              </a:spcBef>
+              <a:spcAft>
+                <a:spcPts val="0"/>
+              </a:spcAft>
+              <a:buNone/>
+            </a:pPr>
+            <a:r>
+              <a:t/>
+            </a:r>
+            <a:endParaRPr b="1">
+              <a:latin typeface="Calibri"/>
+              <a:ea typeface="Calibri"/>
+              <a:cs typeface="Calibri"/>
+              <a:sym typeface="Calibri"/>
+            </a:endParaRPr>
+          </a:p>
+        </p:txBody>
+      </p:sp>
+    </p:spTree>
+  </p:cSld>
+  <p:clrMapOvr>
+    <a:masterClrMapping/>
+  </p:clrMapOvr>
+</p:sld>
+</file>
+
+<file path=ppt/slides/slide22.xml><?xml version="1.0" encoding="utf-8"?>
+<p:sld xmlns:a="http://schemas.openxmlformats.org/drawingml/2006/main" xmlns:r="http://schemas.openxmlformats.org/officeDocument/2006/relationships" xmlns:mc="http://schemas.openxmlformats.org/markup-compatibility/2006" xmlns:mv="urn:schemas-microsoft-com:mac:vml" xmlns:p="http://schemas.openxmlformats.org/presentationml/2006/main" xmlns:c="http://schemas.openxmlformats.org/drawingml/2006/chart" xmlns:dgm="http://schemas.openxmlformats.org/drawingml/2006/diagram" xmlns:o="urn:schemas-microsoft-com:office:office" xmlns:v="urn:schemas-microsoft-com:vml" xmlns:pvml="urn:schemas-microsoft-com:office:powerpoint" xmlns:com="http://schemas.openxmlformats.org/drawingml/2006/compatibility" xmlns:p14="http://schemas.microsoft.com/office/powerpoint/2010/main" xmlns:p15="http://schemas.microsoft.com/office/powerpoint/2012/main" xmlns:ahyp="http://schemas.microsoft.com/office/drawing/2018/hyperlinkcolor">
+  <p:cSld>
+    <p:spTree>
+      <p:nvGrpSpPr>
+        <p:cNvPr id="266" name="Shape 266"/>
+        <p:cNvGrpSpPr/>
+        <p:nvPr/>
+      </p:nvGrpSpPr>
+      <p:grpSpPr>
+        <a:xfrm>
+          <a:off x="0" y="0"/>
+          <a:ext cx="0" cy="0"/>
+          <a:chOff x="0" y="0"/>
+          <a:chExt cx="0" cy="0"/>
+        </a:xfrm>
+      </p:grpSpPr>
+      <p:sp>
+        <p:nvSpPr>
+          <p:cNvPr id="267" name="Google Shape;267;p34"/>
+          <p:cNvSpPr txBox="1"/>
+          <p:nvPr>
+            <p:ph idx="1" type="body"/>
+          </p:nvPr>
+        </p:nvSpPr>
+        <p:spPr>
+          <a:xfrm>
+            <a:off x="830700" y="1113150"/>
+            <a:ext cx="3709200" cy="2917200"/>
+          </a:xfrm>
+          <a:prstGeom prst="rect">
+            <a:avLst/>
+          </a:prstGeom>
+        </p:spPr>
+        <p:txBody>
+          <a:bodyPr anchorCtr="0" anchor="t" bIns="91425" lIns="91425" spcFirstLastPara="1" rIns="91425" wrap="square" tIns="91425">
+            <a:normAutofit/>
+          </a:bodyPr>
+          <a:lstStyle/>
+          <a:p>
+            <a:pPr indent="0" lvl="0" marL="0" rtl="0" algn="l">
+              <a:spcBef>
+                <a:spcPts val="0"/>
+              </a:spcBef>
+              <a:spcAft>
+                <a:spcPts val="1200"/>
+              </a:spcAft>
+              <a:buNone/>
+            </a:pPr>
+            <a:r>
+              <a:rPr lang="en"/>
+              <a:t>From looking at the CDFs for Age in terms of 'yes' or 'no' employee attrition, they have more spread from about ages 25-45, which is when the employees who left the company were more likely to be those ages or younger than the "no" group or the employees who chose at the stay company. Therefore, this could show for that age range that it's a more popular time for employees to choose to leave a company, which would make sense given that it's a defining time in people's lives and people are told to explore and experiment more in their careers.</a:t>
+            </a:r>
+            <a:endParaRPr/>
+          </a:p>
+        </p:txBody>
+      </p:sp>
+      <p:pic>
+        <p:nvPicPr>
+          <p:cNvPr id="268" name="Google Shape;268;p34"/>
+          <p:cNvPicPr preferRelativeResize="0"/>
+          <p:nvPr/>
+        </p:nvPicPr>
+        <p:blipFill>
+          <a:blip r:embed="rId3">
+            <a:alphaModFix/>
+          </a:blip>
+          <a:stretch>
+            <a:fillRect/>
+          </a:stretch>
+        </p:blipFill>
+        <p:spPr>
+          <a:xfrm>
+            <a:off x="4539900" y="1309225"/>
+            <a:ext cx="4299300" cy="2572590"/>
+          </a:xfrm>
+          <a:prstGeom prst="rect">
+            <a:avLst/>
+          </a:prstGeom>
+          <a:noFill/>
+          <a:ln>
+            <a:noFill/>
+          </a:ln>
+        </p:spPr>
+      </p:pic>
+    </p:spTree>
+  </p:cSld>
+  <p:clrMapOvr>
+    <a:masterClrMapping/>
+  </p:clrMapOvr>
+</p:sld>
+</file>
+
+<file path=ppt/slides/slide23.xml><?xml version="1.0" encoding="utf-8"?>
+<p:sld xmlns:a="http://schemas.openxmlformats.org/drawingml/2006/main" xmlns:r="http://schemas.openxmlformats.org/officeDocument/2006/relationships" xmlns:mc="http://schemas.openxmlformats.org/markup-compatibility/2006" xmlns:mv="urn:schemas-microsoft-com:mac:vml" xmlns:p="http://schemas.openxmlformats.org/presentationml/2006/main" xmlns:c="http://schemas.openxmlformats.org/drawingml/2006/chart" xmlns:dgm="http://schemas.openxmlformats.org/drawingml/2006/diagram" xmlns:o="urn:schemas-microsoft-com:office:office" xmlns:v="urn:schemas-microsoft-com:vml" xmlns:pvml="urn:schemas-microsoft-com:office:powerpoint" xmlns:com="http://schemas.openxmlformats.org/drawingml/2006/compatibility" xmlns:p14="http://schemas.microsoft.com/office/powerpoint/2010/main" xmlns:p15="http://schemas.microsoft.com/office/powerpoint/2012/main" xmlns:ahyp="http://schemas.microsoft.com/office/drawing/2018/hyperlinkcolor">
+  <p:cSld>
+    <p:spTree>
+      <p:nvGrpSpPr>
+        <p:cNvPr id="272" name="Shape 272"/>
+        <p:cNvGrpSpPr/>
+        <p:nvPr/>
+      </p:nvGrpSpPr>
+      <p:grpSpPr>
+        <a:xfrm>
+          <a:off x="0" y="0"/>
+          <a:ext cx="0" cy="0"/>
+          <a:chOff x="0" y="0"/>
+          <a:chExt cx="0" cy="0"/>
+        </a:xfrm>
+      </p:grpSpPr>
+      <p:sp>
+        <p:nvSpPr>
+          <p:cNvPr id="273" name="Google Shape;273;p35"/>
+          <p:cNvSpPr txBox="1"/>
+          <p:nvPr>
+            <p:ph type="title"/>
+          </p:nvPr>
+        </p:nvSpPr>
+        <p:spPr>
+          <a:xfrm>
+            <a:off x="1883259" y="1362250"/>
+            <a:ext cx="5377500" cy="1646100"/>
+          </a:xfrm>
+          <a:prstGeom prst="rect">
+            <a:avLst/>
+          </a:prstGeom>
+        </p:spPr>
+        <p:txBody>
+          <a:bodyPr anchorCtr="0" anchor="ctr" bIns="91425" lIns="91425" spcFirstLastPara="1" rIns="91425" wrap="square" tIns="91425">
+            <a:normAutofit/>
+          </a:bodyPr>
+          <a:lstStyle/>
+          <a:p>
+            <a:pPr indent="0" lvl="0" marL="0" rtl="0" algn="ctr">
+              <a:spcBef>
+                <a:spcPts val="0"/>
+              </a:spcBef>
+              <a:spcAft>
+                <a:spcPts val="0"/>
+              </a:spcAft>
+              <a:buNone/>
+            </a:pPr>
+            <a:r>
+              <a:rPr lang="en"/>
+              <a:t>Analytical Distribution - Normal</a:t>
+            </a:r>
+            <a:endParaRPr/>
+          </a:p>
+        </p:txBody>
+      </p:sp>
+      <p:sp>
+        <p:nvSpPr>
+          <p:cNvPr id="274" name="Google Shape;274;p35"/>
+          <p:cNvSpPr txBox="1"/>
+          <p:nvPr/>
+        </p:nvSpPr>
+        <p:spPr>
+          <a:xfrm>
+            <a:off x="2147850" y="3008350"/>
+            <a:ext cx="4746000" cy="400200"/>
+          </a:xfrm>
+          <a:prstGeom prst="rect">
+            <a:avLst/>
+          </a:prstGeom>
+          <a:noFill/>
+          <a:ln>
+            <a:noFill/>
+          </a:ln>
+        </p:spPr>
+        <p:txBody>
+          <a:bodyPr anchorCtr="0" anchor="t" bIns="91425" lIns="91425" spcFirstLastPara="1" rIns="91425" wrap="square" tIns="91425">
+            <a:spAutoFit/>
+          </a:bodyPr>
+          <a:lstStyle/>
+          <a:p>
+            <a:pPr indent="0" lvl="0" marL="0" rtl="0" algn="l">
+              <a:spcBef>
+                <a:spcPts val="0"/>
+              </a:spcBef>
+              <a:spcAft>
+                <a:spcPts val="0"/>
+              </a:spcAft>
+              <a:buNone/>
+            </a:pPr>
+            <a:r>
+              <a:t/>
+            </a:r>
+            <a:endParaRPr b="1">
+              <a:latin typeface="Calibri"/>
+              <a:ea typeface="Calibri"/>
+              <a:cs typeface="Calibri"/>
+              <a:sym typeface="Calibri"/>
+            </a:endParaRPr>
+          </a:p>
+        </p:txBody>
+      </p:sp>
+    </p:spTree>
+  </p:cSld>
+  <p:clrMapOvr>
+    <a:masterClrMapping/>
+  </p:clrMapOvr>
+</p:sld>
+</file>
+
+<file path=ppt/slides/slide24.xml><?xml version="1.0" encoding="utf-8"?>
+<p:sld xmlns:a="http://schemas.openxmlformats.org/drawingml/2006/main" xmlns:r="http://schemas.openxmlformats.org/officeDocument/2006/relationships" xmlns:mc="http://schemas.openxmlformats.org/markup-compatibility/2006" xmlns:mv="urn:schemas-microsoft-com:mac:vml" xmlns:p="http://schemas.openxmlformats.org/presentationml/2006/main" xmlns:c="http://schemas.openxmlformats.org/drawingml/2006/chart" xmlns:dgm="http://schemas.openxmlformats.org/drawingml/2006/diagram" xmlns:o="urn:schemas-microsoft-com:office:office" xmlns:v="urn:schemas-microsoft-com:vml" xmlns:pvml="urn:schemas-microsoft-com:office:powerpoint" xmlns:com="http://schemas.openxmlformats.org/drawingml/2006/compatibility" xmlns:p14="http://schemas.microsoft.com/office/powerpoint/2010/main" xmlns:p15="http://schemas.microsoft.com/office/powerpoint/2012/main" xmlns:ahyp="http://schemas.microsoft.com/office/drawing/2018/hyperlinkcolor">
+  <p:cSld>
+    <p:spTree>
+      <p:nvGrpSpPr>
+        <p:cNvPr id="278" name="Shape 278"/>
+        <p:cNvGrpSpPr/>
+        <p:nvPr/>
+      </p:nvGrpSpPr>
+      <p:grpSpPr>
+        <a:xfrm>
+          <a:off x="0" y="0"/>
+          <a:ext cx="0" cy="0"/>
+          <a:chOff x="0" y="0"/>
+          <a:chExt cx="0" cy="0"/>
+        </a:xfrm>
+      </p:grpSpPr>
+      <p:sp>
+        <p:nvSpPr>
+          <p:cNvPr id="279" name="Google Shape;279;p36"/>
+          <p:cNvSpPr txBox="1"/>
+          <p:nvPr>
+            <p:ph idx="1" type="body"/>
+          </p:nvPr>
+        </p:nvSpPr>
+        <p:spPr>
+          <a:xfrm>
+            <a:off x="830700" y="1113150"/>
+            <a:ext cx="3709200" cy="2917200"/>
+          </a:xfrm>
+          <a:prstGeom prst="rect">
+            <a:avLst/>
+          </a:prstGeom>
+        </p:spPr>
+        <p:txBody>
+          <a:bodyPr anchorCtr="0" anchor="t" bIns="91425" lIns="91425" spcFirstLastPara="1" rIns="91425" wrap="square" tIns="91425">
+            <a:normAutofit lnSpcReduction="10000"/>
+          </a:bodyPr>
+          <a:lstStyle/>
+          <a:p>
+            <a:pPr indent="0" lvl="0" marL="0" rtl="0" algn="l">
+              <a:spcBef>
+                <a:spcPts val="0"/>
+              </a:spcBef>
+              <a:spcAft>
+                <a:spcPts val="0"/>
+              </a:spcAft>
+              <a:buNone/>
+            </a:pPr>
+            <a:r>
+              <a:rPr lang="en"/>
+              <a:t>Below the 10th percentile, there is a discrepancy between the data and the model; there are less young employees than we would expect in a normal distributions. However, this is due to the removal of the younger employees (&lt; age 18) from the dataset, because I considered them to be outliers and just not relevant to a dataset regarding full-time employees choosing whether to leave a company. </a:t>
+            </a:r>
+            <a:endParaRPr/>
+          </a:p>
+          <a:p>
+            <a:pPr indent="0" lvl="0" marL="0" rtl="0" algn="l">
+              <a:spcBef>
+                <a:spcPts val="1200"/>
+              </a:spcBef>
+              <a:spcAft>
+                <a:spcPts val="1200"/>
+              </a:spcAft>
+              <a:buNone/>
+            </a:pPr>
+            <a:r>
+              <a:rPr lang="en"/>
+              <a:t>Since I am not specifically interested in employees less than the age of ~23, then I am not incredibly disappointed by the use of the normal model for this data/variable. </a:t>
+            </a:r>
+            <a:endParaRPr/>
+          </a:p>
+        </p:txBody>
+      </p:sp>
+      <p:pic>
+        <p:nvPicPr>
+          <p:cNvPr id="280" name="Google Shape;280;p36"/>
+          <p:cNvPicPr preferRelativeResize="0"/>
+          <p:nvPr/>
+        </p:nvPicPr>
+        <p:blipFill>
+          <a:blip r:embed="rId3">
+            <a:alphaModFix/>
+          </a:blip>
+          <a:stretch>
+            <a:fillRect/>
+          </a:stretch>
+        </p:blipFill>
+        <p:spPr>
+          <a:xfrm>
+            <a:off x="4478475" y="1009288"/>
+            <a:ext cx="4299299" cy="3124922"/>
+          </a:xfrm>
+          <a:prstGeom prst="rect">
+            <a:avLst/>
+          </a:prstGeom>
+          <a:noFill/>
+          <a:ln>
+            <a:noFill/>
+          </a:ln>
+        </p:spPr>
+      </p:pic>
+    </p:spTree>
+  </p:cSld>
+  <p:clrMapOvr>
+    <a:masterClrMapping/>
+  </p:clrMapOvr>
+</p:sld>
+</file>
+
+<file path=ppt/slides/slide25.xml><?xml version="1.0" encoding="utf-8"?>
+<p:sld xmlns:a="http://schemas.openxmlformats.org/drawingml/2006/main" xmlns:r="http://schemas.openxmlformats.org/officeDocument/2006/relationships" xmlns:mc="http://schemas.openxmlformats.org/markup-compatibility/2006" xmlns:mv="urn:schemas-microsoft-com:mac:vml" xmlns:p="http://schemas.openxmlformats.org/presentationml/2006/main" xmlns:c="http://schemas.openxmlformats.org/drawingml/2006/chart" xmlns:dgm="http://schemas.openxmlformats.org/drawingml/2006/diagram" xmlns:o="urn:schemas-microsoft-com:office:office" xmlns:v="urn:schemas-microsoft-com:vml" xmlns:pvml="urn:schemas-microsoft-com:office:powerpoint" xmlns:com="http://schemas.openxmlformats.org/drawingml/2006/compatibility" xmlns:p14="http://schemas.microsoft.com/office/powerpoint/2010/main" xmlns:p15="http://schemas.microsoft.com/office/powerpoint/2012/main" xmlns:ahyp="http://schemas.microsoft.com/office/drawing/2018/hyperlinkcolor">
+  <p:cSld>
+    <p:spTree>
+      <p:nvGrpSpPr>
+        <p:cNvPr id="284" name="Shape 284"/>
+        <p:cNvGrpSpPr/>
+        <p:nvPr/>
+      </p:nvGrpSpPr>
+      <p:grpSpPr>
+        <a:xfrm>
+          <a:off x="0" y="0"/>
+          <a:ext cx="0" cy="0"/>
+          <a:chOff x="0" y="0"/>
+          <a:chExt cx="0" cy="0"/>
+        </a:xfrm>
+      </p:grpSpPr>
+      <p:sp>
+        <p:nvSpPr>
+          <p:cNvPr id="285" name="Google Shape;285;p37"/>
+          <p:cNvSpPr txBox="1"/>
+          <p:nvPr>
+            <p:ph type="title"/>
+          </p:nvPr>
+        </p:nvSpPr>
+        <p:spPr>
+          <a:xfrm>
+            <a:off x="1883259" y="1362250"/>
+            <a:ext cx="5377500" cy="1646100"/>
+          </a:xfrm>
+          <a:prstGeom prst="rect">
+            <a:avLst/>
+          </a:prstGeom>
+        </p:spPr>
+        <p:txBody>
+          <a:bodyPr anchorCtr="0" anchor="ctr" bIns="91425" lIns="91425" spcFirstLastPara="1" rIns="91425" wrap="square" tIns="91425">
+            <a:normAutofit/>
+          </a:bodyPr>
+          <a:lstStyle/>
+          <a:p>
+            <a:pPr indent="0" lvl="0" marL="0" rtl="0" algn="ctr">
+              <a:spcBef>
+                <a:spcPts val="0"/>
+              </a:spcBef>
+              <a:spcAft>
+                <a:spcPts val="0"/>
+              </a:spcAft>
+              <a:buNone/>
+            </a:pPr>
+            <a:r>
+              <a:rPr lang="en"/>
+              <a:t>Scatter Plots Between Two Variables - Correlation &amp; Causation</a:t>
+            </a:r>
+            <a:endParaRPr/>
+          </a:p>
+        </p:txBody>
+      </p:sp>
+      <p:sp>
+        <p:nvSpPr>
+          <p:cNvPr id="286" name="Google Shape;286;p37"/>
+          <p:cNvSpPr txBox="1"/>
+          <p:nvPr/>
+        </p:nvSpPr>
+        <p:spPr>
+          <a:xfrm>
+            <a:off x="2147850" y="3008350"/>
+            <a:ext cx="4746000" cy="400200"/>
+          </a:xfrm>
+          <a:prstGeom prst="rect">
+            <a:avLst/>
+          </a:prstGeom>
+          <a:noFill/>
+          <a:ln>
+            <a:noFill/>
+          </a:ln>
+        </p:spPr>
+        <p:txBody>
+          <a:bodyPr anchorCtr="0" anchor="t" bIns="91425" lIns="91425" spcFirstLastPara="1" rIns="91425" wrap="square" tIns="91425">
+            <a:spAutoFit/>
+          </a:bodyPr>
+          <a:lstStyle/>
+          <a:p>
+            <a:pPr indent="0" lvl="0" marL="0" rtl="0" algn="l">
+              <a:spcBef>
+                <a:spcPts val="0"/>
+              </a:spcBef>
+              <a:spcAft>
+                <a:spcPts val="0"/>
+              </a:spcAft>
+              <a:buNone/>
+            </a:pPr>
+            <a:r>
+              <a:t/>
+            </a:r>
+            <a:endParaRPr b="1">
+              <a:latin typeface="Calibri"/>
+              <a:ea typeface="Calibri"/>
+              <a:cs typeface="Calibri"/>
+              <a:sym typeface="Calibri"/>
+            </a:endParaRPr>
+          </a:p>
+        </p:txBody>
+      </p:sp>
+    </p:spTree>
+  </p:cSld>
+  <p:clrMapOvr>
+    <a:masterClrMapping/>
+  </p:clrMapOvr>
+</p:sld>
+</file>
+
+<file path=ppt/slides/slide26.xml><?xml version="1.0" encoding="utf-8"?>
+<p:sld xmlns:a="http://schemas.openxmlformats.org/drawingml/2006/main" xmlns:r="http://schemas.openxmlformats.org/officeDocument/2006/relationships" xmlns:mc="http://schemas.openxmlformats.org/markup-compatibility/2006" xmlns:mv="urn:schemas-microsoft-com:mac:vml" xmlns:p="http://schemas.openxmlformats.org/presentationml/2006/main" xmlns:c="http://schemas.openxmlformats.org/drawingml/2006/chart" xmlns:dgm="http://schemas.openxmlformats.org/drawingml/2006/diagram" xmlns:o="urn:schemas-microsoft-com:office:office" xmlns:v="urn:schemas-microsoft-com:vml" xmlns:pvml="urn:schemas-microsoft-com:office:powerpoint" xmlns:com="http://schemas.openxmlformats.org/drawingml/2006/compatibility" xmlns:p14="http://schemas.microsoft.com/office/powerpoint/2010/main" xmlns:p15="http://schemas.microsoft.com/office/powerpoint/2012/main" xmlns:ahyp="http://schemas.microsoft.com/office/drawing/2018/hyperlinkcolor">
+  <p:cSld>
+    <p:spTree>
+      <p:nvGrpSpPr>
+        <p:cNvPr id="290" name="Shape 290"/>
+        <p:cNvGrpSpPr/>
+        <p:nvPr/>
+      </p:nvGrpSpPr>
+      <p:grpSpPr>
+        <a:xfrm>
+          <a:off x="0" y="0"/>
+          <a:ext cx="0" cy="0"/>
+          <a:chOff x="0" y="0"/>
+          <a:chExt cx="0" cy="0"/>
+        </a:xfrm>
+      </p:grpSpPr>
+      <p:pic>
+        <p:nvPicPr>
+          <p:cNvPr id="291" name="Google Shape;291;p38"/>
+          <p:cNvPicPr preferRelativeResize="0"/>
+          <p:nvPr/>
+        </p:nvPicPr>
+        <p:blipFill>
+          <a:blip r:embed="rId3">
+            <a:alphaModFix/>
+          </a:blip>
+          <a:stretch>
+            <a:fillRect/>
+          </a:stretch>
+        </p:blipFill>
+        <p:spPr>
+          <a:xfrm>
+            <a:off x="1224576" y="985725"/>
+            <a:ext cx="6395150" cy="3543625"/>
+          </a:xfrm>
+          <a:prstGeom prst="rect">
+            <a:avLst/>
+          </a:prstGeom>
+          <a:noFill/>
+          <a:ln>
+            <a:noFill/>
+          </a:ln>
+        </p:spPr>
+      </p:pic>
+      <p:sp>
+        <p:nvSpPr>
+          <p:cNvPr id="292" name="Google Shape;292;p38"/>
+          <p:cNvSpPr txBox="1"/>
+          <p:nvPr/>
+        </p:nvSpPr>
+        <p:spPr>
+          <a:xfrm>
+            <a:off x="3186150" y="383850"/>
+            <a:ext cx="2472000" cy="492600"/>
+          </a:xfrm>
+          <a:prstGeom prst="rect">
+            <a:avLst/>
+          </a:prstGeom>
+          <a:noFill/>
+          <a:ln>
+            <a:noFill/>
+          </a:ln>
+        </p:spPr>
+        <p:txBody>
+          <a:bodyPr anchorCtr="0" anchor="t" bIns="91425" lIns="91425" spcFirstLastPara="1" rIns="91425" wrap="square" tIns="91425">
+            <a:spAutoFit/>
+          </a:bodyPr>
+          <a:lstStyle/>
+          <a:p>
+            <a:pPr indent="0" lvl="0" marL="0" rtl="0" algn="ctr">
+              <a:spcBef>
+                <a:spcPts val="0"/>
+              </a:spcBef>
+              <a:spcAft>
+                <a:spcPts val="0"/>
+              </a:spcAft>
+              <a:buNone/>
+            </a:pPr>
+            <a:r>
+              <a:rPr lang="en" sz="2000">
+                <a:latin typeface="Calibri"/>
+                <a:ea typeface="Calibri"/>
+                <a:cs typeface="Calibri"/>
+                <a:sym typeface="Calibri"/>
+              </a:rPr>
+              <a:t>Scatter</a:t>
+            </a:r>
+            <a:endParaRPr sz="2000">
+              <a:latin typeface="Calibri"/>
+              <a:ea typeface="Calibri"/>
+              <a:cs typeface="Calibri"/>
+              <a:sym typeface="Calibri"/>
+            </a:endParaRPr>
+          </a:p>
+        </p:txBody>
+      </p:sp>
+    </p:spTree>
+  </p:cSld>
+  <p:clrMapOvr>
+    <a:masterClrMapping/>
+  </p:clrMapOvr>
+</p:sld>
+</file>
+
+<file path=ppt/slides/slide27.xml><?xml version="1.0" encoding="utf-8"?>
+<p:sld xmlns:a="http://schemas.openxmlformats.org/drawingml/2006/main" xmlns:r="http://schemas.openxmlformats.org/officeDocument/2006/relationships" xmlns:mc="http://schemas.openxmlformats.org/markup-compatibility/2006" xmlns:mv="urn:schemas-microsoft-com:mac:vml" xmlns:p="http://schemas.openxmlformats.org/presentationml/2006/main" xmlns:c="http://schemas.openxmlformats.org/drawingml/2006/chart" xmlns:dgm="http://schemas.openxmlformats.org/drawingml/2006/diagram" xmlns:o="urn:schemas-microsoft-com:office:office" xmlns:v="urn:schemas-microsoft-com:vml" xmlns:pvml="urn:schemas-microsoft-com:office:powerpoint" xmlns:com="http://schemas.openxmlformats.org/drawingml/2006/compatibility" xmlns:p14="http://schemas.microsoft.com/office/powerpoint/2010/main" xmlns:p15="http://schemas.microsoft.com/office/powerpoint/2012/main" xmlns:ahyp="http://schemas.microsoft.com/office/drawing/2018/hyperlinkcolor">
+  <p:cSld>
+    <p:spTree>
+      <p:nvGrpSpPr>
+        <p:cNvPr id="296" name="Shape 296"/>
+        <p:cNvGrpSpPr/>
+        <p:nvPr/>
+      </p:nvGrpSpPr>
+      <p:grpSpPr>
+        <a:xfrm>
+          <a:off x="0" y="0"/>
+          <a:ext cx="0" cy="0"/>
+          <a:chOff x="0" y="0"/>
+          <a:chExt cx="0" cy="0"/>
+        </a:xfrm>
+      </p:grpSpPr>
+      <p:sp>
+        <p:nvSpPr>
+          <p:cNvPr id="297" name="Google Shape;297;p39"/>
+          <p:cNvSpPr txBox="1"/>
+          <p:nvPr/>
+        </p:nvSpPr>
+        <p:spPr>
+          <a:xfrm>
+            <a:off x="3186150" y="383850"/>
+            <a:ext cx="2472000" cy="492600"/>
+          </a:xfrm>
+          <a:prstGeom prst="rect">
+            <a:avLst/>
+          </a:prstGeom>
+          <a:noFill/>
+          <a:ln>
+            <a:noFill/>
+          </a:ln>
+        </p:spPr>
+        <p:txBody>
+          <a:bodyPr anchorCtr="0" anchor="t" bIns="91425" lIns="91425" spcFirstLastPara="1" rIns="91425" wrap="square" tIns="91425">
+            <a:spAutoFit/>
+          </a:bodyPr>
+          <a:lstStyle/>
+          <a:p>
+            <a:pPr indent="0" lvl="0" marL="0" rtl="0" algn="ctr">
+              <a:spcBef>
+                <a:spcPts val="0"/>
+              </a:spcBef>
+              <a:spcAft>
+                <a:spcPts val="0"/>
+              </a:spcAft>
+              <a:buNone/>
+            </a:pPr>
+            <a:r>
+              <a:rPr lang="en" sz="2000">
+                <a:latin typeface="Calibri"/>
+                <a:ea typeface="Calibri"/>
+                <a:cs typeface="Calibri"/>
+                <a:sym typeface="Calibri"/>
+              </a:rPr>
+              <a:t>Jitter</a:t>
+            </a:r>
+            <a:endParaRPr sz="2000">
+              <a:latin typeface="Calibri"/>
+              <a:ea typeface="Calibri"/>
+              <a:cs typeface="Calibri"/>
+              <a:sym typeface="Calibri"/>
+            </a:endParaRPr>
+          </a:p>
+        </p:txBody>
+      </p:sp>
+      <p:pic>
+        <p:nvPicPr>
+          <p:cNvPr id="298" name="Google Shape;298;p39"/>
+          <p:cNvPicPr preferRelativeResize="0"/>
+          <p:nvPr/>
+        </p:nvPicPr>
+        <p:blipFill>
+          <a:blip r:embed="rId3">
+            <a:alphaModFix/>
+          </a:blip>
+          <a:stretch>
+            <a:fillRect/>
+          </a:stretch>
+        </p:blipFill>
+        <p:spPr>
+          <a:xfrm>
+            <a:off x="1131263" y="967425"/>
+            <a:ext cx="6581775" cy="3514725"/>
+          </a:xfrm>
+          <a:prstGeom prst="rect">
+            <a:avLst/>
+          </a:prstGeom>
+          <a:noFill/>
+          <a:ln>
+            <a:noFill/>
+          </a:ln>
+        </p:spPr>
+      </p:pic>
+    </p:spTree>
+  </p:cSld>
+  <p:clrMapOvr>
+    <a:masterClrMapping/>
+  </p:clrMapOvr>
+</p:sld>
+</file>
+
+<file path=ppt/slides/slide28.xml><?xml version="1.0" encoding="utf-8"?>
+<p:sld xmlns:a="http://schemas.openxmlformats.org/drawingml/2006/main" xmlns:r="http://schemas.openxmlformats.org/officeDocument/2006/relationships" xmlns:mc="http://schemas.openxmlformats.org/markup-compatibility/2006" xmlns:mv="urn:schemas-microsoft-com:mac:vml" xmlns:p="http://schemas.openxmlformats.org/presentationml/2006/main" xmlns:c="http://schemas.openxmlformats.org/drawingml/2006/chart" xmlns:dgm="http://schemas.openxmlformats.org/drawingml/2006/diagram" xmlns:o="urn:schemas-microsoft-com:office:office" xmlns:v="urn:schemas-microsoft-com:vml" xmlns:pvml="urn:schemas-microsoft-com:office:powerpoint" xmlns:com="http://schemas.openxmlformats.org/drawingml/2006/compatibility" xmlns:p14="http://schemas.microsoft.com/office/powerpoint/2010/main" xmlns:p15="http://schemas.microsoft.com/office/powerpoint/2012/main" xmlns:ahyp="http://schemas.microsoft.com/office/drawing/2018/hyperlinkcolor">
+  <p:cSld>
+    <p:spTree>
+      <p:nvGrpSpPr>
+        <p:cNvPr id="302" name="Shape 302"/>
+        <p:cNvGrpSpPr/>
+        <p:nvPr/>
+      </p:nvGrpSpPr>
+      <p:grpSpPr>
+        <a:xfrm>
+          <a:off x="0" y="0"/>
+          <a:ext cx="0" cy="0"/>
+          <a:chOff x="0" y="0"/>
+          <a:chExt cx="0" cy="0"/>
+        </a:xfrm>
+      </p:grpSpPr>
+      <p:sp>
+        <p:nvSpPr>
+          <p:cNvPr id="303" name="Google Shape;303;p40"/>
+          <p:cNvSpPr txBox="1"/>
+          <p:nvPr>
+            <p:ph type="title"/>
+          </p:nvPr>
+        </p:nvSpPr>
+        <p:spPr>
+          <a:xfrm>
+            <a:off x="819150" y="845600"/>
+            <a:ext cx="7505700" cy="954600"/>
+          </a:xfrm>
+          <a:prstGeom prst="rect">
+            <a:avLst/>
+          </a:prstGeom>
+        </p:spPr>
+        <p:txBody>
+          <a:bodyPr anchorCtr="0" anchor="t" bIns="91425" lIns="91425" spcFirstLastPara="1" rIns="91425" wrap="square" tIns="91425">
+            <a:normAutofit/>
+          </a:bodyPr>
+          <a:lstStyle/>
+          <a:p>
+            <a:pPr indent="0" lvl="0" marL="0" rtl="0" algn="l">
+              <a:spcBef>
+                <a:spcPts val="0"/>
+              </a:spcBef>
+              <a:spcAft>
+                <a:spcPts val="0"/>
+              </a:spcAft>
+              <a:buNone/>
+            </a:pPr>
+            <a:r>
+              <a:rPr lang="en"/>
+              <a:t>Analysis of Scatter Plots</a:t>
+            </a:r>
+            <a:endParaRPr/>
+          </a:p>
+        </p:txBody>
+      </p:sp>
+      <p:sp>
+        <p:nvSpPr>
+          <p:cNvPr id="304" name="Google Shape;304;p40"/>
+          <p:cNvSpPr txBox="1"/>
+          <p:nvPr>
+            <p:ph idx="1" type="body"/>
+          </p:nvPr>
+        </p:nvSpPr>
+        <p:spPr>
+          <a:xfrm>
+            <a:off x="819150" y="1591525"/>
+            <a:ext cx="4232100" cy="1602000"/>
+          </a:xfrm>
+          <a:prstGeom prst="rect">
+            <a:avLst/>
+          </a:prstGeom>
+        </p:spPr>
+        <p:txBody>
+          <a:bodyPr anchorCtr="0" anchor="t" bIns="91425" lIns="91425" spcFirstLastPara="1" rIns="91425" wrap="square" tIns="91425">
+            <a:noAutofit/>
+          </a:bodyPr>
+          <a:lstStyle/>
+          <a:p>
+            <a:pPr indent="0" lvl="0" marL="0" rtl="0" algn="l">
+              <a:lnSpc>
+                <a:spcPct val="95000"/>
+              </a:lnSpc>
+              <a:spcBef>
+                <a:spcPts val="0"/>
+              </a:spcBef>
+              <a:spcAft>
+                <a:spcPts val="1200"/>
+              </a:spcAft>
+              <a:buNone/>
+            </a:pPr>
+            <a:r>
+              <a:rPr lang="en" sz="1400"/>
+              <a:t>From initial exploration of the scatter plot between Age and Yearly Income (Salary), there appears to be a positive relationship meaning as the age of an employee increases, their yearly income increases as well (i.e. they start to make more money). The relationship also appears to be linear, as it doesn't seem like any other specific function would fit to the data better than a straight line. </a:t>
+            </a:r>
+            <a:endParaRPr sz="1400"/>
+          </a:p>
+        </p:txBody>
+      </p:sp>
+      <p:sp>
+        <p:nvSpPr>
+          <p:cNvPr id="305" name="Google Shape;305;p40"/>
+          <p:cNvSpPr txBox="1"/>
+          <p:nvPr/>
+        </p:nvSpPr>
+        <p:spPr>
+          <a:xfrm>
+            <a:off x="819150" y="3454600"/>
+            <a:ext cx="3945900" cy="831300"/>
+          </a:xfrm>
+          <a:prstGeom prst="rect">
+            <a:avLst/>
+          </a:prstGeom>
+          <a:noFill/>
+          <a:ln>
+            <a:noFill/>
+          </a:ln>
+        </p:spPr>
+        <p:txBody>
+          <a:bodyPr anchorCtr="0" anchor="t" bIns="91425" lIns="91425" spcFirstLastPara="1" rIns="91425" wrap="square" tIns="91425">
+            <a:spAutoFit/>
+          </a:bodyPr>
+          <a:lstStyle/>
+          <a:p>
+            <a:pPr indent="0" lvl="0" marL="0" rtl="0" algn="l">
+              <a:spcBef>
+                <a:spcPts val="0"/>
+              </a:spcBef>
+              <a:spcAft>
+                <a:spcPts val="0"/>
+              </a:spcAft>
+              <a:buNone/>
+            </a:pPr>
+            <a:r>
+              <a:rPr lang="en">
+                <a:latin typeface="Calibri"/>
+                <a:ea typeface="Calibri"/>
+                <a:cs typeface="Calibri"/>
+                <a:sym typeface="Calibri"/>
+              </a:rPr>
+              <a:t>The correlation of Age &amp; Yearly Income (salary) is about 0.47, which is a moderately positive correlation.</a:t>
+            </a:r>
+            <a:endParaRPr>
+              <a:latin typeface="Calibri"/>
+              <a:ea typeface="Calibri"/>
+              <a:cs typeface="Calibri"/>
+              <a:sym typeface="Calibri"/>
+            </a:endParaRPr>
+          </a:p>
+        </p:txBody>
+      </p:sp>
+      <p:pic>
+        <p:nvPicPr>
+          <p:cNvPr id="306" name="Google Shape;306;p40"/>
+          <p:cNvPicPr preferRelativeResize="0"/>
+          <p:nvPr/>
+        </p:nvPicPr>
+        <p:blipFill>
+          <a:blip r:embed="rId3">
+            <a:alphaModFix/>
+          </a:blip>
+          <a:stretch>
+            <a:fillRect/>
+          </a:stretch>
+        </p:blipFill>
+        <p:spPr>
+          <a:xfrm>
+            <a:off x="5219025" y="2119313"/>
+            <a:ext cx="3571875" cy="904875"/>
+          </a:xfrm>
+          <a:prstGeom prst="rect">
+            <a:avLst/>
+          </a:prstGeom>
+          <a:noFill/>
+          <a:ln>
+            <a:noFill/>
+          </a:ln>
+        </p:spPr>
+      </p:pic>
+    </p:spTree>
+  </p:cSld>
+  <p:clrMapOvr>
+    <a:masterClrMapping/>
+  </p:clrMapOvr>
+</p:sld>
+</file>
+
+<file path=ppt/slides/slide29.xml><?xml version="1.0" encoding="utf-8"?>
+<p:sld xmlns:a="http://schemas.openxmlformats.org/drawingml/2006/main" xmlns:r="http://schemas.openxmlformats.org/officeDocument/2006/relationships" xmlns:mc="http://schemas.openxmlformats.org/markup-compatibility/2006" xmlns:mv="urn:schemas-microsoft-com:mac:vml" xmlns:p="http://schemas.openxmlformats.org/presentationml/2006/main" xmlns:c="http://schemas.openxmlformats.org/drawingml/2006/chart" xmlns:dgm="http://schemas.openxmlformats.org/drawingml/2006/diagram" xmlns:o="urn:schemas-microsoft-com:office:office" xmlns:v="urn:schemas-microsoft-com:vml" xmlns:pvml="urn:schemas-microsoft-com:office:powerpoint" xmlns:com="http://schemas.openxmlformats.org/drawingml/2006/compatibility" xmlns:p14="http://schemas.microsoft.com/office/powerpoint/2010/main" xmlns:p15="http://schemas.microsoft.com/office/powerpoint/2012/main" xmlns:ahyp="http://schemas.microsoft.com/office/drawing/2018/hyperlinkcolor">
+  <p:cSld>
+    <p:spTree>
+      <p:nvGrpSpPr>
+        <p:cNvPr id="310" name="Shape 310"/>
+        <p:cNvGrpSpPr/>
+        <p:nvPr/>
+      </p:nvGrpSpPr>
+      <p:grpSpPr>
+        <a:xfrm>
+          <a:off x="0" y="0"/>
+          <a:ext cx="0" cy="0"/>
+          <a:chOff x="0" y="0"/>
+          <a:chExt cx="0" cy="0"/>
+        </a:xfrm>
+      </p:grpSpPr>
+      <p:sp>
+        <p:nvSpPr>
+          <p:cNvPr id="311" name="Google Shape;311;p41"/>
+          <p:cNvSpPr txBox="1"/>
+          <p:nvPr>
+            <p:ph type="title"/>
+          </p:nvPr>
+        </p:nvSpPr>
+        <p:spPr>
+          <a:xfrm>
+            <a:off x="819150" y="845600"/>
+            <a:ext cx="7505700" cy="954600"/>
+          </a:xfrm>
+          <a:prstGeom prst="rect">
+            <a:avLst/>
+          </a:prstGeom>
+        </p:spPr>
+        <p:txBody>
+          <a:bodyPr anchorCtr="0" anchor="t" bIns="91425" lIns="91425" spcFirstLastPara="1" rIns="91425" wrap="square" tIns="91425">
+            <a:normAutofit/>
+          </a:bodyPr>
+          <a:lstStyle/>
+          <a:p>
+            <a:pPr indent="0" lvl="0" marL="0" rtl="0" algn="l">
+              <a:spcBef>
+                <a:spcPts val="0"/>
+              </a:spcBef>
+              <a:spcAft>
+                <a:spcPts val="0"/>
+              </a:spcAft>
+              <a:buNone/>
+            </a:pPr>
+            <a:r>
+              <a:rPr lang="en"/>
+              <a:t>Covariance &amp; Spearman’s Rank</a:t>
+            </a:r>
+            <a:endParaRPr/>
+          </a:p>
+        </p:txBody>
+      </p:sp>
+      <p:pic>
+        <p:nvPicPr>
+          <p:cNvPr id="312" name="Google Shape;312;p41"/>
+          <p:cNvPicPr preferRelativeResize="0"/>
+          <p:nvPr/>
+        </p:nvPicPr>
+        <p:blipFill>
+          <a:blip r:embed="rId3">
+            <a:alphaModFix/>
+          </a:blip>
+          <a:stretch>
+            <a:fillRect/>
+          </a:stretch>
+        </p:blipFill>
+        <p:spPr>
+          <a:xfrm>
+            <a:off x="513560" y="1800200"/>
+            <a:ext cx="8116879" cy="954600"/>
+          </a:xfrm>
+          <a:prstGeom prst="rect">
+            <a:avLst/>
+          </a:prstGeom>
+          <a:noFill/>
+          <a:ln>
+            <a:noFill/>
+          </a:ln>
+        </p:spPr>
+      </p:pic>
+      <p:pic>
+        <p:nvPicPr>
+          <p:cNvPr id="313" name="Google Shape;313;p41"/>
+          <p:cNvPicPr preferRelativeResize="0"/>
+          <p:nvPr/>
+        </p:nvPicPr>
+        <p:blipFill>
+          <a:blip r:embed="rId4">
+            <a:alphaModFix/>
+          </a:blip>
+          <a:stretch>
+            <a:fillRect/>
+          </a:stretch>
+        </p:blipFill>
+        <p:spPr>
+          <a:xfrm>
+            <a:off x="513550" y="2974425"/>
+            <a:ext cx="8299524" cy="1033950"/>
+          </a:xfrm>
+          <a:prstGeom prst="rect">
+            <a:avLst/>
+          </a:prstGeom>
+          <a:noFill/>
+          <a:ln>
+            <a:noFill/>
+          </a:ln>
+        </p:spPr>
+      </p:pic>
     </p:spTree>
   </p:cSld>
   <p:clrMapOvr>
@@ -10117,6 +15804,1060 @@
 </p:sld>
 </file>
 
+<file path=ppt/slides/slide30.xml><?xml version="1.0" encoding="utf-8"?>
+<p:sld xmlns:a="http://schemas.openxmlformats.org/drawingml/2006/main" xmlns:r="http://schemas.openxmlformats.org/officeDocument/2006/relationships" xmlns:mc="http://schemas.openxmlformats.org/markup-compatibility/2006" xmlns:mv="urn:schemas-microsoft-com:mac:vml" xmlns:p="http://schemas.openxmlformats.org/presentationml/2006/main" xmlns:c="http://schemas.openxmlformats.org/drawingml/2006/chart" xmlns:dgm="http://schemas.openxmlformats.org/drawingml/2006/diagram" xmlns:o="urn:schemas-microsoft-com:office:office" xmlns:v="urn:schemas-microsoft-com:vml" xmlns:pvml="urn:schemas-microsoft-com:office:powerpoint" xmlns:com="http://schemas.openxmlformats.org/drawingml/2006/compatibility" xmlns:p14="http://schemas.microsoft.com/office/powerpoint/2010/main" xmlns:p15="http://schemas.microsoft.com/office/powerpoint/2012/main" xmlns:ahyp="http://schemas.microsoft.com/office/drawing/2018/hyperlinkcolor">
+  <p:cSld>
+    <p:spTree>
+      <p:nvGrpSpPr>
+        <p:cNvPr id="317" name="Shape 317"/>
+        <p:cNvGrpSpPr/>
+        <p:nvPr/>
+      </p:nvGrpSpPr>
+      <p:grpSpPr>
+        <a:xfrm>
+          <a:off x="0" y="0"/>
+          <a:ext cx="0" cy="0"/>
+          <a:chOff x="0" y="0"/>
+          <a:chExt cx="0" cy="0"/>
+        </a:xfrm>
+      </p:grpSpPr>
+      <p:sp>
+        <p:nvSpPr>
+          <p:cNvPr id="318" name="Google Shape;318;p42"/>
+          <p:cNvSpPr txBox="1"/>
+          <p:nvPr>
+            <p:ph type="title"/>
+          </p:nvPr>
+        </p:nvSpPr>
+        <p:spPr>
+          <a:xfrm>
+            <a:off x="819150" y="845600"/>
+            <a:ext cx="7505700" cy="954600"/>
+          </a:xfrm>
+          <a:prstGeom prst="rect">
+            <a:avLst/>
+          </a:prstGeom>
+        </p:spPr>
+        <p:txBody>
+          <a:bodyPr anchorCtr="0" anchor="t" bIns="91425" lIns="91425" spcFirstLastPara="1" rIns="91425" wrap="square" tIns="91425">
+            <a:normAutofit/>
+          </a:bodyPr>
+          <a:lstStyle/>
+          <a:p>
+            <a:pPr indent="0" lvl="0" marL="0" rtl="0" algn="l">
+              <a:spcBef>
+                <a:spcPts val="0"/>
+              </a:spcBef>
+              <a:spcAft>
+                <a:spcPts val="0"/>
+              </a:spcAft>
+              <a:buNone/>
+            </a:pPr>
+            <a:r>
+              <a:rPr lang="en"/>
+              <a:t>Assessment of Correlation vs. Causation</a:t>
+            </a:r>
+            <a:endParaRPr/>
+          </a:p>
+        </p:txBody>
+      </p:sp>
+      <p:sp>
+        <p:nvSpPr>
+          <p:cNvPr id="319" name="Google Shape;319;p42"/>
+          <p:cNvSpPr txBox="1"/>
+          <p:nvPr/>
+        </p:nvSpPr>
+        <p:spPr>
+          <a:xfrm>
+            <a:off x="854850" y="1612150"/>
+            <a:ext cx="7434300" cy="1662300"/>
+          </a:xfrm>
+          <a:prstGeom prst="rect">
+            <a:avLst/>
+          </a:prstGeom>
+          <a:noFill/>
+          <a:ln>
+            <a:noFill/>
+          </a:ln>
+        </p:spPr>
+        <p:txBody>
+          <a:bodyPr anchorCtr="0" anchor="t" bIns="91425" lIns="91425" spcFirstLastPara="1" rIns="91425" wrap="square" tIns="91425">
+            <a:spAutoFit/>
+          </a:bodyPr>
+          <a:lstStyle/>
+          <a:p>
+            <a:pPr indent="0" lvl="0" marL="0" rtl="0" algn="l">
+              <a:spcBef>
+                <a:spcPts val="0"/>
+              </a:spcBef>
+              <a:spcAft>
+                <a:spcPts val="0"/>
+              </a:spcAft>
+              <a:buNone/>
+            </a:pPr>
+            <a:r>
+              <a:rPr lang="en" sz="1600">
+                <a:latin typeface="Calibri"/>
+                <a:ea typeface="Calibri"/>
+                <a:cs typeface="Calibri"/>
+                <a:sym typeface="Calibri"/>
+              </a:rPr>
+              <a:t>In terms of the relationship between Age &amp; Yearly Income, even though we witnessed a positive relationship between the two variables, I definitely think there other factors that cause both Age and Salary, such as years of experience, role at a company, etc. An employee's salary is highly dependent on many factors about an individual and their work performance, but age definitely does have an impact since it aligns with knowledge and expertise and years that one is actually able to work.</a:t>
+            </a:r>
+            <a:endParaRPr sz="1700">
+              <a:latin typeface="Calibri"/>
+              <a:ea typeface="Calibri"/>
+              <a:cs typeface="Calibri"/>
+              <a:sym typeface="Calibri"/>
+            </a:endParaRPr>
+          </a:p>
+        </p:txBody>
+      </p:sp>
+    </p:spTree>
+  </p:cSld>
+  <p:clrMapOvr>
+    <a:masterClrMapping/>
+  </p:clrMapOvr>
+</p:sld>
+</file>
+
+<file path=ppt/slides/slide31.xml><?xml version="1.0" encoding="utf-8"?>
+<p:sld xmlns:a="http://schemas.openxmlformats.org/drawingml/2006/main" xmlns:r="http://schemas.openxmlformats.org/officeDocument/2006/relationships" xmlns:mc="http://schemas.openxmlformats.org/markup-compatibility/2006" xmlns:mv="urn:schemas-microsoft-com:mac:vml" xmlns:p="http://schemas.openxmlformats.org/presentationml/2006/main" xmlns:c="http://schemas.openxmlformats.org/drawingml/2006/chart" xmlns:dgm="http://schemas.openxmlformats.org/drawingml/2006/diagram" xmlns:o="urn:schemas-microsoft-com:office:office" xmlns:v="urn:schemas-microsoft-com:vml" xmlns:pvml="urn:schemas-microsoft-com:office:powerpoint" xmlns:com="http://schemas.openxmlformats.org/drawingml/2006/compatibility" xmlns:p14="http://schemas.microsoft.com/office/powerpoint/2010/main" xmlns:p15="http://schemas.microsoft.com/office/powerpoint/2012/main" xmlns:ahyp="http://schemas.microsoft.com/office/drawing/2018/hyperlinkcolor">
+  <p:cSld>
+    <p:spTree>
+      <p:nvGrpSpPr>
+        <p:cNvPr id="323" name="Shape 323"/>
+        <p:cNvGrpSpPr/>
+        <p:nvPr/>
+      </p:nvGrpSpPr>
+      <p:grpSpPr>
+        <a:xfrm>
+          <a:off x="0" y="0"/>
+          <a:ext cx="0" cy="0"/>
+          <a:chOff x="0" y="0"/>
+          <a:chExt cx="0" cy="0"/>
+        </a:xfrm>
+      </p:grpSpPr>
+      <p:sp>
+        <p:nvSpPr>
+          <p:cNvPr id="324" name="Google Shape;324;p43"/>
+          <p:cNvSpPr txBox="1"/>
+          <p:nvPr>
+            <p:ph type="title"/>
+          </p:nvPr>
+        </p:nvSpPr>
+        <p:spPr>
+          <a:xfrm>
+            <a:off x="1832109" y="925650"/>
+            <a:ext cx="5377500" cy="1646100"/>
+          </a:xfrm>
+          <a:prstGeom prst="rect">
+            <a:avLst/>
+          </a:prstGeom>
+        </p:spPr>
+        <p:txBody>
+          <a:bodyPr anchorCtr="0" anchor="ctr" bIns="91425" lIns="91425" spcFirstLastPara="1" rIns="91425" wrap="square" tIns="91425">
+            <a:normAutofit/>
+          </a:bodyPr>
+          <a:lstStyle/>
+          <a:p>
+            <a:pPr indent="0" lvl="0" marL="0" rtl="0" algn="ctr">
+              <a:spcBef>
+                <a:spcPts val="0"/>
+              </a:spcBef>
+              <a:spcAft>
+                <a:spcPts val="0"/>
+              </a:spcAft>
+              <a:buNone/>
+            </a:pPr>
+            <a:r>
+              <a:rPr lang="en"/>
+              <a:t>Hypothesis Testing</a:t>
+            </a:r>
+            <a:endParaRPr/>
+          </a:p>
+        </p:txBody>
+      </p:sp>
+      <p:sp>
+        <p:nvSpPr>
+          <p:cNvPr id="325" name="Google Shape;325;p43"/>
+          <p:cNvSpPr txBox="1"/>
+          <p:nvPr/>
+        </p:nvSpPr>
+        <p:spPr>
+          <a:xfrm>
+            <a:off x="2147850" y="3008350"/>
+            <a:ext cx="4746000" cy="400200"/>
+          </a:xfrm>
+          <a:prstGeom prst="rect">
+            <a:avLst/>
+          </a:prstGeom>
+          <a:noFill/>
+          <a:ln>
+            <a:noFill/>
+          </a:ln>
+        </p:spPr>
+        <p:txBody>
+          <a:bodyPr anchorCtr="0" anchor="t" bIns="91425" lIns="91425" spcFirstLastPara="1" rIns="91425" wrap="square" tIns="91425">
+            <a:spAutoFit/>
+          </a:bodyPr>
+          <a:lstStyle/>
+          <a:p>
+            <a:pPr indent="0" lvl="0" marL="0" rtl="0" algn="l">
+              <a:spcBef>
+                <a:spcPts val="0"/>
+              </a:spcBef>
+              <a:spcAft>
+                <a:spcPts val="0"/>
+              </a:spcAft>
+              <a:buNone/>
+            </a:pPr>
+            <a:r>
+              <a:t/>
+            </a:r>
+            <a:endParaRPr b="1">
+              <a:latin typeface="Calibri"/>
+              <a:ea typeface="Calibri"/>
+              <a:cs typeface="Calibri"/>
+              <a:sym typeface="Calibri"/>
+            </a:endParaRPr>
+          </a:p>
+        </p:txBody>
+      </p:sp>
+      <p:sp>
+        <p:nvSpPr>
+          <p:cNvPr id="326" name="Google Shape;326;p43"/>
+          <p:cNvSpPr txBox="1"/>
+          <p:nvPr/>
+        </p:nvSpPr>
+        <p:spPr>
+          <a:xfrm>
+            <a:off x="2241675" y="2088125"/>
+            <a:ext cx="4836300" cy="1693200"/>
+          </a:xfrm>
+          <a:prstGeom prst="rect">
+            <a:avLst/>
+          </a:prstGeom>
+          <a:noFill/>
+          <a:ln>
+            <a:noFill/>
+          </a:ln>
+        </p:spPr>
+        <p:txBody>
+          <a:bodyPr anchorCtr="0" anchor="t" bIns="91425" lIns="91425" spcFirstLastPara="1" rIns="91425" wrap="square" tIns="91425">
+            <a:spAutoFit/>
+          </a:bodyPr>
+          <a:lstStyle/>
+          <a:p>
+            <a:pPr indent="0" lvl="0" marL="0" rtl="0" algn="l">
+              <a:spcBef>
+                <a:spcPts val="0"/>
+              </a:spcBef>
+              <a:spcAft>
+                <a:spcPts val="0"/>
+              </a:spcAft>
+              <a:buNone/>
+            </a:pPr>
+            <a:r>
+              <a:rPr b="1" lang="en">
+                <a:latin typeface="Calibri"/>
+                <a:ea typeface="Calibri"/>
+                <a:cs typeface="Calibri"/>
+                <a:sym typeface="Calibri"/>
+              </a:rPr>
+              <a:t>I want to investigate/test the difference in mean yearly income (salary) that we see between the employees that left the company and the employees that stayed. </a:t>
+            </a:r>
+            <a:endParaRPr b="1">
+              <a:latin typeface="Calibri"/>
+              <a:ea typeface="Calibri"/>
+              <a:cs typeface="Calibri"/>
+              <a:sym typeface="Calibri"/>
+            </a:endParaRPr>
+          </a:p>
+          <a:p>
+            <a:pPr indent="0" lvl="0" marL="0" rtl="0" algn="l">
+              <a:spcBef>
+                <a:spcPts val="0"/>
+              </a:spcBef>
+              <a:spcAft>
+                <a:spcPts val="0"/>
+              </a:spcAft>
+              <a:buNone/>
+            </a:pPr>
+            <a:r>
+              <a:t/>
+            </a:r>
+            <a:endParaRPr b="1">
+              <a:latin typeface="Calibri"/>
+              <a:ea typeface="Calibri"/>
+              <a:cs typeface="Calibri"/>
+              <a:sym typeface="Calibri"/>
+            </a:endParaRPr>
+          </a:p>
+          <a:p>
+            <a:pPr indent="0" lvl="0" marL="0" rtl="0" algn="l">
+              <a:spcBef>
+                <a:spcPts val="0"/>
+              </a:spcBef>
+              <a:spcAft>
+                <a:spcPts val="0"/>
+              </a:spcAft>
+              <a:buNone/>
+            </a:pPr>
+            <a:r>
+              <a:rPr b="1" lang="en">
+                <a:latin typeface="Calibri"/>
+                <a:ea typeface="Calibri"/>
+                <a:cs typeface="Calibri"/>
+                <a:sym typeface="Calibri"/>
+              </a:rPr>
+              <a:t>I want to know if that effect reflects a real difference for employees in the U.S., or if it might appear in the sample by chance. </a:t>
+            </a:r>
+            <a:endParaRPr b="1">
+              <a:latin typeface="Calibri"/>
+              <a:ea typeface="Calibri"/>
+              <a:cs typeface="Calibri"/>
+              <a:sym typeface="Calibri"/>
+            </a:endParaRPr>
+          </a:p>
+        </p:txBody>
+      </p:sp>
+    </p:spTree>
+  </p:cSld>
+  <p:clrMapOvr>
+    <a:masterClrMapping/>
+  </p:clrMapOvr>
+</p:sld>
+</file>
+
+<file path=ppt/slides/slide32.xml><?xml version="1.0" encoding="utf-8"?>
+<p:sld xmlns:a="http://schemas.openxmlformats.org/drawingml/2006/main" xmlns:r="http://schemas.openxmlformats.org/officeDocument/2006/relationships" xmlns:mc="http://schemas.openxmlformats.org/markup-compatibility/2006" xmlns:mv="urn:schemas-microsoft-com:mac:vml" xmlns:p="http://schemas.openxmlformats.org/presentationml/2006/main" xmlns:c="http://schemas.openxmlformats.org/drawingml/2006/chart" xmlns:dgm="http://schemas.openxmlformats.org/drawingml/2006/diagram" xmlns:o="urn:schemas-microsoft-com:office:office" xmlns:v="urn:schemas-microsoft-com:vml" xmlns:pvml="urn:schemas-microsoft-com:office:powerpoint" xmlns:com="http://schemas.openxmlformats.org/drawingml/2006/compatibility" xmlns:p14="http://schemas.microsoft.com/office/powerpoint/2010/main" xmlns:p15="http://schemas.microsoft.com/office/powerpoint/2012/main" xmlns:ahyp="http://schemas.microsoft.com/office/drawing/2018/hyperlinkcolor">
+  <p:cSld>
+    <p:spTree>
+      <p:nvGrpSpPr>
+        <p:cNvPr id="330" name="Shape 330"/>
+        <p:cNvGrpSpPr/>
+        <p:nvPr/>
+      </p:nvGrpSpPr>
+      <p:grpSpPr>
+        <a:xfrm>
+          <a:off x="0" y="0"/>
+          <a:ext cx="0" cy="0"/>
+          <a:chOff x="0" y="0"/>
+          <a:chExt cx="0" cy="0"/>
+        </a:xfrm>
+      </p:grpSpPr>
+      <p:pic>
+        <p:nvPicPr>
+          <p:cNvPr id="331" name="Google Shape;331;p44"/>
+          <p:cNvPicPr preferRelativeResize="0"/>
+          <p:nvPr/>
+        </p:nvPicPr>
+        <p:blipFill>
+          <a:blip r:embed="rId3">
+            <a:alphaModFix/>
+          </a:blip>
+          <a:stretch>
+            <a:fillRect/>
+          </a:stretch>
+        </p:blipFill>
+        <p:spPr>
+          <a:xfrm>
+            <a:off x="336650" y="1611025"/>
+            <a:ext cx="8307498" cy="1080525"/>
+          </a:xfrm>
+          <a:prstGeom prst="rect">
+            <a:avLst/>
+          </a:prstGeom>
+          <a:noFill/>
+          <a:ln>
+            <a:noFill/>
+          </a:ln>
+        </p:spPr>
+      </p:pic>
+      <p:sp>
+        <p:nvSpPr>
+          <p:cNvPr id="332" name="Google Shape;332;p44"/>
+          <p:cNvSpPr txBox="1"/>
+          <p:nvPr/>
+        </p:nvSpPr>
+        <p:spPr>
+          <a:xfrm>
+            <a:off x="506675" y="2825075"/>
+            <a:ext cx="8137500" cy="923400"/>
+          </a:xfrm>
+          <a:prstGeom prst="rect">
+            <a:avLst/>
+          </a:prstGeom>
+          <a:noFill/>
+          <a:ln>
+            <a:noFill/>
+          </a:ln>
+        </p:spPr>
+        <p:txBody>
+          <a:bodyPr anchorCtr="0" anchor="t" bIns="91425" lIns="91425" spcFirstLastPara="1" rIns="91425" wrap="square" tIns="91425">
+            <a:spAutoFit/>
+          </a:bodyPr>
+          <a:lstStyle/>
+          <a:p>
+            <a:pPr indent="0" lvl="0" marL="0" rtl="0" algn="l">
+              <a:spcBef>
+                <a:spcPts val="0"/>
+              </a:spcBef>
+              <a:spcAft>
+                <a:spcPts val="0"/>
+              </a:spcAft>
+              <a:buNone/>
+            </a:pPr>
+            <a:r>
+              <a:rPr lang="en" sz="1600">
+                <a:latin typeface="Calibri"/>
+                <a:ea typeface="Calibri"/>
+                <a:cs typeface="Calibri"/>
+                <a:sym typeface="Calibri"/>
+              </a:rPr>
+              <a:t>The p-value is equal to 0.0, which is less than both of the statistically significant values of 0.05 and 0.01, which means that it is plausible that the observed difference in mean yearly income is not just the result of random sampling. We could generalize it to the population. </a:t>
+            </a:r>
+            <a:endParaRPr sz="1600">
+              <a:latin typeface="Calibri"/>
+              <a:ea typeface="Calibri"/>
+              <a:cs typeface="Calibri"/>
+              <a:sym typeface="Calibri"/>
+            </a:endParaRPr>
+          </a:p>
+        </p:txBody>
+      </p:sp>
+    </p:spTree>
+  </p:cSld>
+  <p:clrMapOvr>
+    <a:masterClrMapping/>
+  </p:clrMapOvr>
+</p:sld>
+</file>
+
+<file path=ppt/slides/slide33.xml><?xml version="1.0" encoding="utf-8"?>
+<p:sld xmlns:a="http://schemas.openxmlformats.org/drawingml/2006/main" xmlns:r="http://schemas.openxmlformats.org/officeDocument/2006/relationships" xmlns:mc="http://schemas.openxmlformats.org/markup-compatibility/2006" xmlns:mv="urn:schemas-microsoft-com:mac:vml" xmlns:p="http://schemas.openxmlformats.org/presentationml/2006/main" xmlns:c="http://schemas.openxmlformats.org/drawingml/2006/chart" xmlns:dgm="http://schemas.openxmlformats.org/drawingml/2006/diagram" xmlns:o="urn:schemas-microsoft-com:office:office" xmlns:v="urn:schemas-microsoft-com:vml" xmlns:pvml="urn:schemas-microsoft-com:office:powerpoint" xmlns:com="http://schemas.openxmlformats.org/drawingml/2006/compatibility" xmlns:p14="http://schemas.microsoft.com/office/powerpoint/2010/main" xmlns:p15="http://schemas.microsoft.com/office/powerpoint/2012/main" xmlns:ahyp="http://schemas.microsoft.com/office/drawing/2018/hyperlinkcolor">
+  <p:cSld>
+    <p:spTree>
+      <p:nvGrpSpPr>
+        <p:cNvPr id="336" name="Shape 336"/>
+        <p:cNvGrpSpPr/>
+        <p:nvPr/>
+      </p:nvGrpSpPr>
+      <p:grpSpPr>
+        <a:xfrm>
+          <a:off x="0" y="0"/>
+          <a:ext cx="0" cy="0"/>
+          <a:chOff x="0" y="0"/>
+          <a:chExt cx="0" cy="0"/>
+        </a:xfrm>
+      </p:grpSpPr>
+      <p:sp>
+        <p:nvSpPr>
+          <p:cNvPr id="337" name="Google Shape;337;p45"/>
+          <p:cNvSpPr txBox="1"/>
+          <p:nvPr/>
+        </p:nvSpPr>
+        <p:spPr>
+          <a:xfrm>
+            <a:off x="429900" y="353125"/>
+            <a:ext cx="5020800" cy="1262100"/>
+          </a:xfrm>
+          <a:prstGeom prst="rect">
+            <a:avLst/>
+          </a:prstGeom>
+          <a:noFill/>
+          <a:ln>
+            <a:noFill/>
+          </a:ln>
+        </p:spPr>
+        <p:txBody>
+          <a:bodyPr anchorCtr="0" anchor="t" bIns="91425" lIns="91425" spcFirstLastPara="1" rIns="91425" wrap="square" tIns="91425">
+            <a:spAutoFit/>
+          </a:bodyPr>
+          <a:lstStyle/>
+          <a:p>
+            <a:pPr indent="0" lvl="0" marL="0" rtl="0" algn="l">
+              <a:spcBef>
+                <a:spcPts val="0"/>
+              </a:spcBef>
+              <a:spcAft>
+                <a:spcPts val="0"/>
+              </a:spcAft>
+              <a:buNone/>
+            </a:pPr>
+            <a:r>
+              <a:rPr lang="en">
+                <a:latin typeface="Calibri"/>
+                <a:ea typeface="Calibri"/>
+                <a:cs typeface="Calibri"/>
+                <a:sym typeface="Calibri"/>
+              </a:rPr>
+              <a:t>I would expect that the mean yearly income for people in the non-attrition group is higher than the mean yearly income for people in the attrition group, since I expect people to leave their job in order to make more money somewhere else. Therefore, we can also conduct a one-sided hypothesis test for these means.</a:t>
+            </a:r>
+            <a:endParaRPr>
+              <a:latin typeface="Calibri"/>
+              <a:ea typeface="Calibri"/>
+              <a:cs typeface="Calibri"/>
+              <a:sym typeface="Calibri"/>
+            </a:endParaRPr>
+          </a:p>
+        </p:txBody>
+      </p:sp>
+      <p:pic>
+        <p:nvPicPr>
+          <p:cNvPr id="338" name="Google Shape;338;p45"/>
+          <p:cNvPicPr preferRelativeResize="0"/>
+          <p:nvPr/>
+        </p:nvPicPr>
+        <p:blipFill>
+          <a:blip r:embed="rId3">
+            <a:alphaModFix/>
+          </a:blip>
+          <a:stretch>
+            <a:fillRect/>
+          </a:stretch>
+        </p:blipFill>
+        <p:spPr>
+          <a:xfrm>
+            <a:off x="429900" y="1819275"/>
+            <a:ext cx="6477000" cy="1504950"/>
+          </a:xfrm>
+          <a:prstGeom prst="rect">
+            <a:avLst/>
+          </a:prstGeom>
+          <a:noFill/>
+          <a:ln>
+            <a:noFill/>
+          </a:ln>
+        </p:spPr>
+      </p:pic>
+      <p:sp>
+        <p:nvSpPr>
+          <p:cNvPr id="339" name="Google Shape;339;p45"/>
+          <p:cNvSpPr txBox="1"/>
+          <p:nvPr/>
+        </p:nvSpPr>
+        <p:spPr>
+          <a:xfrm>
+            <a:off x="475975" y="3423875"/>
+            <a:ext cx="8045400" cy="1046700"/>
+          </a:xfrm>
+          <a:prstGeom prst="rect">
+            <a:avLst/>
+          </a:prstGeom>
+          <a:noFill/>
+          <a:ln>
+            <a:noFill/>
+          </a:ln>
+        </p:spPr>
+        <p:txBody>
+          <a:bodyPr anchorCtr="0" anchor="t" bIns="91425" lIns="91425" spcFirstLastPara="1" rIns="91425" wrap="square" tIns="91425">
+            <a:spAutoFit/>
+          </a:bodyPr>
+          <a:lstStyle/>
+          <a:p>
+            <a:pPr indent="0" lvl="0" marL="0" rtl="0" algn="l">
+              <a:spcBef>
+                <a:spcPts val="0"/>
+              </a:spcBef>
+              <a:spcAft>
+                <a:spcPts val="0"/>
+              </a:spcAft>
+              <a:buNone/>
+            </a:pPr>
+            <a:r>
+              <a:rPr lang="en">
+                <a:latin typeface="Calibri"/>
+                <a:ea typeface="Calibri"/>
+                <a:cs typeface="Calibri"/>
+                <a:sym typeface="Calibri"/>
+              </a:rPr>
+              <a:t>The p-value result is still statistically significant for the one-sided hypothesis that attrition_yes' mean yearly income will be greater than attrition_no's mean yearly income. Therefore, we can also conclude at p = 0, that the observed one-sided difference could also be generalized to the population and not just our sample of IBM employees.</a:t>
+            </a:r>
+            <a:endParaRPr>
+              <a:latin typeface="Calibri"/>
+              <a:ea typeface="Calibri"/>
+              <a:cs typeface="Calibri"/>
+              <a:sym typeface="Calibri"/>
+            </a:endParaRPr>
+          </a:p>
+        </p:txBody>
+      </p:sp>
+    </p:spTree>
+  </p:cSld>
+  <p:clrMapOvr>
+    <a:masterClrMapping/>
+  </p:clrMapOvr>
+</p:sld>
+</file>
+
+<file path=ppt/slides/slide34.xml><?xml version="1.0" encoding="utf-8"?>
+<p:sld xmlns:a="http://schemas.openxmlformats.org/drawingml/2006/main" xmlns:r="http://schemas.openxmlformats.org/officeDocument/2006/relationships" xmlns:mc="http://schemas.openxmlformats.org/markup-compatibility/2006" xmlns:mv="urn:schemas-microsoft-com:mac:vml" xmlns:p="http://schemas.openxmlformats.org/presentationml/2006/main" xmlns:c="http://schemas.openxmlformats.org/drawingml/2006/chart" xmlns:dgm="http://schemas.openxmlformats.org/drawingml/2006/diagram" xmlns:o="urn:schemas-microsoft-com:office:office" xmlns:v="urn:schemas-microsoft-com:vml" xmlns:pvml="urn:schemas-microsoft-com:office:powerpoint" xmlns:com="http://schemas.openxmlformats.org/drawingml/2006/compatibility" xmlns:p14="http://schemas.microsoft.com/office/powerpoint/2010/main" xmlns:p15="http://schemas.microsoft.com/office/powerpoint/2012/main" xmlns:ahyp="http://schemas.microsoft.com/office/drawing/2018/hyperlinkcolor">
+  <p:cSld>
+    <p:spTree>
+      <p:nvGrpSpPr>
+        <p:cNvPr id="343" name="Shape 343"/>
+        <p:cNvGrpSpPr/>
+        <p:nvPr/>
+      </p:nvGrpSpPr>
+      <p:grpSpPr>
+        <a:xfrm>
+          <a:off x="0" y="0"/>
+          <a:ext cx="0" cy="0"/>
+          <a:chOff x="0" y="0"/>
+          <a:chExt cx="0" cy="0"/>
+        </a:xfrm>
+      </p:grpSpPr>
+      <p:sp>
+        <p:nvSpPr>
+          <p:cNvPr id="344" name="Google Shape;344;p46"/>
+          <p:cNvSpPr txBox="1"/>
+          <p:nvPr>
+            <p:ph type="title"/>
+          </p:nvPr>
+        </p:nvSpPr>
+        <p:spPr>
+          <a:xfrm>
+            <a:off x="1883259" y="1748700"/>
+            <a:ext cx="5377500" cy="1646100"/>
+          </a:xfrm>
+          <a:prstGeom prst="rect">
+            <a:avLst/>
+          </a:prstGeom>
+        </p:spPr>
+        <p:txBody>
+          <a:bodyPr anchorCtr="0" anchor="ctr" bIns="91425" lIns="91425" spcFirstLastPara="1" rIns="91425" wrap="square" tIns="91425">
+            <a:normAutofit/>
+          </a:bodyPr>
+          <a:lstStyle/>
+          <a:p>
+            <a:pPr indent="0" lvl="0" marL="0" rtl="0" algn="ctr">
+              <a:spcBef>
+                <a:spcPts val="0"/>
+              </a:spcBef>
+              <a:spcAft>
+                <a:spcPts val="0"/>
+              </a:spcAft>
+              <a:buNone/>
+            </a:pPr>
+            <a:r>
+              <a:rPr lang="en"/>
+              <a:t>Regression Analysis (Logistic)</a:t>
+            </a:r>
+            <a:endParaRPr/>
+          </a:p>
+        </p:txBody>
+      </p:sp>
+      <p:sp>
+        <p:nvSpPr>
+          <p:cNvPr id="345" name="Google Shape;345;p46"/>
+          <p:cNvSpPr txBox="1"/>
+          <p:nvPr/>
+        </p:nvSpPr>
+        <p:spPr>
+          <a:xfrm>
+            <a:off x="2147850" y="3008350"/>
+            <a:ext cx="4746000" cy="400200"/>
+          </a:xfrm>
+          <a:prstGeom prst="rect">
+            <a:avLst/>
+          </a:prstGeom>
+          <a:noFill/>
+          <a:ln>
+            <a:noFill/>
+          </a:ln>
+        </p:spPr>
+        <p:txBody>
+          <a:bodyPr anchorCtr="0" anchor="t" bIns="91425" lIns="91425" spcFirstLastPara="1" rIns="91425" wrap="square" tIns="91425">
+            <a:spAutoFit/>
+          </a:bodyPr>
+          <a:lstStyle/>
+          <a:p>
+            <a:pPr indent="0" lvl="0" marL="0" rtl="0" algn="l">
+              <a:spcBef>
+                <a:spcPts val="0"/>
+              </a:spcBef>
+              <a:spcAft>
+                <a:spcPts val="0"/>
+              </a:spcAft>
+              <a:buNone/>
+            </a:pPr>
+            <a:r>
+              <a:t/>
+            </a:r>
+            <a:endParaRPr b="1">
+              <a:latin typeface="Calibri"/>
+              <a:ea typeface="Calibri"/>
+              <a:cs typeface="Calibri"/>
+              <a:sym typeface="Calibri"/>
+            </a:endParaRPr>
+          </a:p>
+        </p:txBody>
+      </p:sp>
+    </p:spTree>
+  </p:cSld>
+  <p:clrMapOvr>
+    <a:masterClrMapping/>
+  </p:clrMapOvr>
+</p:sld>
+</file>
+
+<file path=ppt/slides/slide35.xml><?xml version="1.0" encoding="utf-8"?>
+<p:sld xmlns:a="http://schemas.openxmlformats.org/drawingml/2006/main" xmlns:r="http://schemas.openxmlformats.org/officeDocument/2006/relationships" xmlns:mc="http://schemas.openxmlformats.org/markup-compatibility/2006" xmlns:mv="urn:schemas-microsoft-com:mac:vml" xmlns:p="http://schemas.openxmlformats.org/presentationml/2006/main" xmlns:c="http://schemas.openxmlformats.org/drawingml/2006/chart" xmlns:dgm="http://schemas.openxmlformats.org/drawingml/2006/diagram" xmlns:o="urn:schemas-microsoft-com:office:office" xmlns:v="urn:schemas-microsoft-com:vml" xmlns:pvml="urn:schemas-microsoft-com:office:powerpoint" xmlns:com="http://schemas.openxmlformats.org/drawingml/2006/compatibility" xmlns:p14="http://schemas.microsoft.com/office/powerpoint/2010/main" xmlns:p15="http://schemas.microsoft.com/office/powerpoint/2012/main" xmlns:ahyp="http://schemas.microsoft.com/office/drawing/2018/hyperlinkcolor">
+  <p:cSld>
+    <p:spTree>
+      <p:nvGrpSpPr>
+        <p:cNvPr id="349" name="Shape 349"/>
+        <p:cNvGrpSpPr/>
+        <p:nvPr/>
+      </p:nvGrpSpPr>
+      <p:grpSpPr>
+        <a:xfrm>
+          <a:off x="0" y="0"/>
+          <a:ext cx="0" cy="0"/>
+          <a:chOff x="0" y="0"/>
+          <a:chExt cx="0" cy="0"/>
+        </a:xfrm>
+      </p:grpSpPr>
+      <p:pic>
+        <p:nvPicPr>
+          <p:cNvPr id="350" name="Google Shape;350;p47"/>
+          <p:cNvPicPr preferRelativeResize="0"/>
+          <p:nvPr/>
+        </p:nvPicPr>
+        <p:blipFill>
+          <a:blip r:embed="rId3">
+            <a:alphaModFix/>
+          </a:blip>
+          <a:stretch>
+            <a:fillRect/>
+          </a:stretch>
+        </p:blipFill>
+        <p:spPr>
+          <a:xfrm>
+            <a:off x="1469975" y="482625"/>
+            <a:ext cx="6204049" cy="4178250"/>
+          </a:xfrm>
+          <a:prstGeom prst="rect">
+            <a:avLst/>
+          </a:prstGeom>
+          <a:noFill/>
+          <a:ln>
+            <a:noFill/>
+          </a:ln>
+        </p:spPr>
+      </p:pic>
+      <p:sp>
+        <p:nvSpPr>
+          <p:cNvPr id="351" name="Google Shape;351;p47"/>
+          <p:cNvSpPr txBox="1"/>
+          <p:nvPr/>
+        </p:nvSpPr>
+        <p:spPr>
+          <a:xfrm>
+            <a:off x="6095425" y="368500"/>
+            <a:ext cx="2625600" cy="400200"/>
+          </a:xfrm>
+          <a:prstGeom prst="rect">
+            <a:avLst/>
+          </a:prstGeom>
+          <a:noFill/>
+          <a:ln>
+            <a:noFill/>
+          </a:ln>
+        </p:spPr>
+        <p:txBody>
+          <a:bodyPr anchorCtr="0" anchor="t" bIns="91425" lIns="91425" spcFirstLastPara="1" rIns="91425" wrap="square" tIns="91425">
+            <a:spAutoFit/>
+          </a:bodyPr>
+          <a:lstStyle/>
+          <a:p>
+            <a:pPr indent="0" lvl="0" marL="0" rtl="0" algn="l">
+              <a:spcBef>
+                <a:spcPts val="0"/>
+              </a:spcBef>
+              <a:spcAft>
+                <a:spcPts val="0"/>
+              </a:spcAft>
+              <a:buNone/>
+            </a:pPr>
+            <a:r>
+              <a:t/>
+            </a:r>
+            <a:endParaRPr>
+              <a:latin typeface="Calibri"/>
+              <a:ea typeface="Calibri"/>
+              <a:cs typeface="Calibri"/>
+              <a:sym typeface="Calibri"/>
+            </a:endParaRPr>
+          </a:p>
+        </p:txBody>
+      </p:sp>
+      <p:sp>
+        <p:nvSpPr>
+          <p:cNvPr id="352" name="Google Shape;352;p47"/>
+          <p:cNvSpPr txBox="1"/>
+          <p:nvPr/>
+        </p:nvSpPr>
+        <p:spPr>
+          <a:xfrm>
+            <a:off x="6095425" y="663150"/>
+            <a:ext cx="2625600" cy="1908600"/>
+          </a:xfrm>
+          <a:prstGeom prst="rect">
+            <a:avLst/>
+          </a:prstGeom>
+          <a:noFill/>
+          <a:ln>
+            <a:noFill/>
+          </a:ln>
+        </p:spPr>
+        <p:txBody>
+          <a:bodyPr anchorCtr="0" anchor="t" bIns="91425" lIns="91425" spcFirstLastPara="1" rIns="91425" wrap="square" tIns="91425">
+            <a:spAutoFit/>
+          </a:bodyPr>
+          <a:lstStyle/>
+          <a:p>
+            <a:pPr indent="0" lvl="0" marL="0" rtl="0" algn="l">
+              <a:spcBef>
+                <a:spcPts val="0"/>
+              </a:spcBef>
+              <a:spcAft>
+                <a:spcPts val="0"/>
+              </a:spcAft>
+              <a:buNone/>
+            </a:pPr>
+            <a:r>
+              <a:rPr lang="en" sz="1600">
+                <a:latin typeface="Calibri"/>
+                <a:ea typeface="Calibri"/>
+                <a:cs typeface="Calibri"/>
+                <a:sym typeface="Calibri"/>
+              </a:rPr>
+              <a:t>All variables chosen for exploration were included in the regression … Age, Yearly Income, Years Since Last Promotion, Years in Current Role, Job Satisfaction and Distance From Home</a:t>
+            </a:r>
+            <a:endParaRPr sz="1600">
+              <a:latin typeface="Calibri"/>
+              <a:ea typeface="Calibri"/>
+              <a:cs typeface="Calibri"/>
+              <a:sym typeface="Calibri"/>
+            </a:endParaRPr>
+          </a:p>
+        </p:txBody>
+      </p:sp>
+    </p:spTree>
+  </p:cSld>
+  <p:clrMapOvr>
+    <a:masterClrMapping/>
+  </p:clrMapOvr>
+</p:sld>
+</file>
+
+<file path=ppt/slides/slide36.xml><?xml version="1.0" encoding="utf-8"?>
+<p:sld xmlns:a="http://schemas.openxmlformats.org/drawingml/2006/main" xmlns:r="http://schemas.openxmlformats.org/officeDocument/2006/relationships" xmlns:mc="http://schemas.openxmlformats.org/markup-compatibility/2006" xmlns:mv="urn:schemas-microsoft-com:mac:vml" xmlns:p="http://schemas.openxmlformats.org/presentationml/2006/main" xmlns:c="http://schemas.openxmlformats.org/drawingml/2006/chart" xmlns:dgm="http://schemas.openxmlformats.org/drawingml/2006/diagram" xmlns:o="urn:schemas-microsoft-com:office:office" xmlns:v="urn:schemas-microsoft-com:vml" xmlns:pvml="urn:schemas-microsoft-com:office:powerpoint" xmlns:com="http://schemas.openxmlformats.org/drawingml/2006/compatibility" xmlns:p14="http://schemas.microsoft.com/office/powerpoint/2010/main" xmlns:p15="http://schemas.microsoft.com/office/powerpoint/2012/main" xmlns:ahyp="http://schemas.microsoft.com/office/drawing/2018/hyperlinkcolor">
+  <p:cSld>
+    <p:spTree>
+      <p:nvGrpSpPr>
+        <p:cNvPr id="356" name="Shape 356"/>
+        <p:cNvGrpSpPr/>
+        <p:nvPr/>
+      </p:nvGrpSpPr>
+      <p:grpSpPr>
+        <a:xfrm>
+          <a:off x="0" y="0"/>
+          <a:ext cx="0" cy="0"/>
+          <a:chOff x="0" y="0"/>
+          <a:chExt cx="0" cy="0"/>
+        </a:xfrm>
+      </p:grpSpPr>
+      <p:sp>
+        <p:nvSpPr>
+          <p:cNvPr id="357" name="Google Shape;357;p48"/>
+          <p:cNvSpPr txBox="1"/>
+          <p:nvPr>
+            <p:ph type="title"/>
+          </p:nvPr>
+        </p:nvSpPr>
+        <p:spPr>
+          <a:xfrm>
+            <a:off x="599425" y="569250"/>
+            <a:ext cx="7505700" cy="954600"/>
+          </a:xfrm>
+          <a:prstGeom prst="rect">
+            <a:avLst/>
+          </a:prstGeom>
+        </p:spPr>
+        <p:txBody>
+          <a:bodyPr anchorCtr="0" anchor="t" bIns="91425" lIns="91425" spcFirstLastPara="1" rIns="91425" wrap="square" tIns="91425">
+            <a:normAutofit fontScale="90000"/>
+          </a:bodyPr>
+          <a:lstStyle/>
+          <a:p>
+            <a:pPr indent="0" lvl="0" marL="0" rtl="0" algn="l">
+              <a:spcBef>
+                <a:spcPts val="0"/>
+              </a:spcBef>
+              <a:spcAft>
+                <a:spcPts val="0"/>
+              </a:spcAft>
+              <a:buNone/>
+            </a:pPr>
+            <a:r>
+              <a:rPr lang="en"/>
+              <a:t>Logistic Regression - Attrition as the dependent variable (Binary: Yes or No)</a:t>
+            </a:r>
+            <a:endParaRPr/>
+          </a:p>
+        </p:txBody>
+      </p:sp>
+      <p:pic>
+        <p:nvPicPr>
+          <p:cNvPr id="358" name="Google Shape;358;p48"/>
+          <p:cNvPicPr preferRelativeResize="0"/>
+          <p:nvPr/>
+        </p:nvPicPr>
+        <p:blipFill>
+          <a:blip r:embed="rId3">
+            <a:alphaModFix/>
+          </a:blip>
+          <a:stretch>
+            <a:fillRect/>
+          </a:stretch>
+        </p:blipFill>
+        <p:spPr>
+          <a:xfrm>
+            <a:off x="599425" y="1650525"/>
+            <a:ext cx="7945151" cy="2955600"/>
+          </a:xfrm>
+          <a:prstGeom prst="rect">
+            <a:avLst/>
+          </a:prstGeom>
+          <a:noFill/>
+          <a:ln>
+            <a:noFill/>
+          </a:ln>
+        </p:spPr>
+      </p:pic>
+    </p:spTree>
+  </p:cSld>
+  <p:clrMapOvr>
+    <a:masterClrMapping/>
+  </p:clrMapOvr>
+</p:sld>
+</file>
+
+<file path=ppt/slides/slide37.xml><?xml version="1.0" encoding="utf-8"?>
+<p:sld xmlns:a="http://schemas.openxmlformats.org/drawingml/2006/main" xmlns:r="http://schemas.openxmlformats.org/officeDocument/2006/relationships" xmlns:mc="http://schemas.openxmlformats.org/markup-compatibility/2006" xmlns:mv="urn:schemas-microsoft-com:mac:vml" xmlns:p="http://schemas.openxmlformats.org/presentationml/2006/main" xmlns:c="http://schemas.openxmlformats.org/drawingml/2006/chart" xmlns:dgm="http://schemas.openxmlformats.org/drawingml/2006/diagram" xmlns:o="urn:schemas-microsoft-com:office:office" xmlns:v="urn:schemas-microsoft-com:vml" xmlns:pvml="urn:schemas-microsoft-com:office:powerpoint" xmlns:com="http://schemas.openxmlformats.org/drawingml/2006/compatibility" xmlns:p14="http://schemas.microsoft.com/office/powerpoint/2010/main" xmlns:p15="http://schemas.microsoft.com/office/powerpoint/2012/main" xmlns:ahyp="http://schemas.microsoft.com/office/drawing/2018/hyperlinkcolor">
+  <p:cSld>
+    <p:spTree>
+      <p:nvGrpSpPr>
+        <p:cNvPr id="362" name="Shape 362"/>
+        <p:cNvGrpSpPr/>
+        <p:nvPr/>
+      </p:nvGrpSpPr>
+      <p:grpSpPr>
+        <a:xfrm>
+          <a:off x="0" y="0"/>
+          <a:ext cx="0" cy="0"/>
+          <a:chOff x="0" y="0"/>
+          <a:chExt cx="0" cy="0"/>
+        </a:xfrm>
+      </p:grpSpPr>
+      <p:sp>
+        <p:nvSpPr>
+          <p:cNvPr id="363" name="Google Shape;363;p49"/>
+          <p:cNvSpPr txBox="1"/>
+          <p:nvPr>
+            <p:ph type="title"/>
+          </p:nvPr>
+        </p:nvSpPr>
+        <p:spPr>
+          <a:xfrm>
+            <a:off x="1883259" y="1748700"/>
+            <a:ext cx="5377500" cy="1646100"/>
+          </a:xfrm>
+          <a:prstGeom prst="rect">
+            <a:avLst/>
+          </a:prstGeom>
+        </p:spPr>
+        <p:txBody>
+          <a:bodyPr anchorCtr="0" anchor="ctr" bIns="91425" lIns="91425" spcFirstLastPara="1" rIns="91425" wrap="square" tIns="91425">
+            <a:normAutofit/>
+          </a:bodyPr>
+          <a:lstStyle/>
+          <a:p>
+            <a:pPr indent="0" lvl="0" marL="0" rtl="0" algn="ctr">
+              <a:spcBef>
+                <a:spcPts val="0"/>
+              </a:spcBef>
+              <a:spcAft>
+                <a:spcPts val="0"/>
+              </a:spcAft>
+              <a:buNone/>
+            </a:pPr>
+            <a:r>
+              <a:rPr lang="en"/>
+              <a:t>Thank you so much! I am incredibly sorry again. </a:t>
+            </a:r>
+            <a:endParaRPr/>
+          </a:p>
+        </p:txBody>
+      </p:sp>
+      <p:sp>
+        <p:nvSpPr>
+          <p:cNvPr id="364" name="Google Shape;364;p49"/>
+          <p:cNvSpPr txBox="1"/>
+          <p:nvPr/>
+        </p:nvSpPr>
+        <p:spPr>
+          <a:xfrm>
+            <a:off x="2147850" y="3008350"/>
+            <a:ext cx="4746000" cy="400200"/>
+          </a:xfrm>
+          <a:prstGeom prst="rect">
+            <a:avLst/>
+          </a:prstGeom>
+          <a:noFill/>
+          <a:ln>
+            <a:noFill/>
+          </a:ln>
+        </p:spPr>
+        <p:txBody>
+          <a:bodyPr anchorCtr="0" anchor="t" bIns="91425" lIns="91425" spcFirstLastPara="1" rIns="91425" wrap="square" tIns="91425">
+            <a:spAutoFit/>
+          </a:bodyPr>
+          <a:lstStyle/>
+          <a:p>
+            <a:pPr indent="0" lvl="0" marL="0" rtl="0" algn="l">
+              <a:spcBef>
+                <a:spcPts val="0"/>
+              </a:spcBef>
+              <a:spcAft>
+                <a:spcPts val="0"/>
+              </a:spcAft>
+              <a:buNone/>
+            </a:pPr>
+            <a:r>
+              <a:t/>
+            </a:r>
+            <a:endParaRPr b="1">
+              <a:latin typeface="Calibri"/>
+              <a:ea typeface="Calibri"/>
+              <a:cs typeface="Calibri"/>
+              <a:sym typeface="Calibri"/>
+            </a:endParaRPr>
+          </a:p>
+        </p:txBody>
+      </p:sp>
+    </p:spTree>
+  </p:cSld>
+  <p:clrMapOvr>
+    <a:masterClrMapping/>
+  </p:clrMapOvr>
+</p:sld>
+</file>
+
 <file path=ppt/slides/slide4.xml><?xml version="1.0" encoding="utf-8"?>
 <p:sld xmlns:a="http://schemas.openxmlformats.org/drawingml/2006/main" xmlns:r="http://schemas.openxmlformats.org/officeDocument/2006/relationships" xmlns:mc="http://schemas.openxmlformats.org/markup-compatibility/2006" xmlns:mv="urn:schemas-microsoft-com:mac:vml" xmlns:p="http://schemas.openxmlformats.org/presentationml/2006/main" xmlns:c="http://schemas.openxmlformats.org/drawingml/2006/chart" xmlns:dgm="http://schemas.openxmlformats.org/drawingml/2006/diagram" xmlns:o="urn:schemas-microsoft-com:office:office" xmlns:v="urn:schemas-microsoft-com:vml" xmlns:pvml="urn:schemas-microsoft-com:office:powerpoint" xmlns:com="http://schemas.openxmlformats.org/drawingml/2006/compatibility" xmlns:p14="http://schemas.microsoft.com/office/powerpoint/2010/main" xmlns:p15="http://schemas.microsoft.com/office/powerpoint/2012/main" xmlns:ahyp="http://schemas.microsoft.com/office/drawing/2018/hyperlinkcolor">
   <p:cSld>
@@ -10168,7 +16909,7 @@
             </a:pPr>
             <a:r>
               <a:rPr lang="en"/>
-              <a:t>Statistical Question: What factors play a significant in predicting voluntary employee attrition?</a:t>
+              <a:t>Statistical Question: What factors play a significant role in predicting voluntary employee attrition?</a:t>
             </a:r>
             <a:endParaRPr/>
           </a:p>
@@ -10803,6 +17544,216 @@
           </a:ln>
         </p:spPr>
       </p:pic>
+    </p:spTree>
+  </p:cSld>
+  <p:clrMapOvr>
+    <a:masterClrMapping/>
+  </p:clrMapOvr>
+</p:sld>
+</file>
+
+<file path=ppt/slides/slide8.xml><?xml version="1.0" encoding="utf-8"?>
+<p:sld xmlns:a="http://schemas.openxmlformats.org/drawingml/2006/main" xmlns:r="http://schemas.openxmlformats.org/officeDocument/2006/relationships" xmlns:mc="http://schemas.openxmlformats.org/markup-compatibility/2006" xmlns:mv="urn:schemas-microsoft-com:mac:vml" xmlns:p="http://schemas.openxmlformats.org/presentationml/2006/main" xmlns:c="http://schemas.openxmlformats.org/drawingml/2006/chart" xmlns:dgm="http://schemas.openxmlformats.org/drawingml/2006/diagram" xmlns:o="urn:schemas-microsoft-com:office:office" xmlns:v="urn:schemas-microsoft-com:vml" xmlns:pvml="urn:schemas-microsoft-com:office:powerpoint" xmlns:com="http://schemas.openxmlformats.org/drawingml/2006/compatibility" xmlns:p14="http://schemas.microsoft.com/office/powerpoint/2010/main" xmlns:p15="http://schemas.microsoft.com/office/powerpoint/2012/main" xmlns:ahyp="http://schemas.microsoft.com/office/drawing/2018/hyperlinkcolor">
+  <p:cSld>
+    <p:spTree>
+      <p:nvGrpSpPr>
+        <p:cNvPr id="175" name="Shape 175"/>
+        <p:cNvGrpSpPr/>
+        <p:nvPr/>
+      </p:nvGrpSpPr>
+      <p:grpSpPr>
+        <a:xfrm>
+          <a:off x="0" y="0"/>
+          <a:ext cx="0" cy="0"/>
+          <a:chOff x="0" y="0"/>
+          <a:chExt cx="0" cy="0"/>
+        </a:xfrm>
+      </p:grpSpPr>
+      <p:sp>
+        <p:nvSpPr>
+          <p:cNvPr id="176" name="Google Shape;176;p20"/>
+          <p:cNvSpPr txBox="1"/>
+          <p:nvPr>
+            <p:ph type="title"/>
+          </p:nvPr>
+        </p:nvSpPr>
+        <p:spPr>
+          <a:xfrm>
+            <a:off x="1888684" y="1746100"/>
+            <a:ext cx="5377500" cy="1646100"/>
+          </a:xfrm>
+          <a:prstGeom prst="rect">
+            <a:avLst/>
+          </a:prstGeom>
+        </p:spPr>
+        <p:txBody>
+          <a:bodyPr anchorCtr="0" anchor="ctr" bIns="91425" lIns="91425" spcFirstLastPara="1" rIns="91425" wrap="square" tIns="91425">
+            <a:normAutofit/>
+          </a:bodyPr>
+          <a:lstStyle/>
+          <a:p>
+            <a:pPr indent="0" lvl="0" marL="0" rtl="0" algn="ctr">
+              <a:spcBef>
+                <a:spcPts val="0"/>
+              </a:spcBef>
+              <a:spcAft>
+                <a:spcPts val="0"/>
+              </a:spcAft>
+              <a:buNone/>
+            </a:pPr>
+            <a:r>
+              <a:rPr lang="en"/>
+              <a:t>Variable Histograms</a:t>
+            </a:r>
+            <a:endParaRPr/>
+          </a:p>
+        </p:txBody>
+      </p:sp>
+    </p:spTree>
+  </p:cSld>
+  <p:clrMapOvr>
+    <a:masterClrMapping/>
+  </p:clrMapOvr>
+</p:sld>
+</file>
+
+<file path=ppt/slides/slide9.xml><?xml version="1.0" encoding="utf-8"?>
+<p:sld xmlns:a="http://schemas.openxmlformats.org/drawingml/2006/main" xmlns:r="http://schemas.openxmlformats.org/officeDocument/2006/relationships" xmlns:mc="http://schemas.openxmlformats.org/markup-compatibility/2006" xmlns:mv="urn:schemas-microsoft-com:mac:vml" xmlns:p="http://schemas.openxmlformats.org/presentationml/2006/main" xmlns:c="http://schemas.openxmlformats.org/drawingml/2006/chart" xmlns:dgm="http://schemas.openxmlformats.org/drawingml/2006/diagram" xmlns:o="urn:schemas-microsoft-com:office:office" xmlns:v="urn:schemas-microsoft-com:vml" xmlns:pvml="urn:schemas-microsoft-com:office:powerpoint" xmlns:com="http://schemas.openxmlformats.org/drawingml/2006/compatibility" xmlns:p14="http://schemas.microsoft.com/office/powerpoint/2010/main" xmlns:p15="http://schemas.microsoft.com/office/powerpoint/2012/main" xmlns:ahyp="http://schemas.microsoft.com/office/drawing/2018/hyperlinkcolor">
+  <p:cSld>
+    <p:spTree>
+      <p:nvGrpSpPr>
+        <p:cNvPr id="180" name="Shape 180"/>
+        <p:cNvGrpSpPr/>
+        <p:nvPr/>
+      </p:nvGrpSpPr>
+      <p:grpSpPr>
+        <a:xfrm>
+          <a:off x="0" y="0"/>
+          <a:ext cx="0" cy="0"/>
+          <a:chOff x="0" y="0"/>
+          <a:chExt cx="0" cy="0"/>
+        </a:xfrm>
+      </p:grpSpPr>
+      <p:sp>
+        <p:nvSpPr>
+          <p:cNvPr id="181" name="Google Shape;181;p21"/>
+          <p:cNvSpPr txBox="1"/>
+          <p:nvPr>
+            <p:ph type="title"/>
+          </p:nvPr>
+        </p:nvSpPr>
+        <p:spPr>
+          <a:xfrm>
+            <a:off x="472700" y="502750"/>
+            <a:ext cx="3350400" cy="1109400"/>
+          </a:xfrm>
+          <a:prstGeom prst="rect">
+            <a:avLst/>
+          </a:prstGeom>
+        </p:spPr>
+        <p:txBody>
+          <a:bodyPr anchorCtr="0" anchor="ctr" bIns="91425" lIns="91425" spcFirstLastPara="1" rIns="91425" wrap="square" tIns="91425">
+            <a:normAutofit fontScale="90000"/>
+          </a:bodyPr>
+          <a:lstStyle/>
+          <a:p>
+            <a:pPr indent="0" lvl="0" marL="0" rtl="0" algn="ctr">
+              <a:spcBef>
+                <a:spcPts val="0"/>
+              </a:spcBef>
+              <a:spcAft>
+                <a:spcPts val="0"/>
+              </a:spcAft>
+              <a:buNone/>
+            </a:pPr>
+            <a:r>
+              <a:rPr lang="en"/>
+              <a:t>Histogram of Age</a:t>
+            </a:r>
+            <a:endParaRPr/>
+          </a:p>
+        </p:txBody>
+      </p:sp>
+      <p:pic>
+        <p:nvPicPr>
+          <p:cNvPr id="182" name="Google Shape;182;p21"/>
+          <p:cNvPicPr preferRelativeResize="0"/>
+          <p:nvPr/>
+        </p:nvPicPr>
+        <p:blipFill>
+          <a:blip r:embed="rId3">
+            <a:alphaModFix/>
+          </a:blip>
+          <a:stretch>
+            <a:fillRect/>
+          </a:stretch>
+        </p:blipFill>
+        <p:spPr>
+          <a:xfrm>
+            <a:off x="472702" y="1612150"/>
+            <a:ext cx="4897650" cy="2734100"/>
+          </a:xfrm>
+          <a:prstGeom prst="rect">
+            <a:avLst/>
+          </a:prstGeom>
+          <a:noFill/>
+          <a:ln>
+            <a:noFill/>
+          </a:ln>
+        </p:spPr>
+      </p:pic>
+      <p:sp>
+        <p:nvSpPr>
+          <p:cNvPr id="183" name="Google Shape;183;p21"/>
+          <p:cNvSpPr txBox="1"/>
+          <p:nvPr/>
+        </p:nvSpPr>
+        <p:spPr>
+          <a:xfrm>
+            <a:off x="4913200" y="1581425"/>
+            <a:ext cx="3731100" cy="2339700"/>
+          </a:xfrm>
+          <a:prstGeom prst="rect">
+            <a:avLst/>
+          </a:prstGeom>
+          <a:noFill/>
+          <a:ln>
+            <a:noFill/>
+          </a:ln>
+        </p:spPr>
+        <p:txBody>
+          <a:bodyPr anchorCtr="0" anchor="t" bIns="91425" lIns="91425" spcFirstLastPara="1" rIns="91425" wrap="square" tIns="91425">
+            <a:spAutoFit/>
+          </a:bodyPr>
+          <a:lstStyle/>
+          <a:p>
+            <a:pPr indent="0" lvl="0" marL="0" rtl="0" algn="l">
+              <a:spcBef>
+                <a:spcPts val="0"/>
+              </a:spcBef>
+              <a:spcAft>
+                <a:spcPts val="0"/>
+              </a:spcAft>
+              <a:buNone/>
+            </a:pPr>
+            <a:r>
+              <a:rPr lang="en">
+                <a:latin typeface="Calibri"/>
+                <a:ea typeface="Calibri"/>
+                <a:cs typeface="Calibri"/>
+                <a:sym typeface="Calibri"/>
+              </a:rPr>
+              <a:t>The distribution of age for the entire dataset is relatively left-skewed. From looking at the histogram, it looks like there are outliers from age 18- ~21. Those ages are quite young for employees at a company, as usually companies hire people with undergraduate degrees and most people graduate from college at age 22 or 23. I am going to remove this population from the dataset to more align with the dataset with normal working ages at a company.</a:t>
+            </a:r>
+            <a:endParaRPr>
+              <a:latin typeface="Calibri"/>
+              <a:ea typeface="Calibri"/>
+              <a:cs typeface="Calibri"/>
+              <a:sym typeface="Calibri"/>
+            </a:endParaRPr>
+          </a:p>
+        </p:txBody>
+      </p:sp>
     </p:spTree>
   </p:cSld>
   <p:clrMapOvr>
